--- a/doc/framework.pptx
+++ b/doc/framework.pptx
@@ -2,7 +2,7 @@
 <file path=ppt/presentation.xml><?xml version="1.0" encoding="utf-8"?>
 <p:presentation xmlns:a="http://schemas.openxmlformats.org/drawingml/2006/main" xmlns:r="http://schemas.openxmlformats.org/officeDocument/2006/relationships" xmlns:p="http://schemas.openxmlformats.org/presentationml/2006/main" saveSubsetFonts="1">
   <p:sldMasterIdLst>
-    <p:sldMasterId id="2147483648" r:id="rId1"/>
+    <p:sldMasterId id="2147483720" r:id="rId1"/>
   </p:sldMasterIdLst>
   <p:notesMasterIdLst>
     <p:notesMasterId r:id="rId3"/>
@@ -10,13 +10,13 @@
   <p:sldIdLst>
     <p:sldId id="256" r:id="rId2"/>
   </p:sldIdLst>
-  <p:sldSz cx="12192000" cy="6858000"/>
+  <p:sldSz cx="21599525" cy="12599988"/>
   <p:notesSz cx="6858000" cy="9144000"/>
   <p:defaultTextStyle>
     <a:defPPr>
-      <a:defRPr lang="zh-CN"/>
+      <a:defRPr lang="en-US"/>
     </a:defPPr>
-    <a:lvl1pPr marL="0" algn="l" defTabSz="914400" rtl="0" eaLnBrk="1" latinLnBrk="0" hangingPunct="1">
+    <a:lvl1pPr marL="0" algn="l" defTabSz="457200" rtl="0" eaLnBrk="1" latinLnBrk="0" hangingPunct="1">
       <a:defRPr sz="1800" kern="1200">
         <a:solidFill>
           <a:schemeClr val="tx1"/>
@@ -26,7 +26,7 @@
         <a:cs typeface="+mn-cs"/>
       </a:defRPr>
     </a:lvl1pPr>
-    <a:lvl2pPr marL="457200" algn="l" defTabSz="914400" rtl="0" eaLnBrk="1" latinLnBrk="0" hangingPunct="1">
+    <a:lvl2pPr marL="457200" algn="l" defTabSz="457200" rtl="0" eaLnBrk="1" latinLnBrk="0" hangingPunct="1">
       <a:defRPr sz="1800" kern="1200">
         <a:solidFill>
           <a:schemeClr val="tx1"/>
@@ -36,7 +36,7 @@
         <a:cs typeface="+mn-cs"/>
       </a:defRPr>
     </a:lvl2pPr>
-    <a:lvl3pPr marL="914400" algn="l" defTabSz="914400" rtl="0" eaLnBrk="1" latinLnBrk="0" hangingPunct="1">
+    <a:lvl3pPr marL="914400" algn="l" defTabSz="457200" rtl="0" eaLnBrk="1" latinLnBrk="0" hangingPunct="1">
       <a:defRPr sz="1800" kern="1200">
         <a:solidFill>
           <a:schemeClr val="tx1"/>
@@ -46,7 +46,7 @@
         <a:cs typeface="+mn-cs"/>
       </a:defRPr>
     </a:lvl3pPr>
-    <a:lvl4pPr marL="1371600" algn="l" defTabSz="914400" rtl="0" eaLnBrk="1" latinLnBrk="0" hangingPunct="1">
+    <a:lvl4pPr marL="1371600" algn="l" defTabSz="457200" rtl="0" eaLnBrk="1" latinLnBrk="0" hangingPunct="1">
       <a:defRPr sz="1800" kern="1200">
         <a:solidFill>
           <a:schemeClr val="tx1"/>
@@ -56,7 +56,7 @@
         <a:cs typeface="+mn-cs"/>
       </a:defRPr>
     </a:lvl4pPr>
-    <a:lvl5pPr marL="1828800" algn="l" defTabSz="914400" rtl="0" eaLnBrk="1" latinLnBrk="0" hangingPunct="1">
+    <a:lvl5pPr marL="1828800" algn="l" defTabSz="457200" rtl="0" eaLnBrk="1" latinLnBrk="0" hangingPunct="1">
       <a:defRPr sz="1800" kern="1200">
         <a:solidFill>
           <a:schemeClr val="tx1"/>
@@ -66,7 +66,7 @@
         <a:cs typeface="+mn-cs"/>
       </a:defRPr>
     </a:lvl5pPr>
-    <a:lvl6pPr marL="2286000" algn="l" defTabSz="914400" rtl="0" eaLnBrk="1" latinLnBrk="0" hangingPunct="1">
+    <a:lvl6pPr marL="2286000" algn="l" defTabSz="457200" rtl="0" eaLnBrk="1" latinLnBrk="0" hangingPunct="1">
       <a:defRPr sz="1800" kern="1200">
         <a:solidFill>
           <a:schemeClr val="tx1"/>
@@ -76,7 +76,7 @@
         <a:cs typeface="+mn-cs"/>
       </a:defRPr>
     </a:lvl6pPr>
-    <a:lvl7pPr marL="2743200" algn="l" defTabSz="914400" rtl="0" eaLnBrk="1" latinLnBrk="0" hangingPunct="1">
+    <a:lvl7pPr marL="2743200" algn="l" defTabSz="457200" rtl="0" eaLnBrk="1" latinLnBrk="0" hangingPunct="1">
       <a:defRPr sz="1800" kern="1200">
         <a:solidFill>
           <a:schemeClr val="tx1"/>
@@ -86,7 +86,7 @@
         <a:cs typeface="+mn-cs"/>
       </a:defRPr>
     </a:lvl7pPr>
-    <a:lvl8pPr marL="3200400" algn="l" defTabSz="914400" rtl="0" eaLnBrk="1" latinLnBrk="0" hangingPunct="1">
+    <a:lvl8pPr marL="3200400" algn="l" defTabSz="457200" rtl="0" eaLnBrk="1" latinLnBrk="0" hangingPunct="1">
       <a:defRPr sz="1800" kern="1200">
         <a:solidFill>
           <a:schemeClr val="tx1"/>
@@ -96,7 +96,7 @@
         <a:cs typeface="+mn-cs"/>
       </a:defRPr>
     </a:lvl8pPr>
-    <a:lvl9pPr marL="3657600" algn="l" defTabSz="914400" rtl="0" eaLnBrk="1" latinLnBrk="0" hangingPunct="1">
+    <a:lvl9pPr marL="3657600" algn="l" defTabSz="457200" rtl="0" eaLnBrk="1" latinLnBrk="0" hangingPunct="1">
       <a:defRPr sz="1800" kern="1200">
         <a:solidFill>
           <a:schemeClr val="tx1"/>
@@ -110,12 +110,12 @@
   <p:extLst>
     <p:ext uri="{EFAFB233-063F-42B5-8137-9DF3F51BA10A}">
       <p15:sldGuideLst xmlns:p15="http://schemas.microsoft.com/office/powerpoint/2012/main">
-        <p15:guide id="1" orient="horz" pos="2160" userDrawn="1">
+        <p15:guide id="1" orient="horz" pos="3969" userDrawn="1">
           <p15:clr>
             <a:srgbClr val="A4A3A4"/>
           </p15:clr>
         </p15:guide>
-        <p15:guide id="2" pos="3840" userDrawn="1">
+        <p15:guide id="2" pos="6804" userDrawn="1">
           <p15:clr>
             <a:srgbClr val="A4A3A4"/>
           </p15:clr>
@@ -208,7 +208,7 @@
           <a:p>
             <a:fld id="{110D8902-5A20-453A-A79F-73E188936291}" type="datetimeFigureOut">
               <a:rPr lang="zh-CN" altLang="en-US" smtClean="0"/>
-              <a:t>2021/9/14</a:t>
+              <a:t>2021/9/15</a:t>
             </a:fld>
             <a:endParaRPr lang="zh-CN" altLang="en-US"/>
           </a:p>
@@ -226,8 +226,8 @@
         </p:nvSpPr>
         <p:spPr>
           <a:xfrm>
-            <a:off x="685800" y="1143000"/>
-            <a:ext cx="5486400" cy="3086100"/>
+            <a:off x="784225" y="1143000"/>
+            <a:ext cx="5289550" cy="3086100"/>
           </a:xfrm>
           <a:prstGeom prst="rect">
             <a:avLst/>
@@ -382,8 +382,8 @@
   </p:cSld>
   <p:clrMap bg1="lt1" tx1="dk1" bg2="lt2" tx2="dk2" accent1="accent1" accent2="accent2" accent3="accent3" accent4="accent4" accent5="accent5" accent6="accent6" hlink="hlink" folHlink="folHlink"/>
   <p:notesStyle>
-    <a:lvl1pPr marL="0" algn="l" defTabSz="914400" rtl="0" eaLnBrk="1" latinLnBrk="0" hangingPunct="1">
-      <a:defRPr sz="1200" kern="1200">
+    <a:lvl1pPr marL="0" algn="l" defTabSz="1468657" rtl="0" eaLnBrk="1" latinLnBrk="0" hangingPunct="1">
+      <a:defRPr sz="1927" kern="1200">
         <a:solidFill>
           <a:schemeClr val="tx1"/>
         </a:solidFill>
@@ -392,8 +392,8 @@
         <a:cs typeface="+mn-cs"/>
       </a:defRPr>
     </a:lvl1pPr>
-    <a:lvl2pPr marL="457200" algn="l" defTabSz="914400" rtl="0" eaLnBrk="1" latinLnBrk="0" hangingPunct="1">
-      <a:defRPr sz="1200" kern="1200">
+    <a:lvl2pPr marL="734329" algn="l" defTabSz="1468657" rtl="0" eaLnBrk="1" latinLnBrk="0" hangingPunct="1">
+      <a:defRPr sz="1927" kern="1200">
         <a:solidFill>
           <a:schemeClr val="tx1"/>
         </a:solidFill>
@@ -402,8 +402,8 @@
         <a:cs typeface="+mn-cs"/>
       </a:defRPr>
     </a:lvl2pPr>
-    <a:lvl3pPr marL="914400" algn="l" defTabSz="914400" rtl="0" eaLnBrk="1" latinLnBrk="0" hangingPunct="1">
-      <a:defRPr sz="1200" kern="1200">
+    <a:lvl3pPr marL="1468657" algn="l" defTabSz="1468657" rtl="0" eaLnBrk="1" latinLnBrk="0" hangingPunct="1">
+      <a:defRPr sz="1927" kern="1200">
         <a:solidFill>
           <a:schemeClr val="tx1"/>
         </a:solidFill>
@@ -412,8 +412,8 @@
         <a:cs typeface="+mn-cs"/>
       </a:defRPr>
     </a:lvl3pPr>
-    <a:lvl4pPr marL="1371600" algn="l" defTabSz="914400" rtl="0" eaLnBrk="1" latinLnBrk="0" hangingPunct="1">
-      <a:defRPr sz="1200" kern="1200">
+    <a:lvl4pPr marL="2202986" algn="l" defTabSz="1468657" rtl="0" eaLnBrk="1" latinLnBrk="0" hangingPunct="1">
+      <a:defRPr sz="1927" kern="1200">
         <a:solidFill>
           <a:schemeClr val="tx1"/>
         </a:solidFill>
@@ -422,8 +422,8 @@
         <a:cs typeface="+mn-cs"/>
       </a:defRPr>
     </a:lvl4pPr>
-    <a:lvl5pPr marL="1828800" algn="l" defTabSz="914400" rtl="0" eaLnBrk="1" latinLnBrk="0" hangingPunct="1">
-      <a:defRPr sz="1200" kern="1200">
+    <a:lvl5pPr marL="2937316" algn="l" defTabSz="1468657" rtl="0" eaLnBrk="1" latinLnBrk="0" hangingPunct="1">
+      <a:defRPr sz="1927" kern="1200">
         <a:solidFill>
           <a:schemeClr val="tx1"/>
         </a:solidFill>
@@ -432,8 +432,8 @@
         <a:cs typeface="+mn-cs"/>
       </a:defRPr>
     </a:lvl5pPr>
-    <a:lvl6pPr marL="2286000" algn="l" defTabSz="914400" rtl="0" eaLnBrk="1" latinLnBrk="0" hangingPunct="1">
-      <a:defRPr sz="1200" kern="1200">
+    <a:lvl6pPr marL="3671645" algn="l" defTabSz="1468657" rtl="0" eaLnBrk="1" latinLnBrk="0" hangingPunct="1">
+      <a:defRPr sz="1927" kern="1200">
         <a:solidFill>
           <a:schemeClr val="tx1"/>
         </a:solidFill>
@@ -442,8 +442,8 @@
         <a:cs typeface="+mn-cs"/>
       </a:defRPr>
     </a:lvl6pPr>
-    <a:lvl7pPr marL="2743200" algn="l" defTabSz="914400" rtl="0" eaLnBrk="1" latinLnBrk="0" hangingPunct="1">
-      <a:defRPr sz="1200" kern="1200">
+    <a:lvl7pPr marL="4405974" algn="l" defTabSz="1468657" rtl="0" eaLnBrk="1" latinLnBrk="0" hangingPunct="1">
+      <a:defRPr sz="1927" kern="1200">
         <a:solidFill>
           <a:schemeClr val="tx1"/>
         </a:solidFill>
@@ -452,8 +452,8 @@
         <a:cs typeface="+mn-cs"/>
       </a:defRPr>
     </a:lvl7pPr>
-    <a:lvl8pPr marL="3200400" algn="l" defTabSz="914400" rtl="0" eaLnBrk="1" latinLnBrk="0" hangingPunct="1">
-      <a:defRPr sz="1200" kern="1200">
+    <a:lvl8pPr marL="5140302" algn="l" defTabSz="1468657" rtl="0" eaLnBrk="1" latinLnBrk="0" hangingPunct="1">
+      <a:defRPr sz="1927" kern="1200">
         <a:solidFill>
           <a:schemeClr val="tx1"/>
         </a:solidFill>
@@ -462,8 +462,8 @@
         <a:cs typeface="+mn-cs"/>
       </a:defRPr>
     </a:lvl8pPr>
-    <a:lvl9pPr marL="3657600" algn="l" defTabSz="914400" rtl="0" eaLnBrk="1" latinLnBrk="0" hangingPunct="1">
-      <a:defRPr sz="1200" kern="1200">
+    <a:lvl9pPr marL="5874631" algn="l" defTabSz="1468657" rtl="0" eaLnBrk="1" latinLnBrk="0" hangingPunct="1">
+      <a:defRPr sz="1927" kern="1200">
         <a:solidFill>
           <a:schemeClr val="tx1"/>
         </a:solidFill>
@@ -503,7 +503,12 @@
             <p:ph type="sldImg"/>
           </p:nvPr>
         </p:nvSpPr>
-        <p:spPr/>
+        <p:spPr>
+          <a:xfrm>
+            <a:off x="784225" y="1143000"/>
+            <a:ext cx="5289550" cy="3086100"/>
+          </a:xfrm>
+        </p:spPr>
       </p:sp>
       <p:sp>
         <p:nvSpPr>
@@ -579,7 +584,7 @@
       </p:grpSpPr>
       <p:sp>
         <p:nvSpPr>
-          <p:cNvPr id="2" name="标题 1"/>
+          <p:cNvPr id="2" name="Title 1"/>
           <p:cNvSpPr>
             <a:spLocks noGrp="1"/>
           </p:cNvSpPr>
@@ -589,15 +594,15 @@
         </p:nvSpPr>
         <p:spPr>
           <a:xfrm>
-            <a:off x="1524000" y="1122363"/>
-            <a:ext cx="9144000" cy="2387600"/>
+            <a:off x="2699941" y="2062083"/>
+            <a:ext cx="16199644" cy="4386662"/>
           </a:xfrm>
         </p:spPr>
         <p:txBody>
           <a:bodyPr anchor="b"/>
           <a:lstStyle>
             <a:lvl1pPr algn="ctr">
-              <a:defRPr sz="6000"/>
+              <a:defRPr sz="10630"/>
             </a:lvl1pPr>
           </a:lstStyle>
           <a:p>
@@ -605,13 +610,13 @@
               <a:rPr lang="zh-CN" altLang="en-US" smtClean="0"/>
               <a:t>单击此处编辑母版标题样式</a:t>
             </a:r>
-            <a:endParaRPr lang="zh-CN" altLang="en-US"/>
+            <a:endParaRPr lang="en-US" dirty="0"/>
           </a:p>
         </p:txBody>
       </p:sp>
       <p:sp>
         <p:nvSpPr>
-          <p:cNvPr id="3" name="副标题 2"/>
+          <p:cNvPr id="3" name="Subtitle 2"/>
           <p:cNvSpPr>
             <a:spLocks noGrp="1"/>
           </p:cNvSpPr>
@@ -621,8 +626,8 @@
         </p:nvSpPr>
         <p:spPr>
           <a:xfrm>
-            <a:off x="1524000" y="3602038"/>
-            <a:ext cx="9144000" cy="1655762"/>
+            <a:off x="2699941" y="6617911"/>
+            <a:ext cx="16199644" cy="3042080"/>
           </a:xfrm>
         </p:spPr>
         <p:txBody>
@@ -630,39 +635,39 @@
           <a:lstStyle>
             <a:lvl1pPr marL="0" indent="0" algn="ctr">
               <a:buNone/>
-              <a:defRPr sz="2400"/>
+              <a:defRPr sz="4252"/>
             </a:lvl1pPr>
-            <a:lvl2pPr marL="457200" indent="0" algn="ctr">
+            <a:lvl2pPr marL="809976" indent="0" algn="ctr">
               <a:buNone/>
-              <a:defRPr sz="2000"/>
+              <a:defRPr sz="3543"/>
             </a:lvl2pPr>
-            <a:lvl3pPr marL="914400" indent="0" algn="ctr">
+            <a:lvl3pPr marL="1619951" indent="0" algn="ctr">
               <a:buNone/>
-              <a:defRPr sz="1800"/>
+              <a:defRPr sz="3189"/>
             </a:lvl3pPr>
-            <a:lvl4pPr marL="1371600" indent="0" algn="ctr">
+            <a:lvl4pPr marL="2429927" indent="0" algn="ctr">
               <a:buNone/>
-              <a:defRPr sz="1600"/>
+              <a:defRPr sz="2835"/>
             </a:lvl4pPr>
-            <a:lvl5pPr marL="1828800" indent="0" algn="ctr">
+            <a:lvl5pPr marL="3239902" indent="0" algn="ctr">
               <a:buNone/>
-              <a:defRPr sz="1600"/>
+              <a:defRPr sz="2835"/>
             </a:lvl5pPr>
-            <a:lvl6pPr marL="2286000" indent="0" algn="ctr">
+            <a:lvl6pPr marL="4049878" indent="0" algn="ctr">
               <a:buNone/>
-              <a:defRPr sz="1600"/>
+              <a:defRPr sz="2835"/>
             </a:lvl6pPr>
-            <a:lvl7pPr marL="2743200" indent="0" algn="ctr">
+            <a:lvl7pPr marL="4859853" indent="0" algn="ctr">
               <a:buNone/>
-              <a:defRPr sz="1600"/>
+              <a:defRPr sz="2835"/>
             </a:lvl7pPr>
-            <a:lvl8pPr marL="3200400" indent="0" algn="ctr">
+            <a:lvl8pPr marL="5669829" indent="0" algn="ctr">
               <a:buNone/>
-              <a:defRPr sz="1600"/>
+              <a:defRPr sz="2835"/>
             </a:lvl8pPr>
-            <a:lvl9pPr marL="3657600" indent="0" algn="ctr">
+            <a:lvl9pPr marL="6479804" indent="0" algn="ctr">
               <a:buNone/>
-              <a:defRPr sz="1600"/>
+              <a:defRPr sz="2835"/>
             </a:lvl9pPr>
           </a:lstStyle>
           <a:p>
@@ -670,13 +675,13 @@
               <a:rPr lang="zh-CN" altLang="en-US" smtClean="0"/>
               <a:t>单击以编辑母版副标题样式</a:t>
             </a:r>
-            <a:endParaRPr lang="zh-CN" altLang="en-US"/>
+            <a:endParaRPr lang="en-US" dirty="0"/>
           </a:p>
         </p:txBody>
       </p:sp>
       <p:sp>
         <p:nvSpPr>
-          <p:cNvPr id="4" name="日期占位符 3"/>
+          <p:cNvPr id="4" name="Date Placeholder 3"/>
           <p:cNvSpPr>
             <a:spLocks noGrp="1"/>
           </p:cNvSpPr>
@@ -691,7 +696,7 @@
           <a:p>
             <a:fld id="{9539D9DB-C257-48EC-866B-42186B048592}" type="datetimeFigureOut">
               <a:rPr lang="zh-CN" altLang="en-US" smtClean="0"/>
-              <a:t>2021/9/14</a:t>
+              <a:t>2021/9/15</a:t>
             </a:fld>
             <a:endParaRPr lang="zh-CN" altLang="en-US"/>
           </a:p>
@@ -699,7 +704,7 @@
       </p:sp>
       <p:sp>
         <p:nvSpPr>
-          <p:cNvPr id="5" name="页脚占位符 4"/>
+          <p:cNvPr id="5" name="Footer Placeholder 4"/>
           <p:cNvSpPr>
             <a:spLocks noGrp="1"/>
           </p:cNvSpPr>
@@ -718,7 +723,7 @@
       </p:sp>
       <p:sp>
         <p:nvSpPr>
-          <p:cNvPr id="6" name="灯片编号占位符 5"/>
+          <p:cNvPr id="6" name="Slide Number Placeholder 5"/>
           <p:cNvSpPr>
             <a:spLocks noGrp="1"/>
           </p:cNvSpPr>
@@ -742,7 +747,7 @@
     </p:spTree>
     <p:extLst>
       <p:ext uri="{BB962C8B-B14F-4D97-AF65-F5344CB8AC3E}">
-        <p14:creationId xmlns:p14="http://schemas.microsoft.com/office/powerpoint/2010/main" val="325834986"/>
+        <p14:creationId xmlns:p14="http://schemas.microsoft.com/office/powerpoint/2010/main" val="1102237643"/>
       </p:ext>
     </p:extLst>
   </p:cSld>
@@ -771,7 +776,7 @@
       </p:grpSpPr>
       <p:sp>
         <p:nvSpPr>
-          <p:cNvPr id="2" name="标题 1"/>
+          <p:cNvPr id="2" name="Title 1"/>
           <p:cNvSpPr>
             <a:spLocks noGrp="1"/>
           </p:cNvSpPr>
@@ -788,13 +793,13 @@
               <a:rPr lang="zh-CN" altLang="en-US" smtClean="0"/>
               <a:t>单击此处编辑母版标题样式</a:t>
             </a:r>
-            <a:endParaRPr lang="zh-CN" altLang="en-US"/>
+            <a:endParaRPr lang="en-US" dirty="0"/>
           </a:p>
         </p:txBody>
       </p:sp>
       <p:sp>
         <p:nvSpPr>
-          <p:cNvPr id="3" name="竖排文字占位符 2"/>
+          <p:cNvPr id="3" name="Vertical Text Placeholder 2"/>
           <p:cNvSpPr>
             <a:spLocks noGrp="1"/>
           </p:cNvSpPr>
@@ -840,13 +845,13 @@
               <a:rPr lang="zh-CN" altLang="en-US" smtClean="0"/>
               <a:t>第五级</a:t>
             </a:r>
-            <a:endParaRPr lang="zh-CN" altLang="en-US"/>
+            <a:endParaRPr lang="en-US" dirty="0"/>
           </a:p>
         </p:txBody>
       </p:sp>
       <p:sp>
         <p:nvSpPr>
-          <p:cNvPr id="4" name="日期占位符 3"/>
+          <p:cNvPr id="4" name="Date Placeholder 3"/>
           <p:cNvSpPr>
             <a:spLocks noGrp="1"/>
           </p:cNvSpPr>
@@ -861,7 +866,7 @@
           <a:p>
             <a:fld id="{9539D9DB-C257-48EC-866B-42186B048592}" type="datetimeFigureOut">
               <a:rPr lang="zh-CN" altLang="en-US" smtClean="0"/>
-              <a:t>2021/9/14</a:t>
+              <a:t>2021/9/15</a:t>
             </a:fld>
             <a:endParaRPr lang="zh-CN" altLang="en-US"/>
           </a:p>
@@ -869,7 +874,7 @@
       </p:sp>
       <p:sp>
         <p:nvSpPr>
-          <p:cNvPr id="5" name="页脚占位符 4"/>
+          <p:cNvPr id="5" name="Footer Placeholder 4"/>
           <p:cNvSpPr>
             <a:spLocks noGrp="1"/>
           </p:cNvSpPr>
@@ -888,7 +893,7 @@
       </p:sp>
       <p:sp>
         <p:nvSpPr>
-          <p:cNvPr id="6" name="灯片编号占位符 5"/>
+          <p:cNvPr id="6" name="Slide Number Placeholder 5"/>
           <p:cNvSpPr>
             <a:spLocks noGrp="1"/>
           </p:cNvSpPr>
@@ -912,7 +917,7 @@
     </p:spTree>
     <p:extLst>
       <p:ext uri="{BB962C8B-B14F-4D97-AF65-F5344CB8AC3E}">
-        <p14:creationId xmlns:p14="http://schemas.microsoft.com/office/powerpoint/2010/main" val="3238350602"/>
+        <p14:creationId xmlns:p14="http://schemas.microsoft.com/office/powerpoint/2010/main" val="4255299870"/>
       </p:ext>
     </p:extLst>
   </p:cSld>
@@ -941,7 +946,7 @@
       </p:grpSpPr>
       <p:sp>
         <p:nvSpPr>
-          <p:cNvPr id="2" name="竖排标题 1"/>
+          <p:cNvPr id="2" name="Vertical Title 1"/>
           <p:cNvSpPr>
             <a:spLocks noGrp="1"/>
           </p:cNvSpPr>
@@ -951,8 +956,8 @@
         </p:nvSpPr>
         <p:spPr>
           <a:xfrm>
-            <a:off x="8724900" y="365125"/>
-            <a:ext cx="2628900" cy="5811838"/>
+            <a:off x="15457160" y="670833"/>
+            <a:ext cx="4657398" cy="10677907"/>
           </a:xfrm>
         </p:spPr>
         <p:txBody>
@@ -963,13 +968,13 @@
               <a:rPr lang="zh-CN" altLang="en-US" smtClean="0"/>
               <a:t>单击此处编辑母版标题样式</a:t>
             </a:r>
-            <a:endParaRPr lang="zh-CN" altLang="en-US"/>
+            <a:endParaRPr lang="en-US" dirty="0"/>
           </a:p>
         </p:txBody>
       </p:sp>
       <p:sp>
         <p:nvSpPr>
-          <p:cNvPr id="3" name="竖排文字占位符 2"/>
+          <p:cNvPr id="3" name="Vertical Text Placeholder 2"/>
           <p:cNvSpPr>
             <a:spLocks noGrp="1"/>
           </p:cNvSpPr>
@@ -979,8 +984,8 @@
         </p:nvSpPr>
         <p:spPr>
           <a:xfrm>
-            <a:off x="838200" y="365125"/>
-            <a:ext cx="7734300" cy="5811838"/>
+            <a:off x="1484967" y="670833"/>
+            <a:ext cx="13702199" cy="10677907"/>
           </a:xfrm>
         </p:spPr>
         <p:txBody>
@@ -1020,13 +1025,13 @@
               <a:rPr lang="zh-CN" altLang="en-US" smtClean="0"/>
               <a:t>第五级</a:t>
             </a:r>
-            <a:endParaRPr lang="zh-CN" altLang="en-US"/>
+            <a:endParaRPr lang="en-US" dirty="0"/>
           </a:p>
         </p:txBody>
       </p:sp>
       <p:sp>
         <p:nvSpPr>
-          <p:cNvPr id="4" name="日期占位符 3"/>
+          <p:cNvPr id="4" name="Date Placeholder 3"/>
           <p:cNvSpPr>
             <a:spLocks noGrp="1"/>
           </p:cNvSpPr>
@@ -1041,7 +1046,7 @@
           <a:p>
             <a:fld id="{9539D9DB-C257-48EC-866B-42186B048592}" type="datetimeFigureOut">
               <a:rPr lang="zh-CN" altLang="en-US" smtClean="0"/>
-              <a:t>2021/9/14</a:t>
+              <a:t>2021/9/15</a:t>
             </a:fld>
             <a:endParaRPr lang="zh-CN" altLang="en-US"/>
           </a:p>
@@ -1049,7 +1054,7 @@
       </p:sp>
       <p:sp>
         <p:nvSpPr>
-          <p:cNvPr id="5" name="页脚占位符 4"/>
+          <p:cNvPr id="5" name="Footer Placeholder 4"/>
           <p:cNvSpPr>
             <a:spLocks noGrp="1"/>
           </p:cNvSpPr>
@@ -1068,7 +1073,7 @@
       </p:sp>
       <p:sp>
         <p:nvSpPr>
-          <p:cNvPr id="6" name="灯片编号占位符 5"/>
+          <p:cNvPr id="6" name="Slide Number Placeholder 5"/>
           <p:cNvSpPr>
             <a:spLocks noGrp="1"/>
           </p:cNvSpPr>
@@ -1092,7 +1097,7 @@
     </p:spTree>
     <p:extLst>
       <p:ext uri="{BB962C8B-B14F-4D97-AF65-F5344CB8AC3E}">
-        <p14:creationId xmlns:p14="http://schemas.microsoft.com/office/powerpoint/2010/main" val="3392171224"/>
+        <p14:creationId xmlns:p14="http://schemas.microsoft.com/office/powerpoint/2010/main" val="1993839633"/>
       </p:ext>
     </p:extLst>
   </p:cSld>
@@ -1121,7 +1126,7 @@
       </p:grpSpPr>
       <p:sp>
         <p:nvSpPr>
-          <p:cNvPr id="2" name="标题 1"/>
+          <p:cNvPr id="2" name="Title 1"/>
           <p:cNvSpPr>
             <a:spLocks noGrp="1"/>
           </p:cNvSpPr>
@@ -1138,13 +1143,13 @@
               <a:rPr lang="zh-CN" altLang="en-US" smtClean="0"/>
               <a:t>单击此处编辑母版标题样式</a:t>
             </a:r>
-            <a:endParaRPr lang="zh-CN" altLang="en-US"/>
+            <a:endParaRPr lang="en-US" dirty="0"/>
           </a:p>
         </p:txBody>
       </p:sp>
       <p:sp>
         <p:nvSpPr>
-          <p:cNvPr id="3" name="内容占位符 2"/>
+          <p:cNvPr id="3" name="Content Placeholder 2"/>
           <p:cNvSpPr>
             <a:spLocks noGrp="1"/>
           </p:cNvSpPr>
@@ -1190,13 +1195,13 @@
               <a:rPr lang="zh-CN" altLang="en-US" smtClean="0"/>
               <a:t>第五级</a:t>
             </a:r>
-            <a:endParaRPr lang="zh-CN" altLang="en-US"/>
+            <a:endParaRPr lang="en-US" dirty="0"/>
           </a:p>
         </p:txBody>
       </p:sp>
       <p:sp>
         <p:nvSpPr>
-          <p:cNvPr id="4" name="日期占位符 3"/>
+          <p:cNvPr id="4" name="Date Placeholder 3"/>
           <p:cNvSpPr>
             <a:spLocks noGrp="1"/>
           </p:cNvSpPr>
@@ -1211,7 +1216,7 @@
           <a:p>
             <a:fld id="{9539D9DB-C257-48EC-866B-42186B048592}" type="datetimeFigureOut">
               <a:rPr lang="zh-CN" altLang="en-US" smtClean="0"/>
-              <a:t>2021/9/14</a:t>
+              <a:t>2021/9/15</a:t>
             </a:fld>
             <a:endParaRPr lang="zh-CN" altLang="en-US"/>
           </a:p>
@@ -1219,7 +1224,7 @@
       </p:sp>
       <p:sp>
         <p:nvSpPr>
-          <p:cNvPr id="5" name="页脚占位符 4"/>
+          <p:cNvPr id="5" name="Footer Placeholder 4"/>
           <p:cNvSpPr>
             <a:spLocks noGrp="1"/>
           </p:cNvSpPr>
@@ -1238,7 +1243,7 @@
       </p:sp>
       <p:sp>
         <p:nvSpPr>
-          <p:cNvPr id="6" name="灯片编号占位符 5"/>
+          <p:cNvPr id="6" name="Slide Number Placeholder 5"/>
           <p:cNvSpPr>
             <a:spLocks noGrp="1"/>
           </p:cNvSpPr>
@@ -1262,7 +1267,7 @@
     </p:spTree>
     <p:extLst>
       <p:ext uri="{BB962C8B-B14F-4D97-AF65-F5344CB8AC3E}">
-        <p14:creationId xmlns:p14="http://schemas.microsoft.com/office/powerpoint/2010/main" val="4217717596"/>
+        <p14:creationId xmlns:p14="http://schemas.microsoft.com/office/powerpoint/2010/main" val="315836109"/>
       </p:ext>
     </p:extLst>
   </p:cSld>
@@ -1291,7 +1296,7 @@
       </p:grpSpPr>
       <p:sp>
         <p:nvSpPr>
-          <p:cNvPr id="2" name="标题 1"/>
+          <p:cNvPr id="2" name="Title 1"/>
           <p:cNvSpPr>
             <a:spLocks noGrp="1"/>
           </p:cNvSpPr>
@@ -1301,15 +1306,15 @@
         </p:nvSpPr>
         <p:spPr>
           <a:xfrm>
-            <a:off x="831850" y="1709738"/>
-            <a:ext cx="10515600" cy="2852737"/>
+            <a:off x="1473718" y="3141249"/>
+            <a:ext cx="18629590" cy="5241244"/>
           </a:xfrm>
         </p:spPr>
         <p:txBody>
           <a:bodyPr anchor="b"/>
           <a:lstStyle>
             <a:lvl1pPr>
-              <a:defRPr sz="6000"/>
+              <a:defRPr sz="10630"/>
             </a:lvl1pPr>
           </a:lstStyle>
           <a:p>
@@ -1317,13 +1322,13 @@
               <a:rPr lang="zh-CN" altLang="en-US" smtClean="0"/>
               <a:t>单击此处编辑母版标题样式</a:t>
             </a:r>
-            <a:endParaRPr lang="zh-CN" altLang="en-US"/>
+            <a:endParaRPr lang="en-US" dirty="0"/>
           </a:p>
         </p:txBody>
       </p:sp>
       <p:sp>
         <p:nvSpPr>
-          <p:cNvPr id="3" name="文本占位符 2"/>
+          <p:cNvPr id="3" name="Text Placeholder 2"/>
           <p:cNvSpPr>
             <a:spLocks noGrp="1"/>
           </p:cNvSpPr>
@@ -1333,8 +1338,8 @@
         </p:nvSpPr>
         <p:spPr>
           <a:xfrm>
-            <a:off x="831850" y="4589463"/>
-            <a:ext cx="10515600" cy="1500187"/>
+            <a:off x="1473718" y="8432077"/>
+            <a:ext cx="18629590" cy="2756246"/>
           </a:xfrm>
         </p:spPr>
         <p:txBody>
@@ -1342,7 +1347,7 @@
           <a:lstStyle>
             <a:lvl1pPr marL="0" indent="0">
               <a:buNone/>
-              <a:defRPr sz="2400">
+              <a:defRPr sz="4252">
                 <a:solidFill>
                   <a:schemeClr val="tx1">
                     <a:tint val="75000"/>
@@ -1350,9 +1355,9 @@
                 </a:solidFill>
               </a:defRPr>
             </a:lvl1pPr>
-            <a:lvl2pPr marL="457200" indent="0">
+            <a:lvl2pPr marL="809976" indent="0">
               <a:buNone/>
-              <a:defRPr sz="2000">
+              <a:defRPr sz="3543">
                 <a:solidFill>
                   <a:schemeClr val="tx1">
                     <a:tint val="75000"/>
@@ -1360,9 +1365,9 @@
                 </a:solidFill>
               </a:defRPr>
             </a:lvl2pPr>
-            <a:lvl3pPr marL="914400" indent="0">
+            <a:lvl3pPr marL="1619951" indent="0">
               <a:buNone/>
-              <a:defRPr sz="1800">
+              <a:defRPr sz="3189">
                 <a:solidFill>
                   <a:schemeClr val="tx1">
                     <a:tint val="75000"/>
@@ -1370,9 +1375,9 @@
                 </a:solidFill>
               </a:defRPr>
             </a:lvl3pPr>
-            <a:lvl4pPr marL="1371600" indent="0">
+            <a:lvl4pPr marL="2429927" indent="0">
               <a:buNone/>
-              <a:defRPr sz="1600">
+              <a:defRPr sz="2835">
                 <a:solidFill>
                   <a:schemeClr val="tx1">
                     <a:tint val="75000"/>
@@ -1380,9 +1385,9 @@
                 </a:solidFill>
               </a:defRPr>
             </a:lvl4pPr>
-            <a:lvl5pPr marL="1828800" indent="0">
+            <a:lvl5pPr marL="3239902" indent="0">
               <a:buNone/>
-              <a:defRPr sz="1600">
+              <a:defRPr sz="2835">
                 <a:solidFill>
                   <a:schemeClr val="tx1">
                     <a:tint val="75000"/>
@@ -1390,9 +1395,9 @@
                 </a:solidFill>
               </a:defRPr>
             </a:lvl5pPr>
-            <a:lvl6pPr marL="2286000" indent="0">
+            <a:lvl6pPr marL="4049878" indent="0">
               <a:buNone/>
-              <a:defRPr sz="1600">
+              <a:defRPr sz="2835">
                 <a:solidFill>
                   <a:schemeClr val="tx1">
                     <a:tint val="75000"/>
@@ -1400,9 +1405,9 @@
                 </a:solidFill>
               </a:defRPr>
             </a:lvl6pPr>
-            <a:lvl7pPr marL="2743200" indent="0">
+            <a:lvl7pPr marL="4859853" indent="0">
               <a:buNone/>
-              <a:defRPr sz="1600">
+              <a:defRPr sz="2835">
                 <a:solidFill>
                   <a:schemeClr val="tx1">
                     <a:tint val="75000"/>
@@ -1410,9 +1415,9 @@
                 </a:solidFill>
               </a:defRPr>
             </a:lvl7pPr>
-            <a:lvl8pPr marL="3200400" indent="0">
+            <a:lvl8pPr marL="5669829" indent="0">
               <a:buNone/>
-              <a:defRPr sz="1600">
+              <a:defRPr sz="2835">
                 <a:solidFill>
                   <a:schemeClr val="tx1">
                     <a:tint val="75000"/>
@@ -1420,9 +1425,9 @@
                 </a:solidFill>
               </a:defRPr>
             </a:lvl8pPr>
-            <a:lvl9pPr marL="3657600" indent="0">
+            <a:lvl9pPr marL="6479804" indent="0">
               <a:buNone/>
-              <a:defRPr sz="1600">
+              <a:defRPr sz="2835">
                 <a:solidFill>
                   <a:schemeClr val="tx1">
                     <a:tint val="75000"/>
@@ -1442,7 +1447,7 @@
       </p:sp>
       <p:sp>
         <p:nvSpPr>
-          <p:cNvPr id="4" name="日期占位符 3"/>
+          <p:cNvPr id="4" name="Date Placeholder 3"/>
           <p:cNvSpPr>
             <a:spLocks noGrp="1"/>
           </p:cNvSpPr>
@@ -1457,7 +1462,7 @@
           <a:p>
             <a:fld id="{9539D9DB-C257-48EC-866B-42186B048592}" type="datetimeFigureOut">
               <a:rPr lang="zh-CN" altLang="en-US" smtClean="0"/>
-              <a:t>2021/9/14</a:t>
+              <a:t>2021/9/15</a:t>
             </a:fld>
             <a:endParaRPr lang="zh-CN" altLang="en-US"/>
           </a:p>
@@ -1465,7 +1470,7 @@
       </p:sp>
       <p:sp>
         <p:nvSpPr>
-          <p:cNvPr id="5" name="页脚占位符 4"/>
+          <p:cNvPr id="5" name="Footer Placeholder 4"/>
           <p:cNvSpPr>
             <a:spLocks noGrp="1"/>
           </p:cNvSpPr>
@@ -1484,7 +1489,7 @@
       </p:sp>
       <p:sp>
         <p:nvSpPr>
-          <p:cNvPr id="6" name="灯片编号占位符 5"/>
+          <p:cNvPr id="6" name="Slide Number Placeholder 5"/>
           <p:cNvSpPr>
             <a:spLocks noGrp="1"/>
           </p:cNvSpPr>
@@ -1508,7 +1513,7 @@
     </p:spTree>
     <p:extLst>
       <p:ext uri="{BB962C8B-B14F-4D97-AF65-F5344CB8AC3E}">
-        <p14:creationId xmlns:p14="http://schemas.microsoft.com/office/powerpoint/2010/main" val="229878377"/>
+        <p14:creationId xmlns:p14="http://schemas.microsoft.com/office/powerpoint/2010/main" val="3280857255"/>
       </p:ext>
     </p:extLst>
   </p:cSld>
@@ -1537,7 +1542,7 @@
       </p:grpSpPr>
       <p:sp>
         <p:nvSpPr>
-          <p:cNvPr id="2" name="标题 1"/>
+          <p:cNvPr id="2" name="Title 1"/>
           <p:cNvSpPr>
             <a:spLocks noGrp="1"/>
           </p:cNvSpPr>
@@ -1554,13 +1559,13 @@
               <a:rPr lang="zh-CN" altLang="en-US" smtClean="0"/>
               <a:t>单击此处编辑母版标题样式</a:t>
             </a:r>
-            <a:endParaRPr lang="zh-CN" altLang="en-US"/>
+            <a:endParaRPr lang="en-US" dirty="0"/>
           </a:p>
         </p:txBody>
       </p:sp>
       <p:sp>
         <p:nvSpPr>
-          <p:cNvPr id="3" name="内容占位符 2"/>
+          <p:cNvPr id="3" name="Content Placeholder 2"/>
           <p:cNvSpPr>
             <a:spLocks noGrp="1"/>
           </p:cNvSpPr>
@@ -1570,8 +1575,8 @@
         </p:nvSpPr>
         <p:spPr>
           <a:xfrm>
-            <a:off x="838200" y="1825625"/>
-            <a:ext cx="5181600" cy="4351338"/>
+            <a:off x="1484967" y="3354163"/>
+            <a:ext cx="9179798" cy="7994577"/>
           </a:xfrm>
         </p:spPr>
         <p:txBody>
@@ -1611,13 +1616,13 @@
               <a:rPr lang="zh-CN" altLang="en-US" smtClean="0"/>
               <a:t>第五级</a:t>
             </a:r>
-            <a:endParaRPr lang="zh-CN" altLang="en-US"/>
+            <a:endParaRPr lang="en-US" dirty="0"/>
           </a:p>
         </p:txBody>
       </p:sp>
       <p:sp>
         <p:nvSpPr>
-          <p:cNvPr id="4" name="内容占位符 3"/>
+          <p:cNvPr id="4" name="Content Placeholder 3"/>
           <p:cNvSpPr>
             <a:spLocks noGrp="1"/>
           </p:cNvSpPr>
@@ -1627,8 +1632,8 @@
         </p:nvSpPr>
         <p:spPr>
           <a:xfrm>
-            <a:off x="6172200" y="1825625"/>
-            <a:ext cx="5181600" cy="4351338"/>
+            <a:off x="10934760" y="3354163"/>
+            <a:ext cx="9179798" cy="7994577"/>
           </a:xfrm>
         </p:spPr>
         <p:txBody>
@@ -1668,13 +1673,13 @@
               <a:rPr lang="zh-CN" altLang="en-US" smtClean="0"/>
               <a:t>第五级</a:t>
             </a:r>
-            <a:endParaRPr lang="zh-CN" altLang="en-US"/>
+            <a:endParaRPr lang="en-US" dirty="0"/>
           </a:p>
         </p:txBody>
       </p:sp>
       <p:sp>
         <p:nvSpPr>
-          <p:cNvPr id="5" name="日期占位符 4"/>
+          <p:cNvPr id="5" name="Date Placeholder 4"/>
           <p:cNvSpPr>
             <a:spLocks noGrp="1"/>
           </p:cNvSpPr>
@@ -1689,7 +1694,7 @@
           <a:p>
             <a:fld id="{9539D9DB-C257-48EC-866B-42186B048592}" type="datetimeFigureOut">
               <a:rPr lang="zh-CN" altLang="en-US" smtClean="0"/>
-              <a:t>2021/9/14</a:t>
+              <a:t>2021/9/15</a:t>
             </a:fld>
             <a:endParaRPr lang="zh-CN" altLang="en-US"/>
           </a:p>
@@ -1697,7 +1702,7 @@
       </p:sp>
       <p:sp>
         <p:nvSpPr>
-          <p:cNvPr id="6" name="页脚占位符 5"/>
+          <p:cNvPr id="6" name="Footer Placeholder 5"/>
           <p:cNvSpPr>
             <a:spLocks noGrp="1"/>
           </p:cNvSpPr>
@@ -1716,7 +1721,7 @@
       </p:sp>
       <p:sp>
         <p:nvSpPr>
-          <p:cNvPr id="7" name="灯片编号占位符 6"/>
+          <p:cNvPr id="7" name="Slide Number Placeholder 6"/>
           <p:cNvSpPr>
             <a:spLocks noGrp="1"/>
           </p:cNvSpPr>
@@ -1740,7 +1745,7 @@
     </p:spTree>
     <p:extLst>
       <p:ext uri="{BB962C8B-B14F-4D97-AF65-F5344CB8AC3E}">
-        <p14:creationId xmlns:p14="http://schemas.microsoft.com/office/powerpoint/2010/main" val="3627365037"/>
+        <p14:creationId xmlns:p14="http://schemas.microsoft.com/office/powerpoint/2010/main" val="2796401955"/>
       </p:ext>
     </p:extLst>
   </p:cSld>
@@ -1769,7 +1774,7 @@
       </p:grpSpPr>
       <p:sp>
         <p:nvSpPr>
-          <p:cNvPr id="2" name="标题 1"/>
+          <p:cNvPr id="2" name="Title 1"/>
           <p:cNvSpPr>
             <a:spLocks noGrp="1"/>
           </p:cNvSpPr>
@@ -1779,8 +1784,8 @@
         </p:nvSpPr>
         <p:spPr>
           <a:xfrm>
-            <a:off x="839788" y="365125"/>
-            <a:ext cx="10515600" cy="1325563"/>
+            <a:off x="1487781" y="670834"/>
+            <a:ext cx="18629590" cy="2435415"/>
           </a:xfrm>
         </p:spPr>
         <p:txBody>
@@ -1791,13 +1796,13 @@
               <a:rPr lang="zh-CN" altLang="en-US" smtClean="0"/>
               <a:t>单击此处编辑母版标题样式</a:t>
             </a:r>
-            <a:endParaRPr lang="zh-CN" altLang="en-US"/>
+            <a:endParaRPr lang="en-US" dirty="0"/>
           </a:p>
         </p:txBody>
       </p:sp>
       <p:sp>
         <p:nvSpPr>
-          <p:cNvPr id="3" name="文本占位符 2"/>
+          <p:cNvPr id="3" name="Text Placeholder 2"/>
           <p:cNvSpPr>
             <a:spLocks noGrp="1"/>
           </p:cNvSpPr>
@@ -1807,8 +1812,8 @@
         </p:nvSpPr>
         <p:spPr>
           <a:xfrm>
-            <a:off x="839788" y="1681163"/>
-            <a:ext cx="5157787" cy="823912"/>
+            <a:off x="1487781" y="3088748"/>
+            <a:ext cx="9137611" cy="1513748"/>
           </a:xfrm>
         </p:spPr>
         <p:txBody>
@@ -1816,39 +1821,39 @@
           <a:lstStyle>
             <a:lvl1pPr marL="0" indent="0">
               <a:buNone/>
-              <a:defRPr sz="2400" b="1"/>
+              <a:defRPr sz="4252" b="1"/>
             </a:lvl1pPr>
-            <a:lvl2pPr marL="457200" indent="0">
+            <a:lvl2pPr marL="809976" indent="0">
               <a:buNone/>
-              <a:defRPr sz="2000" b="1"/>
+              <a:defRPr sz="3543" b="1"/>
             </a:lvl2pPr>
-            <a:lvl3pPr marL="914400" indent="0">
+            <a:lvl3pPr marL="1619951" indent="0">
               <a:buNone/>
-              <a:defRPr sz="1800" b="1"/>
+              <a:defRPr sz="3189" b="1"/>
             </a:lvl3pPr>
-            <a:lvl4pPr marL="1371600" indent="0">
+            <a:lvl4pPr marL="2429927" indent="0">
               <a:buNone/>
-              <a:defRPr sz="1600" b="1"/>
+              <a:defRPr sz="2835" b="1"/>
             </a:lvl4pPr>
-            <a:lvl5pPr marL="1828800" indent="0">
+            <a:lvl5pPr marL="3239902" indent="0">
               <a:buNone/>
-              <a:defRPr sz="1600" b="1"/>
+              <a:defRPr sz="2835" b="1"/>
             </a:lvl5pPr>
-            <a:lvl6pPr marL="2286000" indent="0">
+            <a:lvl6pPr marL="4049878" indent="0">
               <a:buNone/>
-              <a:defRPr sz="1600" b="1"/>
+              <a:defRPr sz="2835" b="1"/>
             </a:lvl6pPr>
-            <a:lvl7pPr marL="2743200" indent="0">
+            <a:lvl7pPr marL="4859853" indent="0">
               <a:buNone/>
-              <a:defRPr sz="1600" b="1"/>
+              <a:defRPr sz="2835" b="1"/>
             </a:lvl7pPr>
-            <a:lvl8pPr marL="3200400" indent="0">
+            <a:lvl8pPr marL="5669829" indent="0">
               <a:buNone/>
-              <a:defRPr sz="1600" b="1"/>
+              <a:defRPr sz="2835" b="1"/>
             </a:lvl8pPr>
-            <a:lvl9pPr marL="3657600" indent="0">
+            <a:lvl9pPr marL="6479804" indent="0">
               <a:buNone/>
-              <a:defRPr sz="1600" b="1"/>
+              <a:defRPr sz="2835" b="1"/>
             </a:lvl9pPr>
           </a:lstStyle>
           <a:p>
@@ -1862,7 +1867,7 @@
       </p:sp>
       <p:sp>
         <p:nvSpPr>
-          <p:cNvPr id="4" name="内容占位符 3"/>
+          <p:cNvPr id="4" name="Content Placeholder 3"/>
           <p:cNvSpPr>
             <a:spLocks noGrp="1"/>
           </p:cNvSpPr>
@@ -1872,8 +1877,8 @@
         </p:nvSpPr>
         <p:spPr>
           <a:xfrm>
-            <a:off x="839788" y="2505075"/>
-            <a:ext cx="5157787" cy="3684588"/>
+            <a:off x="1487781" y="4602496"/>
+            <a:ext cx="9137611" cy="6769578"/>
           </a:xfrm>
         </p:spPr>
         <p:txBody>
@@ -1913,13 +1918,13 @@
               <a:rPr lang="zh-CN" altLang="en-US" smtClean="0"/>
               <a:t>第五级</a:t>
             </a:r>
-            <a:endParaRPr lang="zh-CN" altLang="en-US"/>
+            <a:endParaRPr lang="en-US" dirty="0"/>
           </a:p>
         </p:txBody>
       </p:sp>
       <p:sp>
         <p:nvSpPr>
-          <p:cNvPr id="5" name="文本占位符 4"/>
+          <p:cNvPr id="5" name="Text Placeholder 4"/>
           <p:cNvSpPr>
             <a:spLocks noGrp="1"/>
           </p:cNvSpPr>
@@ -1929,8 +1934,8 @@
         </p:nvSpPr>
         <p:spPr>
           <a:xfrm>
-            <a:off x="6172200" y="1681163"/>
-            <a:ext cx="5183188" cy="823912"/>
+            <a:off x="10934760" y="3088748"/>
+            <a:ext cx="9182611" cy="1513748"/>
           </a:xfrm>
         </p:spPr>
         <p:txBody>
@@ -1938,39 +1943,39 @@
           <a:lstStyle>
             <a:lvl1pPr marL="0" indent="0">
               <a:buNone/>
-              <a:defRPr sz="2400" b="1"/>
+              <a:defRPr sz="4252" b="1"/>
             </a:lvl1pPr>
-            <a:lvl2pPr marL="457200" indent="0">
+            <a:lvl2pPr marL="809976" indent="0">
               <a:buNone/>
-              <a:defRPr sz="2000" b="1"/>
+              <a:defRPr sz="3543" b="1"/>
             </a:lvl2pPr>
-            <a:lvl3pPr marL="914400" indent="0">
+            <a:lvl3pPr marL="1619951" indent="0">
               <a:buNone/>
-              <a:defRPr sz="1800" b="1"/>
+              <a:defRPr sz="3189" b="1"/>
             </a:lvl3pPr>
-            <a:lvl4pPr marL="1371600" indent="0">
+            <a:lvl4pPr marL="2429927" indent="0">
               <a:buNone/>
-              <a:defRPr sz="1600" b="1"/>
+              <a:defRPr sz="2835" b="1"/>
             </a:lvl4pPr>
-            <a:lvl5pPr marL="1828800" indent="0">
+            <a:lvl5pPr marL="3239902" indent="0">
               <a:buNone/>
-              <a:defRPr sz="1600" b="1"/>
+              <a:defRPr sz="2835" b="1"/>
             </a:lvl5pPr>
-            <a:lvl6pPr marL="2286000" indent="0">
+            <a:lvl6pPr marL="4049878" indent="0">
               <a:buNone/>
-              <a:defRPr sz="1600" b="1"/>
+              <a:defRPr sz="2835" b="1"/>
             </a:lvl6pPr>
-            <a:lvl7pPr marL="2743200" indent="0">
+            <a:lvl7pPr marL="4859853" indent="0">
               <a:buNone/>
-              <a:defRPr sz="1600" b="1"/>
+              <a:defRPr sz="2835" b="1"/>
             </a:lvl7pPr>
-            <a:lvl8pPr marL="3200400" indent="0">
+            <a:lvl8pPr marL="5669829" indent="0">
               <a:buNone/>
-              <a:defRPr sz="1600" b="1"/>
+              <a:defRPr sz="2835" b="1"/>
             </a:lvl8pPr>
-            <a:lvl9pPr marL="3657600" indent="0">
+            <a:lvl9pPr marL="6479804" indent="0">
               <a:buNone/>
-              <a:defRPr sz="1600" b="1"/>
+              <a:defRPr sz="2835" b="1"/>
             </a:lvl9pPr>
           </a:lstStyle>
           <a:p>
@@ -1984,7 +1989,7 @@
       </p:sp>
       <p:sp>
         <p:nvSpPr>
-          <p:cNvPr id="6" name="内容占位符 5"/>
+          <p:cNvPr id="6" name="Content Placeholder 5"/>
           <p:cNvSpPr>
             <a:spLocks noGrp="1"/>
           </p:cNvSpPr>
@@ -1994,8 +1999,8 @@
         </p:nvSpPr>
         <p:spPr>
           <a:xfrm>
-            <a:off x="6172200" y="2505075"/>
-            <a:ext cx="5183188" cy="3684588"/>
+            <a:off x="10934760" y="4602496"/>
+            <a:ext cx="9182611" cy="6769578"/>
           </a:xfrm>
         </p:spPr>
         <p:txBody>
@@ -2035,13 +2040,13 @@
               <a:rPr lang="zh-CN" altLang="en-US" smtClean="0"/>
               <a:t>第五级</a:t>
             </a:r>
-            <a:endParaRPr lang="zh-CN" altLang="en-US"/>
+            <a:endParaRPr lang="en-US" dirty="0"/>
           </a:p>
         </p:txBody>
       </p:sp>
       <p:sp>
         <p:nvSpPr>
-          <p:cNvPr id="7" name="日期占位符 6"/>
+          <p:cNvPr id="7" name="Date Placeholder 6"/>
           <p:cNvSpPr>
             <a:spLocks noGrp="1"/>
           </p:cNvSpPr>
@@ -2056,7 +2061,7 @@
           <a:p>
             <a:fld id="{9539D9DB-C257-48EC-866B-42186B048592}" type="datetimeFigureOut">
               <a:rPr lang="zh-CN" altLang="en-US" smtClean="0"/>
-              <a:t>2021/9/14</a:t>
+              <a:t>2021/9/15</a:t>
             </a:fld>
             <a:endParaRPr lang="zh-CN" altLang="en-US"/>
           </a:p>
@@ -2064,7 +2069,7 @@
       </p:sp>
       <p:sp>
         <p:nvSpPr>
-          <p:cNvPr id="8" name="页脚占位符 7"/>
+          <p:cNvPr id="8" name="Footer Placeholder 7"/>
           <p:cNvSpPr>
             <a:spLocks noGrp="1"/>
           </p:cNvSpPr>
@@ -2083,7 +2088,7 @@
       </p:sp>
       <p:sp>
         <p:nvSpPr>
-          <p:cNvPr id="9" name="灯片编号占位符 8"/>
+          <p:cNvPr id="9" name="Slide Number Placeholder 8"/>
           <p:cNvSpPr>
             <a:spLocks noGrp="1"/>
           </p:cNvSpPr>
@@ -2107,7 +2112,7 @@
     </p:spTree>
     <p:extLst>
       <p:ext uri="{BB962C8B-B14F-4D97-AF65-F5344CB8AC3E}">
-        <p14:creationId xmlns:p14="http://schemas.microsoft.com/office/powerpoint/2010/main" val="3160469578"/>
+        <p14:creationId xmlns:p14="http://schemas.microsoft.com/office/powerpoint/2010/main" val="1332650914"/>
       </p:ext>
     </p:extLst>
   </p:cSld>
@@ -2136,7 +2141,7 @@
       </p:grpSpPr>
       <p:sp>
         <p:nvSpPr>
-          <p:cNvPr id="2" name="标题 1"/>
+          <p:cNvPr id="2" name="Title 1"/>
           <p:cNvSpPr>
             <a:spLocks noGrp="1"/>
           </p:cNvSpPr>
@@ -2153,13 +2158,13 @@
               <a:rPr lang="zh-CN" altLang="en-US" smtClean="0"/>
               <a:t>单击此处编辑母版标题样式</a:t>
             </a:r>
-            <a:endParaRPr lang="zh-CN" altLang="en-US"/>
+            <a:endParaRPr lang="en-US" dirty="0"/>
           </a:p>
         </p:txBody>
       </p:sp>
       <p:sp>
         <p:nvSpPr>
-          <p:cNvPr id="3" name="日期占位符 2"/>
+          <p:cNvPr id="3" name="Date Placeholder 2"/>
           <p:cNvSpPr>
             <a:spLocks noGrp="1"/>
           </p:cNvSpPr>
@@ -2174,7 +2179,7 @@
           <a:p>
             <a:fld id="{9539D9DB-C257-48EC-866B-42186B048592}" type="datetimeFigureOut">
               <a:rPr lang="zh-CN" altLang="en-US" smtClean="0"/>
-              <a:t>2021/9/14</a:t>
+              <a:t>2021/9/15</a:t>
             </a:fld>
             <a:endParaRPr lang="zh-CN" altLang="en-US"/>
           </a:p>
@@ -2182,7 +2187,7 @@
       </p:sp>
       <p:sp>
         <p:nvSpPr>
-          <p:cNvPr id="4" name="页脚占位符 3"/>
+          <p:cNvPr id="4" name="Footer Placeholder 3"/>
           <p:cNvSpPr>
             <a:spLocks noGrp="1"/>
           </p:cNvSpPr>
@@ -2201,7 +2206,7 @@
       </p:sp>
       <p:sp>
         <p:nvSpPr>
-          <p:cNvPr id="5" name="灯片编号占位符 4"/>
+          <p:cNvPr id="5" name="Slide Number Placeholder 4"/>
           <p:cNvSpPr>
             <a:spLocks noGrp="1"/>
           </p:cNvSpPr>
@@ -2225,7 +2230,7 @@
     </p:spTree>
     <p:extLst>
       <p:ext uri="{BB962C8B-B14F-4D97-AF65-F5344CB8AC3E}">
-        <p14:creationId xmlns:p14="http://schemas.microsoft.com/office/powerpoint/2010/main" val="4170783676"/>
+        <p14:creationId xmlns:p14="http://schemas.microsoft.com/office/powerpoint/2010/main" val="2134241863"/>
       </p:ext>
     </p:extLst>
   </p:cSld>
@@ -2254,7 +2259,7 @@
       </p:grpSpPr>
       <p:sp>
         <p:nvSpPr>
-          <p:cNvPr id="2" name="日期占位符 1"/>
+          <p:cNvPr id="2" name="Date Placeholder 1"/>
           <p:cNvSpPr>
             <a:spLocks noGrp="1"/>
           </p:cNvSpPr>
@@ -2269,7 +2274,7 @@
           <a:p>
             <a:fld id="{9539D9DB-C257-48EC-866B-42186B048592}" type="datetimeFigureOut">
               <a:rPr lang="zh-CN" altLang="en-US" smtClean="0"/>
-              <a:t>2021/9/14</a:t>
+              <a:t>2021/9/15</a:t>
             </a:fld>
             <a:endParaRPr lang="zh-CN" altLang="en-US"/>
           </a:p>
@@ -2277,7 +2282,7 @@
       </p:sp>
       <p:sp>
         <p:nvSpPr>
-          <p:cNvPr id="3" name="页脚占位符 2"/>
+          <p:cNvPr id="3" name="Footer Placeholder 2"/>
           <p:cNvSpPr>
             <a:spLocks noGrp="1"/>
           </p:cNvSpPr>
@@ -2296,7 +2301,7 @@
       </p:sp>
       <p:sp>
         <p:nvSpPr>
-          <p:cNvPr id="4" name="灯片编号占位符 3"/>
+          <p:cNvPr id="4" name="Slide Number Placeholder 3"/>
           <p:cNvSpPr>
             <a:spLocks noGrp="1"/>
           </p:cNvSpPr>
@@ -2320,7 +2325,7 @@
     </p:spTree>
     <p:extLst>
       <p:ext uri="{BB962C8B-B14F-4D97-AF65-F5344CB8AC3E}">
-        <p14:creationId xmlns:p14="http://schemas.microsoft.com/office/powerpoint/2010/main" val="2430221487"/>
+        <p14:creationId xmlns:p14="http://schemas.microsoft.com/office/powerpoint/2010/main" val="3473200222"/>
       </p:ext>
     </p:extLst>
   </p:cSld>
@@ -2349,7 +2354,7 @@
       </p:grpSpPr>
       <p:sp>
         <p:nvSpPr>
-          <p:cNvPr id="2" name="标题 1"/>
+          <p:cNvPr id="2" name="Title 1"/>
           <p:cNvSpPr>
             <a:spLocks noGrp="1"/>
           </p:cNvSpPr>
@@ -2359,15 +2364,15 @@
         </p:nvSpPr>
         <p:spPr>
           <a:xfrm>
-            <a:off x="839788" y="457200"/>
-            <a:ext cx="3932237" cy="1600200"/>
+            <a:off x="1487782" y="839999"/>
+            <a:ext cx="6966408" cy="2939997"/>
           </a:xfrm>
         </p:spPr>
         <p:txBody>
           <a:bodyPr anchor="b"/>
           <a:lstStyle>
             <a:lvl1pPr>
-              <a:defRPr sz="3200"/>
+              <a:defRPr sz="5669"/>
             </a:lvl1pPr>
           </a:lstStyle>
           <a:p>
@@ -2375,13 +2380,13 @@
               <a:rPr lang="zh-CN" altLang="en-US" smtClean="0"/>
               <a:t>单击此处编辑母版标题样式</a:t>
             </a:r>
-            <a:endParaRPr lang="zh-CN" altLang="en-US"/>
+            <a:endParaRPr lang="en-US" dirty="0"/>
           </a:p>
         </p:txBody>
       </p:sp>
       <p:sp>
         <p:nvSpPr>
-          <p:cNvPr id="3" name="内容占位符 2"/>
+          <p:cNvPr id="3" name="Content Placeholder 2"/>
           <p:cNvSpPr>
             <a:spLocks noGrp="1"/>
           </p:cNvSpPr>
@@ -2391,39 +2396,39 @@
         </p:nvSpPr>
         <p:spPr>
           <a:xfrm>
-            <a:off x="5183188" y="987425"/>
-            <a:ext cx="6172200" cy="4873625"/>
+            <a:off x="9182611" y="1814166"/>
+            <a:ext cx="10934760" cy="8954158"/>
           </a:xfrm>
         </p:spPr>
         <p:txBody>
           <a:bodyPr/>
           <a:lstStyle>
             <a:lvl1pPr>
-              <a:defRPr sz="3200"/>
+              <a:defRPr sz="5669"/>
             </a:lvl1pPr>
             <a:lvl2pPr>
-              <a:defRPr sz="2800"/>
+              <a:defRPr sz="4960"/>
             </a:lvl2pPr>
             <a:lvl3pPr>
-              <a:defRPr sz="2400"/>
+              <a:defRPr sz="4252"/>
             </a:lvl3pPr>
             <a:lvl4pPr>
-              <a:defRPr sz="2000"/>
+              <a:defRPr sz="3543"/>
             </a:lvl4pPr>
             <a:lvl5pPr>
-              <a:defRPr sz="2000"/>
+              <a:defRPr sz="3543"/>
             </a:lvl5pPr>
             <a:lvl6pPr>
-              <a:defRPr sz="2000"/>
+              <a:defRPr sz="3543"/>
             </a:lvl6pPr>
             <a:lvl7pPr>
-              <a:defRPr sz="2000"/>
+              <a:defRPr sz="3543"/>
             </a:lvl7pPr>
             <a:lvl8pPr>
-              <a:defRPr sz="2000"/>
+              <a:defRPr sz="3543"/>
             </a:lvl8pPr>
             <a:lvl9pPr>
-              <a:defRPr sz="2000"/>
+              <a:defRPr sz="3543"/>
             </a:lvl9pPr>
           </a:lstStyle>
           <a:p>
@@ -2460,13 +2465,13 @@
               <a:rPr lang="zh-CN" altLang="en-US" smtClean="0"/>
               <a:t>第五级</a:t>
             </a:r>
-            <a:endParaRPr lang="zh-CN" altLang="en-US"/>
+            <a:endParaRPr lang="en-US" dirty="0"/>
           </a:p>
         </p:txBody>
       </p:sp>
       <p:sp>
         <p:nvSpPr>
-          <p:cNvPr id="4" name="文本占位符 3"/>
+          <p:cNvPr id="4" name="Text Placeholder 3"/>
           <p:cNvSpPr>
             <a:spLocks noGrp="1"/>
           </p:cNvSpPr>
@@ -2476,8 +2481,8 @@
         </p:nvSpPr>
         <p:spPr>
           <a:xfrm>
-            <a:off x="839788" y="2057400"/>
-            <a:ext cx="3932237" cy="3811588"/>
+            <a:off x="1487782" y="3779996"/>
+            <a:ext cx="6966408" cy="7002911"/>
           </a:xfrm>
         </p:spPr>
         <p:txBody>
@@ -2485,39 +2490,39 @@
           <a:lstStyle>
             <a:lvl1pPr marL="0" indent="0">
               <a:buNone/>
-              <a:defRPr sz="1600"/>
+              <a:defRPr sz="2835"/>
             </a:lvl1pPr>
-            <a:lvl2pPr marL="457200" indent="0">
+            <a:lvl2pPr marL="809976" indent="0">
               <a:buNone/>
-              <a:defRPr sz="1400"/>
+              <a:defRPr sz="2480"/>
             </a:lvl2pPr>
-            <a:lvl3pPr marL="914400" indent="0">
+            <a:lvl3pPr marL="1619951" indent="0">
               <a:buNone/>
-              <a:defRPr sz="1200"/>
+              <a:defRPr sz="2126"/>
             </a:lvl3pPr>
-            <a:lvl4pPr marL="1371600" indent="0">
+            <a:lvl4pPr marL="2429927" indent="0">
               <a:buNone/>
-              <a:defRPr sz="1000"/>
+              <a:defRPr sz="1772"/>
             </a:lvl4pPr>
-            <a:lvl5pPr marL="1828800" indent="0">
+            <a:lvl5pPr marL="3239902" indent="0">
               <a:buNone/>
-              <a:defRPr sz="1000"/>
+              <a:defRPr sz="1772"/>
             </a:lvl5pPr>
-            <a:lvl6pPr marL="2286000" indent="0">
+            <a:lvl6pPr marL="4049878" indent="0">
               <a:buNone/>
-              <a:defRPr sz="1000"/>
+              <a:defRPr sz="1772"/>
             </a:lvl6pPr>
-            <a:lvl7pPr marL="2743200" indent="0">
+            <a:lvl7pPr marL="4859853" indent="0">
               <a:buNone/>
-              <a:defRPr sz="1000"/>
+              <a:defRPr sz="1772"/>
             </a:lvl7pPr>
-            <a:lvl8pPr marL="3200400" indent="0">
+            <a:lvl8pPr marL="5669829" indent="0">
               <a:buNone/>
-              <a:defRPr sz="1000"/>
+              <a:defRPr sz="1772"/>
             </a:lvl8pPr>
-            <a:lvl9pPr marL="3657600" indent="0">
+            <a:lvl9pPr marL="6479804" indent="0">
               <a:buNone/>
-              <a:defRPr sz="1000"/>
+              <a:defRPr sz="1772"/>
             </a:lvl9pPr>
           </a:lstStyle>
           <a:p>
@@ -2531,7 +2536,7 @@
       </p:sp>
       <p:sp>
         <p:nvSpPr>
-          <p:cNvPr id="5" name="日期占位符 4"/>
+          <p:cNvPr id="5" name="Date Placeholder 4"/>
           <p:cNvSpPr>
             <a:spLocks noGrp="1"/>
           </p:cNvSpPr>
@@ -2546,7 +2551,7 @@
           <a:p>
             <a:fld id="{9539D9DB-C257-48EC-866B-42186B048592}" type="datetimeFigureOut">
               <a:rPr lang="zh-CN" altLang="en-US" smtClean="0"/>
-              <a:t>2021/9/14</a:t>
+              <a:t>2021/9/15</a:t>
             </a:fld>
             <a:endParaRPr lang="zh-CN" altLang="en-US"/>
           </a:p>
@@ -2554,7 +2559,7 @@
       </p:sp>
       <p:sp>
         <p:nvSpPr>
-          <p:cNvPr id="6" name="页脚占位符 5"/>
+          <p:cNvPr id="6" name="Footer Placeholder 5"/>
           <p:cNvSpPr>
             <a:spLocks noGrp="1"/>
           </p:cNvSpPr>
@@ -2573,7 +2578,7 @@
       </p:sp>
       <p:sp>
         <p:nvSpPr>
-          <p:cNvPr id="7" name="灯片编号占位符 6"/>
+          <p:cNvPr id="7" name="Slide Number Placeholder 6"/>
           <p:cNvSpPr>
             <a:spLocks noGrp="1"/>
           </p:cNvSpPr>
@@ -2597,7 +2602,7 @@
     </p:spTree>
     <p:extLst>
       <p:ext uri="{BB962C8B-B14F-4D97-AF65-F5344CB8AC3E}">
-        <p14:creationId xmlns:p14="http://schemas.microsoft.com/office/powerpoint/2010/main" val="1915617465"/>
+        <p14:creationId xmlns:p14="http://schemas.microsoft.com/office/powerpoint/2010/main" val="3629962394"/>
       </p:ext>
     </p:extLst>
   </p:cSld>
@@ -2626,7 +2631,7 @@
       </p:grpSpPr>
       <p:sp>
         <p:nvSpPr>
-          <p:cNvPr id="2" name="标题 1"/>
+          <p:cNvPr id="2" name="Title 1"/>
           <p:cNvSpPr>
             <a:spLocks noGrp="1"/>
           </p:cNvSpPr>
@@ -2636,15 +2641,15 @@
         </p:nvSpPr>
         <p:spPr>
           <a:xfrm>
-            <a:off x="839788" y="457200"/>
-            <a:ext cx="3932237" cy="1600200"/>
+            <a:off x="1487782" y="839999"/>
+            <a:ext cx="6966408" cy="2939997"/>
           </a:xfrm>
         </p:spPr>
         <p:txBody>
           <a:bodyPr anchor="b"/>
           <a:lstStyle>
             <a:lvl1pPr>
-              <a:defRPr sz="3200"/>
+              <a:defRPr sz="5669"/>
             </a:lvl1pPr>
           </a:lstStyle>
           <a:p>
@@ -2652,15 +2657,15 @@
               <a:rPr lang="zh-CN" altLang="en-US" smtClean="0"/>
               <a:t>单击此处编辑母版标题样式</a:t>
             </a:r>
-            <a:endParaRPr lang="zh-CN" altLang="en-US"/>
+            <a:endParaRPr lang="en-US" dirty="0"/>
           </a:p>
         </p:txBody>
       </p:sp>
       <p:sp>
         <p:nvSpPr>
-          <p:cNvPr id="3" name="图片占位符 2"/>
+          <p:cNvPr id="3" name="Picture Placeholder 2"/>
           <p:cNvSpPr>
-            <a:spLocks noGrp="1"/>
+            <a:spLocks noGrp="1" noChangeAspect="1"/>
           </p:cNvSpPr>
           <p:nvPr>
             <p:ph type="pic" idx="1"/>
@@ -2668,58 +2673,62 @@
         </p:nvSpPr>
         <p:spPr>
           <a:xfrm>
-            <a:off x="5183188" y="987425"/>
-            <a:ext cx="6172200" cy="4873625"/>
+            <a:off x="9182611" y="1814166"/>
+            <a:ext cx="10934760" cy="8954158"/>
           </a:xfrm>
         </p:spPr>
         <p:txBody>
-          <a:bodyPr/>
+          <a:bodyPr anchor="t"/>
           <a:lstStyle>
             <a:lvl1pPr marL="0" indent="0">
               <a:buNone/>
-              <a:defRPr sz="3200"/>
+              <a:defRPr sz="5669"/>
             </a:lvl1pPr>
-            <a:lvl2pPr marL="457200" indent="0">
+            <a:lvl2pPr marL="809976" indent="0">
               <a:buNone/>
-              <a:defRPr sz="2800"/>
+              <a:defRPr sz="4960"/>
             </a:lvl2pPr>
-            <a:lvl3pPr marL="914400" indent="0">
+            <a:lvl3pPr marL="1619951" indent="0">
               <a:buNone/>
-              <a:defRPr sz="2400"/>
+              <a:defRPr sz="4252"/>
             </a:lvl3pPr>
-            <a:lvl4pPr marL="1371600" indent="0">
+            <a:lvl4pPr marL="2429927" indent="0">
               <a:buNone/>
-              <a:defRPr sz="2000"/>
+              <a:defRPr sz="3543"/>
             </a:lvl4pPr>
-            <a:lvl5pPr marL="1828800" indent="0">
+            <a:lvl5pPr marL="3239902" indent="0">
               <a:buNone/>
-              <a:defRPr sz="2000"/>
+              <a:defRPr sz="3543"/>
             </a:lvl5pPr>
-            <a:lvl6pPr marL="2286000" indent="0">
+            <a:lvl6pPr marL="4049878" indent="0">
               <a:buNone/>
-              <a:defRPr sz="2000"/>
+              <a:defRPr sz="3543"/>
             </a:lvl6pPr>
-            <a:lvl7pPr marL="2743200" indent="0">
+            <a:lvl7pPr marL="4859853" indent="0">
               <a:buNone/>
-              <a:defRPr sz="2000"/>
+              <a:defRPr sz="3543"/>
             </a:lvl7pPr>
-            <a:lvl8pPr marL="3200400" indent="0">
+            <a:lvl8pPr marL="5669829" indent="0">
               <a:buNone/>
-              <a:defRPr sz="2000"/>
+              <a:defRPr sz="3543"/>
             </a:lvl8pPr>
-            <a:lvl9pPr marL="3657600" indent="0">
+            <a:lvl9pPr marL="6479804" indent="0">
               <a:buNone/>
-              <a:defRPr sz="2000"/>
+              <a:defRPr sz="3543"/>
             </a:lvl9pPr>
           </a:lstStyle>
           <a:p>
-            <a:endParaRPr lang="zh-CN" altLang="en-US"/>
+            <a:r>
+              <a:rPr lang="zh-CN" altLang="en-US" smtClean="0"/>
+              <a:t>单击图标添加图片</a:t>
+            </a:r>
+            <a:endParaRPr lang="en-US" dirty="0"/>
           </a:p>
         </p:txBody>
       </p:sp>
       <p:sp>
         <p:nvSpPr>
-          <p:cNvPr id="4" name="文本占位符 3"/>
+          <p:cNvPr id="4" name="Text Placeholder 3"/>
           <p:cNvSpPr>
             <a:spLocks noGrp="1"/>
           </p:cNvSpPr>
@@ -2729,8 +2738,8 @@
         </p:nvSpPr>
         <p:spPr>
           <a:xfrm>
-            <a:off x="839788" y="2057400"/>
-            <a:ext cx="3932237" cy="3811588"/>
+            <a:off x="1487782" y="3779996"/>
+            <a:ext cx="6966408" cy="7002911"/>
           </a:xfrm>
         </p:spPr>
         <p:txBody>
@@ -2738,39 +2747,39 @@
           <a:lstStyle>
             <a:lvl1pPr marL="0" indent="0">
               <a:buNone/>
-              <a:defRPr sz="1600"/>
+              <a:defRPr sz="2835"/>
             </a:lvl1pPr>
-            <a:lvl2pPr marL="457200" indent="0">
+            <a:lvl2pPr marL="809976" indent="0">
               <a:buNone/>
-              <a:defRPr sz="1400"/>
+              <a:defRPr sz="2480"/>
             </a:lvl2pPr>
-            <a:lvl3pPr marL="914400" indent="0">
+            <a:lvl3pPr marL="1619951" indent="0">
               <a:buNone/>
-              <a:defRPr sz="1200"/>
+              <a:defRPr sz="2126"/>
             </a:lvl3pPr>
-            <a:lvl4pPr marL="1371600" indent="0">
+            <a:lvl4pPr marL="2429927" indent="0">
               <a:buNone/>
-              <a:defRPr sz="1000"/>
+              <a:defRPr sz="1772"/>
             </a:lvl4pPr>
-            <a:lvl5pPr marL="1828800" indent="0">
+            <a:lvl5pPr marL="3239902" indent="0">
               <a:buNone/>
-              <a:defRPr sz="1000"/>
+              <a:defRPr sz="1772"/>
             </a:lvl5pPr>
-            <a:lvl6pPr marL="2286000" indent="0">
+            <a:lvl6pPr marL="4049878" indent="0">
               <a:buNone/>
-              <a:defRPr sz="1000"/>
+              <a:defRPr sz="1772"/>
             </a:lvl6pPr>
-            <a:lvl7pPr marL="2743200" indent="0">
+            <a:lvl7pPr marL="4859853" indent="0">
               <a:buNone/>
-              <a:defRPr sz="1000"/>
+              <a:defRPr sz="1772"/>
             </a:lvl7pPr>
-            <a:lvl8pPr marL="3200400" indent="0">
+            <a:lvl8pPr marL="5669829" indent="0">
               <a:buNone/>
-              <a:defRPr sz="1000"/>
+              <a:defRPr sz="1772"/>
             </a:lvl8pPr>
-            <a:lvl9pPr marL="3657600" indent="0">
+            <a:lvl9pPr marL="6479804" indent="0">
               <a:buNone/>
-              <a:defRPr sz="1000"/>
+              <a:defRPr sz="1772"/>
             </a:lvl9pPr>
           </a:lstStyle>
           <a:p>
@@ -2784,7 +2793,7 @@
       </p:sp>
       <p:sp>
         <p:nvSpPr>
-          <p:cNvPr id="5" name="日期占位符 4"/>
+          <p:cNvPr id="5" name="Date Placeholder 4"/>
           <p:cNvSpPr>
             <a:spLocks noGrp="1"/>
           </p:cNvSpPr>
@@ -2799,7 +2808,7 @@
           <a:p>
             <a:fld id="{9539D9DB-C257-48EC-866B-42186B048592}" type="datetimeFigureOut">
               <a:rPr lang="zh-CN" altLang="en-US" smtClean="0"/>
-              <a:t>2021/9/14</a:t>
+              <a:t>2021/9/15</a:t>
             </a:fld>
             <a:endParaRPr lang="zh-CN" altLang="en-US"/>
           </a:p>
@@ -2807,7 +2816,7 @@
       </p:sp>
       <p:sp>
         <p:nvSpPr>
-          <p:cNvPr id="6" name="页脚占位符 5"/>
+          <p:cNvPr id="6" name="Footer Placeholder 5"/>
           <p:cNvSpPr>
             <a:spLocks noGrp="1"/>
           </p:cNvSpPr>
@@ -2826,7 +2835,7 @@
       </p:sp>
       <p:sp>
         <p:nvSpPr>
-          <p:cNvPr id="7" name="灯片编号占位符 6"/>
+          <p:cNvPr id="7" name="Slide Number Placeholder 6"/>
           <p:cNvSpPr>
             <a:spLocks noGrp="1"/>
           </p:cNvSpPr>
@@ -2850,7 +2859,7 @@
     </p:spTree>
     <p:extLst>
       <p:ext uri="{BB962C8B-B14F-4D97-AF65-F5344CB8AC3E}">
-        <p14:creationId xmlns:p14="http://schemas.microsoft.com/office/powerpoint/2010/main" val="2431789061"/>
+        <p14:creationId xmlns:p14="http://schemas.microsoft.com/office/powerpoint/2010/main" val="2490090441"/>
       </p:ext>
     </p:extLst>
   </p:cSld>
@@ -2884,7 +2893,7 @@
       </p:grpSpPr>
       <p:sp>
         <p:nvSpPr>
-          <p:cNvPr id="2" name="标题占位符 1"/>
+          <p:cNvPr id="2" name="Title Placeholder 1"/>
           <p:cNvSpPr>
             <a:spLocks noGrp="1"/>
           </p:cNvSpPr>
@@ -2894,8 +2903,8 @@
         </p:nvSpPr>
         <p:spPr>
           <a:xfrm>
-            <a:off x="838200" y="365125"/>
-            <a:ext cx="10515600" cy="1325563"/>
+            <a:off x="1484968" y="670834"/>
+            <a:ext cx="18629590" cy="2435415"/>
           </a:xfrm>
           <a:prstGeom prst="rect">
             <a:avLst/>
@@ -2911,13 +2920,13 @@
               <a:rPr lang="zh-CN" altLang="en-US" smtClean="0"/>
               <a:t>单击此处编辑母版标题样式</a:t>
             </a:r>
-            <a:endParaRPr lang="zh-CN" altLang="en-US"/>
+            <a:endParaRPr lang="en-US" dirty="0"/>
           </a:p>
         </p:txBody>
       </p:sp>
       <p:sp>
         <p:nvSpPr>
-          <p:cNvPr id="3" name="文本占位符 2"/>
+          <p:cNvPr id="3" name="Text Placeholder 2"/>
           <p:cNvSpPr>
             <a:spLocks noGrp="1"/>
           </p:cNvSpPr>
@@ -2927,8 +2936,8 @@
         </p:nvSpPr>
         <p:spPr>
           <a:xfrm>
-            <a:off x="838200" y="1825625"/>
-            <a:ext cx="10515600" cy="4351338"/>
+            <a:off x="1484968" y="3354163"/>
+            <a:ext cx="18629590" cy="7994577"/>
           </a:xfrm>
           <a:prstGeom prst="rect">
             <a:avLst/>
@@ -2973,13 +2982,13 @@
               <a:rPr lang="zh-CN" altLang="en-US" smtClean="0"/>
               <a:t>第五级</a:t>
             </a:r>
-            <a:endParaRPr lang="zh-CN" altLang="en-US"/>
+            <a:endParaRPr lang="en-US" dirty="0"/>
           </a:p>
         </p:txBody>
       </p:sp>
       <p:sp>
         <p:nvSpPr>
-          <p:cNvPr id="4" name="日期占位符 3"/>
+          <p:cNvPr id="4" name="Date Placeholder 3"/>
           <p:cNvSpPr>
             <a:spLocks noGrp="1"/>
           </p:cNvSpPr>
@@ -2989,8 +2998,8 @@
         </p:nvSpPr>
         <p:spPr>
           <a:xfrm>
-            <a:off x="838200" y="6356350"/>
-            <a:ext cx="2743200" cy="365125"/>
+            <a:off x="1484967" y="11678323"/>
+            <a:ext cx="4859893" cy="670833"/>
           </a:xfrm>
           <a:prstGeom prst="rect">
             <a:avLst/>
@@ -3000,7 +3009,7 @@
           <a:bodyPr vert="horz" lIns="91440" tIns="45720" rIns="91440" bIns="45720" rtlCol="0" anchor="ctr"/>
           <a:lstStyle>
             <a:lvl1pPr algn="l">
-              <a:defRPr sz="1200">
+              <a:defRPr sz="2126">
                 <a:solidFill>
                   <a:schemeClr val="tx1">
                     <a:tint val="75000"/>
@@ -3012,7 +3021,7 @@
           <a:p>
             <a:fld id="{9539D9DB-C257-48EC-866B-42186B048592}" type="datetimeFigureOut">
               <a:rPr lang="zh-CN" altLang="en-US" smtClean="0"/>
-              <a:t>2021/9/14</a:t>
+              <a:t>2021/9/15</a:t>
             </a:fld>
             <a:endParaRPr lang="zh-CN" altLang="en-US"/>
           </a:p>
@@ -3020,7 +3029,7 @@
       </p:sp>
       <p:sp>
         <p:nvSpPr>
-          <p:cNvPr id="5" name="页脚占位符 4"/>
+          <p:cNvPr id="5" name="Footer Placeholder 4"/>
           <p:cNvSpPr>
             <a:spLocks noGrp="1"/>
           </p:cNvSpPr>
@@ -3030,8 +3039,8 @@
         </p:nvSpPr>
         <p:spPr>
           <a:xfrm>
-            <a:off x="4038600" y="6356350"/>
-            <a:ext cx="4114800" cy="365125"/>
+            <a:off x="7154843" y="11678323"/>
+            <a:ext cx="7289840" cy="670833"/>
           </a:xfrm>
           <a:prstGeom prst="rect">
             <a:avLst/>
@@ -3041,7 +3050,7 @@
           <a:bodyPr vert="horz" lIns="91440" tIns="45720" rIns="91440" bIns="45720" rtlCol="0" anchor="ctr"/>
           <a:lstStyle>
             <a:lvl1pPr algn="ctr">
-              <a:defRPr sz="1200">
+              <a:defRPr sz="2126">
                 <a:solidFill>
                   <a:schemeClr val="tx1">
                     <a:tint val="75000"/>
@@ -3057,7 +3066,7 @@
       </p:sp>
       <p:sp>
         <p:nvSpPr>
-          <p:cNvPr id="6" name="灯片编号占位符 5"/>
+          <p:cNvPr id="6" name="Slide Number Placeholder 5"/>
           <p:cNvSpPr>
             <a:spLocks noGrp="1"/>
           </p:cNvSpPr>
@@ -3067,8 +3076,8 @@
         </p:nvSpPr>
         <p:spPr>
           <a:xfrm>
-            <a:off x="8610600" y="6356350"/>
-            <a:ext cx="2743200" cy="365125"/>
+            <a:off x="15254665" y="11678323"/>
+            <a:ext cx="4859893" cy="670833"/>
           </a:xfrm>
           <a:prstGeom prst="rect">
             <a:avLst/>
@@ -3078,7 +3087,7 @@
           <a:bodyPr vert="horz" lIns="91440" tIns="45720" rIns="91440" bIns="45720" rtlCol="0" anchor="ctr"/>
           <a:lstStyle>
             <a:lvl1pPr algn="r">
-              <a:defRPr sz="1200">
+              <a:defRPr sz="2126">
                 <a:solidFill>
                   <a:schemeClr val="tx1">
                     <a:tint val="75000"/>
@@ -3099,27 +3108,27 @@
     </p:spTree>
     <p:extLst>
       <p:ext uri="{BB962C8B-B14F-4D97-AF65-F5344CB8AC3E}">
-        <p14:creationId xmlns:p14="http://schemas.microsoft.com/office/powerpoint/2010/main" val="734621880"/>
+        <p14:creationId xmlns:p14="http://schemas.microsoft.com/office/powerpoint/2010/main" val="4094962690"/>
       </p:ext>
     </p:extLst>
   </p:cSld>
   <p:clrMap bg1="lt1" tx1="dk1" bg2="lt2" tx2="dk2" accent1="accent1" accent2="accent2" accent3="accent3" accent4="accent4" accent5="accent5" accent6="accent6" hlink="hlink" folHlink="folHlink"/>
   <p:sldLayoutIdLst>
-    <p:sldLayoutId id="2147483649" r:id="rId1"/>
-    <p:sldLayoutId id="2147483650" r:id="rId2"/>
-    <p:sldLayoutId id="2147483651" r:id="rId3"/>
-    <p:sldLayoutId id="2147483652" r:id="rId4"/>
-    <p:sldLayoutId id="2147483653" r:id="rId5"/>
-    <p:sldLayoutId id="2147483654" r:id="rId6"/>
-    <p:sldLayoutId id="2147483655" r:id="rId7"/>
-    <p:sldLayoutId id="2147483656" r:id="rId8"/>
-    <p:sldLayoutId id="2147483657" r:id="rId9"/>
-    <p:sldLayoutId id="2147483658" r:id="rId10"/>
-    <p:sldLayoutId id="2147483659" r:id="rId11"/>
+    <p:sldLayoutId id="2147483721" r:id="rId1"/>
+    <p:sldLayoutId id="2147483722" r:id="rId2"/>
+    <p:sldLayoutId id="2147483723" r:id="rId3"/>
+    <p:sldLayoutId id="2147483724" r:id="rId4"/>
+    <p:sldLayoutId id="2147483725" r:id="rId5"/>
+    <p:sldLayoutId id="2147483726" r:id="rId6"/>
+    <p:sldLayoutId id="2147483727" r:id="rId7"/>
+    <p:sldLayoutId id="2147483728" r:id="rId8"/>
+    <p:sldLayoutId id="2147483729" r:id="rId9"/>
+    <p:sldLayoutId id="2147483730" r:id="rId10"/>
+    <p:sldLayoutId id="2147483731" r:id="rId11"/>
   </p:sldLayoutIdLst>
   <p:txStyles>
     <p:titleStyle>
-      <a:lvl1pPr algn="l" defTabSz="914400" rtl="0" eaLnBrk="1" latinLnBrk="0" hangingPunct="1">
+      <a:lvl1pPr algn="l" defTabSz="1619951" rtl="0" eaLnBrk="1" latinLnBrk="0" hangingPunct="1">
         <a:lnSpc>
           <a:spcPct val="90000"/>
         </a:lnSpc>
@@ -3127,7 +3136,7 @@
           <a:spcPct val="0"/>
         </a:spcBef>
         <a:buNone/>
-        <a:defRPr sz="4400" kern="1200">
+        <a:defRPr sz="7795" kern="1200">
           <a:solidFill>
             <a:schemeClr val="tx1"/>
           </a:solidFill>
@@ -3138,16 +3147,16 @@
       </a:lvl1pPr>
     </p:titleStyle>
     <p:bodyStyle>
-      <a:lvl1pPr marL="228600" indent="-228600" algn="l" defTabSz="914400" rtl="0" eaLnBrk="1" latinLnBrk="0" hangingPunct="1">
+      <a:lvl1pPr marL="404988" indent="-404988" algn="l" defTabSz="1619951" rtl="0" eaLnBrk="1" latinLnBrk="0" hangingPunct="1">
         <a:lnSpc>
           <a:spcPct val="90000"/>
         </a:lnSpc>
         <a:spcBef>
-          <a:spcPts val="1000"/>
+          <a:spcPts val="1772"/>
         </a:spcBef>
         <a:buFont typeface="Arial" panose="020B0604020202020204" pitchFamily="34" charset="0"/>
         <a:buChar char="•"/>
-        <a:defRPr sz="2800" kern="1200">
+        <a:defRPr sz="4960" kern="1200">
           <a:solidFill>
             <a:schemeClr val="tx1"/>
           </a:solidFill>
@@ -3156,16 +3165,16 @@
           <a:cs typeface="+mn-cs"/>
         </a:defRPr>
       </a:lvl1pPr>
-      <a:lvl2pPr marL="685800" indent="-228600" algn="l" defTabSz="914400" rtl="0" eaLnBrk="1" latinLnBrk="0" hangingPunct="1">
+      <a:lvl2pPr marL="1214963" indent="-404988" algn="l" defTabSz="1619951" rtl="0" eaLnBrk="1" latinLnBrk="0" hangingPunct="1">
         <a:lnSpc>
           <a:spcPct val="90000"/>
         </a:lnSpc>
         <a:spcBef>
-          <a:spcPts val="500"/>
+          <a:spcPts val="886"/>
         </a:spcBef>
         <a:buFont typeface="Arial" panose="020B0604020202020204" pitchFamily="34" charset="0"/>
         <a:buChar char="•"/>
-        <a:defRPr sz="2400" kern="1200">
+        <a:defRPr sz="4252" kern="1200">
           <a:solidFill>
             <a:schemeClr val="tx1"/>
           </a:solidFill>
@@ -3174,16 +3183,16 @@
           <a:cs typeface="+mn-cs"/>
         </a:defRPr>
       </a:lvl2pPr>
-      <a:lvl3pPr marL="1143000" indent="-228600" algn="l" defTabSz="914400" rtl="0" eaLnBrk="1" latinLnBrk="0" hangingPunct="1">
+      <a:lvl3pPr marL="2024939" indent="-404988" algn="l" defTabSz="1619951" rtl="0" eaLnBrk="1" latinLnBrk="0" hangingPunct="1">
         <a:lnSpc>
           <a:spcPct val="90000"/>
         </a:lnSpc>
         <a:spcBef>
-          <a:spcPts val="500"/>
+          <a:spcPts val="886"/>
         </a:spcBef>
         <a:buFont typeface="Arial" panose="020B0604020202020204" pitchFamily="34" charset="0"/>
         <a:buChar char="•"/>
-        <a:defRPr sz="2000" kern="1200">
+        <a:defRPr sz="3543" kern="1200">
           <a:solidFill>
             <a:schemeClr val="tx1"/>
           </a:solidFill>
@@ -3192,16 +3201,16 @@
           <a:cs typeface="+mn-cs"/>
         </a:defRPr>
       </a:lvl3pPr>
-      <a:lvl4pPr marL="1600200" indent="-228600" algn="l" defTabSz="914400" rtl="0" eaLnBrk="1" latinLnBrk="0" hangingPunct="1">
+      <a:lvl4pPr marL="2834914" indent="-404988" algn="l" defTabSz="1619951" rtl="0" eaLnBrk="1" latinLnBrk="0" hangingPunct="1">
         <a:lnSpc>
           <a:spcPct val="90000"/>
         </a:lnSpc>
         <a:spcBef>
-          <a:spcPts val="500"/>
+          <a:spcPts val="886"/>
         </a:spcBef>
         <a:buFont typeface="Arial" panose="020B0604020202020204" pitchFamily="34" charset="0"/>
         <a:buChar char="•"/>
-        <a:defRPr sz="1800" kern="1200">
+        <a:defRPr sz="3189" kern="1200">
           <a:solidFill>
             <a:schemeClr val="tx1"/>
           </a:solidFill>
@@ -3210,16 +3219,16 @@
           <a:cs typeface="+mn-cs"/>
         </a:defRPr>
       </a:lvl4pPr>
-      <a:lvl5pPr marL="2057400" indent="-228600" algn="l" defTabSz="914400" rtl="0" eaLnBrk="1" latinLnBrk="0" hangingPunct="1">
+      <a:lvl5pPr marL="3644890" indent="-404988" algn="l" defTabSz="1619951" rtl="0" eaLnBrk="1" latinLnBrk="0" hangingPunct="1">
         <a:lnSpc>
           <a:spcPct val="90000"/>
         </a:lnSpc>
         <a:spcBef>
-          <a:spcPts val="500"/>
+          <a:spcPts val="886"/>
         </a:spcBef>
         <a:buFont typeface="Arial" panose="020B0604020202020204" pitchFamily="34" charset="0"/>
         <a:buChar char="•"/>
-        <a:defRPr sz="1800" kern="1200">
+        <a:defRPr sz="3189" kern="1200">
           <a:solidFill>
             <a:schemeClr val="tx1"/>
           </a:solidFill>
@@ -3228,16 +3237,16 @@
           <a:cs typeface="+mn-cs"/>
         </a:defRPr>
       </a:lvl5pPr>
-      <a:lvl6pPr marL="2514600" indent="-228600" algn="l" defTabSz="914400" rtl="0" eaLnBrk="1" latinLnBrk="0" hangingPunct="1">
+      <a:lvl6pPr marL="4454865" indent="-404988" algn="l" defTabSz="1619951" rtl="0" eaLnBrk="1" latinLnBrk="0" hangingPunct="1">
         <a:lnSpc>
           <a:spcPct val="90000"/>
         </a:lnSpc>
         <a:spcBef>
-          <a:spcPts val="500"/>
+          <a:spcPts val="886"/>
         </a:spcBef>
         <a:buFont typeface="Arial" panose="020B0604020202020204" pitchFamily="34" charset="0"/>
         <a:buChar char="•"/>
-        <a:defRPr sz="1800" kern="1200">
+        <a:defRPr sz="3189" kern="1200">
           <a:solidFill>
             <a:schemeClr val="tx1"/>
           </a:solidFill>
@@ -3246,16 +3255,16 @@
           <a:cs typeface="+mn-cs"/>
         </a:defRPr>
       </a:lvl6pPr>
-      <a:lvl7pPr marL="2971800" indent="-228600" algn="l" defTabSz="914400" rtl="0" eaLnBrk="1" latinLnBrk="0" hangingPunct="1">
+      <a:lvl7pPr marL="5264841" indent="-404988" algn="l" defTabSz="1619951" rtl="0" eaLnBrk="1" latinLnBrk="0" hangingPunct="1">
         <a:lnSpc>
           <a:spcPct val="90000"/>
         </a:lnSpc>
         <a:spcBef>
-          <a:spcPts val="500"/>
+          <a:spcPts val="886"/>
         </a:spcBef>
         <a:buFont typeface="Arial" panose="020B0604020202020204" pitchFamily="34" charset="0"/>
         <a:buChar char="•"/>
-        <a:defRPr sz="1800" kern="1200">
+        <a:defRPr sz="3189" kern="1200">
           <a:solidFill>
             <a:schemeClr val="tx1"/>
           </a:solidFill>
@@ -3264,16 +3273,16 @@
           <a:cs typeface="+mn-cs"/>
         </a:defRPr>
       </a:lvl7pPr>
-      <a:lvl8pPr marL="3429000" indent="-228600" algn="l" defTabSz="914400" rtl="0" eaLnBrk="1" latinLnBrk="0" hangingPunct="1">
+      <a:lvl8pPr marL="6074816" indent="-404988" algn="l" defTabSz="1619951" rtl="0" eaLnBrk="1" latinLnBrk="0" hangingPunct="1">
         <a:lnSpc>
           <a:spcPct val="90000"/>
         </a:lnSpc>
         <a:spcBef>
-          <a:spcPts val="500"/>
+          <a:spcPts val="886"/>
         </a:spcBef>
         <a:buFont typeface="Arial" panose="020B0604020202020204" pitchFamily="34" charset="0"/>
         <a:buChar char="•"/>
-        <a:defRPr sz="1800" kern="1200">
+        <a:defRPr sz="3189" kern="1200">
           <a:solidFill>
             <a:schemeClr val="tx1"/>
           </a:solidFill>
@@ -3282,16 +3291,16 @@
           <a:cs typeface="+mn-cs"/>
         </a:defRPr>
       </a:lvl8pPr>
-      <a:lvl9pPr marL="3886200" indent="-228600" algn="l" defTabSz="914400" rtl="0" eaLnBrk="1" latinLnBrk="0" hangingPunct="1">
+      <a:lvl9pPr marL="6884792" indent="-404988" algn="l" defTabSz="1619951" rtl="0" eaLnBrk="1" latinLnBrk="0" hangingPunct="1">
         <a:lnSpc>
           <a:spcPct val="90000"/>
         </a:lnSpc>
         <a:spcBef>
-          <a:spcPts val="500"/>
+          <a:spcPts val="886"/>
         </a:spcBef>
         <a:buFont typeface="Arial" panose="020B0604020202020204" pitchFamily="34" charset="0"/>
         <a:buChar char="•"/>
-        <a:defRPr sz="1800" kern="1200">
+        <a:defRPr sz="3189" kern="1200">
           <a:solidFill>
             <a:schemeClr val="tx1"/>
           </a:solidFill>
@@ -3303,10 +3312,10 @@
     </p:bodyStyle>
     <p:otherStyle>
       <a:defPPr>
-        <a:defRPr lang="zh-CN"/>
+        <a:defRPr lang="en-US"/>
       </a:defPPr>
-      <a:lvl1pPr marL="0" algn="l" defTabSz="914400" rtl="0" eaLnBrk="1" latinLnBrk="0" hangingPunct="1">
-        <a:defRPr sz="1800" kern="1200">
+      <a:lvl1pPr marL="0" algn="l" defTabSz="1619951" rtl="0" eaLnBrk="1" latinLnBrk="0" hangingPunct="1">
+        <a:defRPr sz="3189" kern="1200">
           <a:solidFill>
             <a:schemeClr val="tx1"/>
           </a:solidFill>
@@ -3315,8 +3324,8 @@
           <a:cs typeface="+mn-cs"/>
         </a:defRPr>
       </a:lvl1pPr>
-      <a:lvl2pPr marL="457200" algn="l" defTabSz="914400" rtl="0" eaLnBrk="1" latinLnBrk="0" hangingPunct="1">
-        <a:defRPr sz="1800" kern="1200">
+      <a:lvl2pPr marL="809976" algn="l" defTabSz="1619951" rtl="0" eaLnBrk="1" latinLnBrk="0" hangingPunct="1">
+        <a:defRPr sz="3189" kern="1200">
           <a:solidFill>
             <a:schemeClr val="tx1"/>
           </a:solidFill>
@@ -3325,8 +3334,8 @@
           <a:cs typeface="+mn-cs"/>
         </a:defRPr>
       </a:lvl2pPr>
-      <a:lvl3pPr marL="914400" algn="l" defTabSz="914400" rtl="0" eaLnBrk="1" latinLnBrk="0" hangingPunct="1">
-        <a:defRPr sz="1800" kern="1200">
+      <a:lvl3pPr marL="1619951" algn="l" defTabSz="1619951" rtl="0" eaLnBrk="1" latinLnBrk="0" hangingPunct="1">
+        <a:defRPr sz="3189" kern="1200">
           <a:solidFill>
             <a:schemeClr val="tx1"/>
           </a:solidFill>
@@ -3335,8 +3344,8 @@
           <a:cs typeface="+mn-cs"/>
         </a:defRPr>
       </a:lvl3pPr>
-      <a:lvl4pPr marL="1371600" algn="l" defTabSz="914400" rtl="0" eaLnBrk="1" latinLnBrk="0" hangingPunct="1">
-        <a:defRPr sz="1800" kern="1200">
+      <a:lvl4pPr marL="2429927" algn="l" defTabSz="1619951" rtl="0" eaLnBrk="1" latinLnBrk="0" hangingPunct="1">
+        <a:defRPr sz="3189" kern="1200">
           <a:solidFill>
             <a:schemeClr val="tx1"/>
           </a:solidFill>
@@ -3345,8 +3354,8 @@
           <a:cs typeface="+mn-cs"/>
         </a:defRPr>
       </a:lvl4pPr>
-      <a:lvl5pPr marL="1828800" algn="l" defTabSz="914400" rtl="0" eaLnBrk="1" latinLnBrk="0" hangingPunct="1">
-        <a:defRPr sz="1800" kern="1200">
+      <a:lvl5pPr marL="3239902" algn="l" defTabSz="1619951" rtl="0" eaLnBrk="1" latinLnBrk="0" hangingPunct="1">
+        <a:defRPr sz="3189" kern="1200">
           <a:solidFill>
             <a:schemeClr val="tx1"/>
           </a:solidFill>
@@ -3355,8 +3364,8 @@
           <a:cs typeface="+mn-cs"/>
         </a:defRPr>
       </a:lvl5pPr>
-      <a:lvl6pPr marL="2286000" algn="l" defTabSz="914400" rtl="0" eaLnBrk="1" latinLnBrk="0" hangingPunct="1">
-        <a:defRPr sz="1800" kern="1200">
+      <a:lvl6pPr marL="4049878" algn="l" defTabSz="1619951" rtl="0" eaLnBrk="1" latinLnBrk="0" hangingPunct="1">
+        <a:defRPr sz="3189" kern="1200">
           <a:solidFill>
             <a:schemeClr val="tx1"/>
           </a:solidFill>
@@ -3365,8 +3374,8 @@
           <a:cs typeface="+mn-cs"/>
         </a:defRPr>
       </a:lvl6pPr>
-      <a:lvl7pPr marL="2743200" algn="l" defTabSz="914400" rtl="0" eaLnBrk="1" latinLnBrk="0" hangingPunct="1">
-        <a:defRPr sz="1800" kern="1200">
+      <a:lvl7pPr marL="4859853" algn="l" defTabSz="1619951" rtl="0" eaLnBrk="1" latinLnBrk="0" hangingPunct="1">
+        <a:defRPr sz="3189" kern="1200">
           <a:solidFill>
             <a:schemeClr val="tx1"/>
           </a:solidFill>
@@ -3375,8 +3384,8 @@
           <a:cs typeface="+mn-cs"/>
         </a:defRPr>
       </a:lvl7pPr>
-      <a:lvl8pPr marL="3200400" algn="l" defTabSz="914400" rtl="0" eaLnBrk="1" latinLnBrk="0" hangingPunct="1">
-        <a:defRPr sz="1800" kern="1200">
+      <a:lvl8pPr marL="5669829" algn="l" defTabSz="1619951" rtl="0" eaLnBrk="1" latinLnBrk="0" hangingPunct="1">
+        <a:defRPr sz="3189" kern="1200">
           <a:solidFill>
             <a:schemeClr val="tx1"/>
           </a:solidFill>
@@ -3385,8 +3394,8 @@
           <a:cs typeface="+mn-cs"/>
         </a:defRPr>
       </a:lvl8pPr>
-      <a:lvl9pPr marL="3657600" algn="l" defTabSz="914400" rtl="0" eaLnBrk="1" latinLnBrk="0" hangingPunct="1">
-        <a:defRPr sz="1800" kern="1200">
+      <a:lvl9pPr marL="6479804" algn="l" defTabSz="1619951" rtl="0" eaLnBrk="1" latinLnBrk="0" hangingPunct="1">
+        <a:defRPr sz="3189" kern="1200">
           <a:solidFill>
             <a:schemeClr val="tx1"/>
           </a:solidFill>
@@ -3425,250 +3434,280 @@
           <a:chExt cx="0" cy="0"/>
         </a:xfrm>
       </p:grpSpPr>
-      <p:sp>
-        <p:nvSpPr>
-          <p:cNvPr id="5" name="矩形 4"/>
-          <p:cNvSpPr/>
+      <p:grpSp>
+        <p:nvGrpSpPr>
+          <p:cNvPr id="288" name="组合 287"/>
+          <p:cNvGrpSpPr/>
           <p:nvPr/>
-        </p:nvSpPr>
-        <p:spPr>
+        </p:nvGrpSpPr>
+        <p:grpSpPr>
           <a:xfrm>
-            <a:off x="129654" y="146793"/>
-            <a:ext cx="11894024" cy="1095153"/>
-          </a:xfrm>
-          <a:prstGeom prst="rect">
-            <a:avLst/>
-          </a:prstGeom>
-          <a:solidFill>
-            <a:schemeClr val="accent4">
-              <a:lumMod val="60000"/>
-              <a:lumOff val="40000"/>
-            </a:schemeClr>
-          </a:solidFill>
-        </p:spPr>
-        <p:style>
-          <a:lnRef idx="2">
-            <a:schemeClr val="accent4">
-              <a:shade val="50000"/>
-            </a:schemeClr>
-          </a:lnRef>
-          <a:fillRef idx="1">
-            <a:schemeClr val="accent4"/>
-          </a:fillRef>
-          <a:effectRef idx="0">
-            <a:schemeClr val="accent4"/>
-          </a:effectRef>
-          <a:fontRef idx="minor">
-            <a:schemeClr val="lt1"/>
-          </a:fontRef>
-        </p:style>
-        <p:txBody>
-          <a:bodyPr rtlCol="0" anchor="ctr"/>
-          <a:lstStyle/>
-          <a:p>
-            <a:pPr algn="ctr"/>
-            <a:endParaRPr lang="zh-CN" altLang="en-US" dirty="0">
-              <a:latin typeface="Consolas" panose="020B0609020204030204" pitchFamily="49" charset="0"/>
-            </a:endParaRPr>
-          </a:p>
-        </p:txBody>
-      </p:sp>
-      <p:sp>
-        <p:nvSpPr>
-          <p:cNvPr id="6" name="矩形 5"/>
-          <p:cNvSpPr/>
-          <p:nvPr/>
-        </p:nvSpPr>
-        <p:spPr>
-          <a:xfrm>
-            <a:off x="4651613" y="341191"/>
-            <a:ext cx="1080000" cy="720000"/>
-          </a:xfrm>
-          <a:prstGeom prst="rect">
-            <a:avLst/>
-          </a:prstGeom>
-          <a:solidFill>
-            <a:schemeClr val="accent6">
-              <a:lumMod val="60000"/>
-              <a:lumOff val="40000"/>
-            </a:schemeClr>
-          </a:solidFill>
-        </p:spPr>
-        <p:style>
-          <a:lnRef idx="2">
-            <a:schemeClr val="accent1">
-              <a:shade val="50000"/>
-            </a:schemeClr>
-          </a:lnRef>
-          <a:fillRef idx="1">
-            <a:schemeClr val="accent1"/>
-          </a:fillRef>
-          <a:effectRef idx="0">
-            <a:schemeClr val="accent1"/>
-          </a:effectRef>
-          <a:fontRef idx="minor">
-            <a:schemeClr val="lt1"/>
-          </a:fontRef>
-        </p:style>
-        <p:txBody>
-          <a:bodyPr rtlCol="0" anchor="ctr"/>
-          <a:lstStyle/>
-          <a:p>
-            <a:pPr algn="ctr"/>
-            <a:r>
-              <a:rPr lang="en-US" altLang="zh-CN" dirty="0" err="1" smtClean="0">
+            <a:off x="294754" y="374496"/>
+            <a:ext cx="6983415" cy="1095154"/>
+            <a:chOff x="277510" y="4088802"/>
+            <a:chExt cx="6983415" cy="1095154"/>
+          </a:xfrm>
+        </p:grpSpPr>
+        <p:sp>
+          <p:nvSpPr>
+            <p:cNvPr id="5" name="矩形 4"/>
+            <p:cNvSpPr/>
+            <p:nvPr/>
+          </p:nvSpPr>
+          <p:spPr>
+            <a:xfrm>
+              <a:off x="277510" y="4088802"/>
+              <a:ext cx="6983415" cy="1095154"/>
+            </a:xfrm>
+            <a:prstGeom prst="rect">
+              <a:avLst/>
+            </a:prstGeom>
+            <a:solidFill>
+              <a:schemeClr val="accent4">
+                <a:lumMod val="60000"/>
+                <a:lumOff val="40000"/>
+              </a:schemeClr>
+            </a:solidFill>
+          </p:spPr>
+          <p:style>
+            <a:lnRef idx="2">
+              <a:schemeClr val="accent4">
+                <a:shade val="50000"/>
+              </a:schemeClr>
+            </a:lnRef>
+            <a:fillRef idx="1">
+              <a:schemeClr val="accent4"/>
+            </a:fillRef>
+            <a:effectRef idx="0">
+              <a:schemeClr val="accent4"/>
+            </a:effectRef>
+            <a:fontRef idx="minor">
+              <a:schemeClr val="lt1"/>
+            </a:fontRef>
+          </p:style>
+          <p:txBody>
+            <a:bodyPr rtlCol="0" anchor="ctr"/>
+            <a:lstStyle/>
+            <a:p>
+              <a:pPr algn="ctr"/>
+              <a:endParaRPr lang="zh-CN" altLang="en-US" dirty="0">
                 <a:latin typeface="Consolas" panose="020B0609020204030204" pitchFamily="49" charset="0"/>
-              </a:rPr>
-              <a:t>ios</a:t>
-            </a:r>
-            <a:endParaRPr lang="zh-CN" altLang="en-US" dirty="0">
-              <a:latin typeface="Consolas" panose="020B0609020204030204" pitchFamily="49" charset="0"/>
-            </a:endParaRPr>
-          </a:p>
-        </p:txBody>
-      </p:sp>
-      <p:sp>
-        <p:nvSpPr>
-          <p:cNvPr id="7" name="矩形 6"/>
-          <p:cNvSpPr/>
-          <p:nvPr/>
-        </p:nvSpPr>
-        <p:spPr>
-          <a:xfrm>
-            <a:off x="7501719" y="341191"/>
-            <a:ext cx="1080000" cy="720000"/>
-          </a:xfrm>
-          <a:prstGeom prst="rect">
-            <a:avLst/>
-          </a:prstGeom>
-          <a:solidFill>
-            <a:schemeClr val="accent3">
-              <a:lumMod val="60000"/>
-              <a:lumOff val="40000"/>
-            </a:schemeClr>
-          </a:solidFill>
-        </p:spPr>
-        <p:style>
-          <a:lnRef idx="2">
-            <a:schemeClr val="accent1">
-              <a:shade val="50000"/>
-            </a:schemeClr>
-          </a:lnRef>
-          <a:fillRef idx="1">
-            <a:schemeClr val="accent1"/>
-          </a:fillRef>
-          <a:effectRef idx="0">
-            <a:schemeClr val="accent1"/>
-          </a:effectRef>
-          <a:fontRef idx="minor">
-            <a:schemeClr val="lt1"/>
-          </a:fontRef>
-        </p:style>
-        <p:txBody>
-          <a:bodyPr rtlCol="0" anchor="ctr"/>
-          <a:lstStyle/>
-          <a:p>
-            <a:pPr algn="ctr"/>
-            <a:r>
-              <a:rPr lang="en-US" altLang="zh-CN" dirty="0" smtClean="0">
+              </a:endParaRPr>
+            </a:p>
+          </p:txBody>
+        </p:sp>
+        <p:grpSp>
+          <p:nvGrpSpPr>
+            <p:cNvPr id="102" name="组合 101"/>
+            <p:cNvGrpSpPr/>
+            <p:nvPr/>
+          </p:nvGrpSpPr>
+          <p:grpSpPr>
+            <a:xfrm>
+              <a:off x="2561398" y="4341465"/>
+              <a:ext cx="3930106" cy="720000"/>
+              <a:chOff x="4651613" y="341191"/>
+              <a:chExt cx="3930106" cy="720000"/>
+            </a:xfrm>
+          </p:grpSpPr>
+          <p:sp>
+            <p:nvSpPr>
+              <p:cNvPr id="6" name="矩形 5"/>
+              <p:cNvSpPr/>
+              <p:nvPr/>
+            </p:nvSpPr>
+            <p:spPr>
+              <a:xfrm>
+                <a:off x="4651613" y="341191"/>
+                <a:ext cx="1080000" cy="720000"/>
+              </a:xfrm>
+              <a:prstGeom prst="rect">
+                <a:avLst/>
+              </a:prstGeom>
+              <a:solidFill>
+                <a:schemeClr val="accent6">
+                  <a:lumMod val="60000"/>
+                  <a:lumOff val="40000"/>
+                </a:schemeClr>
+              </a:solidFill>
+            </p:spPr>
+            <p:style>
+              <a:lnRef idx="2">
+                <a:schemeClr val="accent1">
+                  <a:shade val="50000"/>
+                </a:schemeClr>
+              </a:lnRef>
+              <a:fillRef idx="1">
+                <a:schemeClr val="accent1"/>
+              </a:fillRef>
+              <a:effectRef idx="0">
+                <a:schemeClr val="accent1"/>
+              </a:effectRef>
+              <a:fontRef idx="minor">
+                <a:schemeClr val="lt1"/>
+              </a:fontRef>
+            </p:style>
+            <p:txBody>
+              <a:bodyPr rtlCol="0" anchor="ctr"/>
+              <a:lstStyle/>
+              <a:p>
+                <a:pPr algn="ctr"/>
+                <a:r>
+                  <a:rPr lang="en-US" altLang="zh-CN" dirty="0" err="1">
+                    <a:latin typeface="Consolas" panose="020B0609020204030204" pitchFamily="49" charset="0"/>
+                  </a:rPr>
+                  <a:t>ios</a:t>
+                </a:r>
+                <a:endParaRPr lang="zh-CN" altLang="en-US" dirty="0">
+                  <a:latin typeface="Consolas" panose="020B0609020204030204" pitchFamily="49" charset="0"/>
+                </a:endParaRPr>
+              </a:p>
+            </p:txBody>
+          </p:sp>
+          <p:sp>
+            <p:nvSpPr>
+              <p:cNvPr id="7" name="矩形 6"/>
+              <p:cNvSpPr/>
+              <p:nvPr/>
+            </p:nvSpPr>
+            <p:spPr>
+              <a:xfrm>
+                <a:off x="7501719" y="341191"/>
+                <a:ext cx="1080000" cy="720000"/>
+              </a:xfrm>
+              <a:prstGeom prst="rect">
+                <a:avLst/>
+              </a:prstGeom>
+              <a:solidFill>
+                <a:schemeClr val="accent3">
+                  <a:lumMod val="60000"/>
+                  <a:lumOff val="40000"/>
+                </a:schemeClr>
+              </a:solidFill>
+            </p:spPr>
+            <p:style>
+              <a:lnRef idx="2">
+                <a:schemeClr val="accent1">
+                  <a:shade val="50000"/>
+                </a:schemeClr>
+              </a:lnRef>
+              <a:fillRef idx="1">
+                <a:schemeClr val="accent1"/>
+              </a:fillRef>
+              <a:effectRef idx="0">
+                <a:schemeClr val="accent1"/>
+              </a:effectRef>
+              <a:fontRef idx="minor">
+                <a:schemeClr val="lt1"/>
+              </a:fontRef>
+            </p:style>
+            <p:txBody>
+              <a:bodyPr rtlCol="0" anchor="ctr"/>
+              <a:lstStyle/>
+              <a:p>
+                <a:pPr algn="ctr"/>
+                <a:r>
+                  <a:rPr lang="en-US" altLang="zh-CN" dirty="0">
+                    <a:latin typeface="Consolas" panose="020B0609020204030204" pitchFamily="49" charset="0"/>
+                  </a:rPr>
+                  <a:t>pc</a:t>
+                </a:r>
+                <a:endParaRPr lang="zh-CN" altLang="en-US" dirty="0">
+                  <a:latin typeface="Consolas" panose="020B0609020204030204" pitchFamily="49" charset="0"/>
+                </a:endParaRPr>
+              </a:p>
+            </p:txBody>
+          </p:sp>
+          <p:sp>
+            <p:nvSpPr>
+              <p:cNvPr id="8" name="矩形 7"/>
+              <p:cNvSpPr/>
+              <p:nvPr/>
+            </p:nvSpPr>
+            <p:spPr>
+              <a:xfrm>
+                <a:off x="6076666" y="341191"/>
+                <a:ext cx="1080000" cy="720000"/>
+              </a:xfrm>
+              <a:prstGeom prst="rect">
+                <a:avLst/>
+              </a:prstGeom>
+              <a:solidFill>
+                <a:schemeClr val="accent5">
+                  <a:lumMod val="60000"/>
+                  <a:lumOff val="40000"/>
+                </a:schemeClr>
+              </a:solidFill>
+            </p:spPr>
+            <p:style>
+              <a:lnRef idx="2">
+                <a:schemeClr val="accent1">
+                  <a:shade val="50000"/>
+                </a:schemeClr>
+              </a:lnRef>
+              <a:fillRef idx="1">
+                <a:schemeClr val="accent1"/>
+              </a:fillRef>
+              <a:effectRef idx="0">
+                <a:schemeClr val="accent1"/>
+              </a:effectRef>
+              <a:fontRef idx="minor">
+                <a:schemeClr val="lt1"/>
+              </a:fontRef>
+            </p:style>
+            <p:txBody>
+              <a:bodyPr rtlCol="0" anchor="ctr"/>
+              <a:lstStyle/>
+              <a:p>
+                <a:pPr algn="ctr"/>
+                <a:r>
+                  <a:rPr lang="en-US" altLang="zh-CN" dirty="0">
+                    <a:latin typeface="Consolas" panose="020B0609020204030204" pitchFamily="49" charset="0"/>
+                  </a:rPr>
+                  <a:t>android</a:t>
+                </a:r>
+                <a:endParaRPr lang="zh-CN" altLang="en-US" dirty="0">
+                  <a:latin typeface="Consolas" panose="020B0609020204030204" pitchFamily="49" charset="0"/>
+                </a:endParaRPr>
+              </a:p>
+            </p:txBody>
+          </p:sp>
+        </p:grpSp>
+        <p:sp>
+          <p:nvSpPr>
+            <p:cNvPr id="11" name="文本框 10"/>
+            <p:cNvSpPr txBox="1"/>
+            <p:nvPr/>
+          </p:nvSpPr>
+          <p:spPr>
+            <a:xfrm>
+              <a:off x="438358" y="4527637"/>
+              <a:ext cx="944489" cy="369332"/>
+            </a:xfrm>
+            <a:prstGeom prst="rect">
+              <a:avLst/>
+            </a:prstGeom>
+            <a:noFill/>
+          </p:spPr>
+          <p:txBody>
+            <a:bodyPr wrap="none" rtlCol="0">
+              <a:spAutoFit/>
+            </a:bodyPr>
+            <a:lstStyle/>
+            <a:p>
+              <a:r>
+                <a:rPr lang="en-US" altLang="zh-CN" b="1" dirty="0">
+                  <a:latin typeface="Consolas" panose="020B0609020204030204" pitchFamily="49" charset="0"/>
+                </a:rPr>
+                <a:t>Client</a:t>
+              </a:r>
+              <a:endParaRPr lang="zh-CN" altLang="en-US" b="1" dirty="0">
                 <a:latin typeface="Consolas" panose="020B0609020204030204" pitchFamily="49" charset="0"/>
-              </a:rPr>
-              <a:t>pc</a:t>
-            </a:r>
-            <a:endParaRPr lang="zh-CN" altLang="en-US" dirty="0">
-              <a:latin typeface="Consolas" panose="020B0609020204030204" pitchFamily="49" charset="0"/>
-            </a:endParaRPr>
-          </a:p>
-        </p:txBody>
-      </p:sp>
-      <p:sp>
-        <p:nvSpPr>
-          <p:cNvPr id="8" name="矩形 7"/>
-          <p:cNvSpPr/>
-          <p:nvPr/>
-        </p:nvSpPr>
-        <p:spPr>
-          <a:xfrm>
-            <a:off x="6076666" y="341191"/>
-            <a:ext cx="1080000" cy="720000"/>
-          </a:xfrm>
-          <a:prstGeom prst="rect">
-            <a:avLst/>
-          </a:prstGeom>
-          <a:solidFill>
-            <a:schemeClr val="accent5">
-              <a:lumMod val="60000"/>
-              <a:lumOff val="40000"/>
-            </a:schemeClr>
-          </a:solidFill>
-        </p:spPr>
-        <p:style>
-          <a:lnRef idx="2">
-            <a:schemeClr val="accent1">
-              <a:shade val="50000"/>
-            </a:schemeClr>
-          </a:lnRef>
-          <a:fillRef idx="1">
-            <a:schemeClr val="accent1"/>
-          </a:fillRef>
-          <a:effectRef idx="0">
-            <a:schemeClr val="accent1"/>
-          </a:effectRef>
-          <a:fontRef idx="minor">
-            <a:schemeClr val="lt1"/>
-          </a:fontRef>
-        </p:style>
-        <p:txBody>
-          <a:bodyPr rtlCol="0" anchor="ctr"/>
-          <a:lstStyle/>
-          <a:p>
-            <a:pPr algn="ctr"/>
-            <a:r>
-              <a:rPr lang="en-US" altLang="zh-CN" dirty="0" smtClean="0">
-                <a:latin typeface="Consolas" panose="020B0609020204030204" pitchFamily="49" charset="0"/>
-              </a:rPr>
-              <a:t>android</a:t>
-            </a:r>
-            <a:endParaRPr lang="zh-CN" altLang="en-US" dirty="0">
-              <a:latin typeface="Consolas" panose="020B0609020204030204" pitchFamily="49" charset="0"/>
-            </a:endParaRPr>
-          </a:p>
-        </p:txBody>
-      </p:sp>
-      <p:sp>
-        <p:nvSpPr>
-          <p:cNvPr id="11" name="文本框 10"/>
-          <p:cNvSpPr txBox="1"/>
-          <p:nvPr/>
-        </p:nvSpPr>
-        <p:spPr>
-          <a:xfrm>
-            <a:off x="973900" y="518615"/>
-            <a:ext cx="944489" cy="369332"/>
-          </a:xfrm>
-          <a:prstGeom prst="rect">
-            <a:avLst/>
-          </a:prstGeom>
-          <a:noFill/>
-        </p:spPr>
-        <p:txBody>
-          <a:bodyPr wrap="none" rtlCol="0">
-            <a:spAutoFit/>
-          </a:bodyPr>
-          <a:lstStyle/>
-          <a:p>
-            <a:r>
-              <a:rPr lang="en-US" altLang="zh-CN" b="1" dirty="0" smtClean="0">
-                <a:latin typeface="Consolas" panose="020B0609020204030204" pitchFamily="49" charset="0"/>
-              </a:rPr>
-              <a:t>Client</a:t>
-            </a:r>
-            <a:endParaRPr lang="zh-CN" altLang="en-US" b="1" dirty="0">
-              <a:latin typeface="Consolas" panose="020B0609020204030204" pitchFamily="49" charset="0"/>
-            </a:endParaRPr>
-          </a:p>
-        </p:txBody>
-      </p:sp>
+              </a:endParaRPr>
+            </a:p>
+          </p:txBody>
+        </p:sp>
+      </p:grpSp>
       <p:sp>
         <p:nvSpPr>
           <p:cNvPr id="12" name="矩形 11"/>
@@ -3677,8 +3716,8 @@
         </p:nvSpPr>
         <p:spPr>
           <a:xfrm>
-            <a:off x="148988" y="1363340"/>
-            <a:ext cx="11894024" cy="5378276"/>
+            <a:off x="294756" y="3495971"/>
+            <a:ext cx="9303105" cy="5378276"/>
           </a:xfrm>
           <a:prstGeom prst="rect">
             <a:avLst/>
@@ -3724,8 +3763,8 @@
         </p:nvSpPr>
         <p:spPr>
           <a:xfrm>
-            <a:off x="973899" y="1613768"/>
-            <a:ext cx="944489" cy="369332"/>
+            <a:off x="455611" y="3809398"/>
+            <a:ext cx="1577676" cy="369332"/>
           </a:xfrm>
           <a:prstGeom prst="rect">
             <a:avLst/>
@@ -3739,10 +3778,10 @@
           <a:lstStyle/>
           <a:p>
             <a:r>
-              <a:rPr lang="en-US" altLang="zh-CN" b="1" dirty="0" smtClean="0">
+              <a:rPr lang="en-US" altLang="zh-CN" b="1" dirty="0">
                 <a:latin typeface="Consolas" panose="020B0609020204030204" pitchFamily="49" charset="0"/>
               </a:rPr>
-              <a:t>Server</a:t>
+              <a:t>Game Server</a:t>
             </a:r>
             <a:endParaRPr lang="zh-CN" altLang="en-US" b="1" dirty="0">
               <a:latin typeface="Consolas" panose="020B0609020204030204" pitchFamily="49" charset="0"/>
@@ -3752,13 +3791,13 @@
       </p:sp>
       <p:sp>
         <p:nvSpPr>
-          <p:cNvPr id="14" name="矩形 13"/>
+          <p:cNvPr id="15" name="矩形 14"/>
           <p:cNvSpPr/>
           <p:nvPr/>
         </p:nvSpPr>
         <p:spPr>
           <a:xfrm>
-            <a:off x="2143576" y="1613768"/>
+            <a:off x="1252865" y="4396682"/>
             <a:ext cx="1616382" cy="720000"/>
           </a:xfrm>
           <a:prstGeom prst="rect">
@@ -3790,10 +3829,10 @@
           <a:p>
             <a:pPr algn="ctr"/>
             <a:r>
-              <a:rPr lang="en-US" altLang="zh-CN" dirty="0" smtClean="0">
+              <a:rPr lang="en-US" altLang="zh-CN" dirty="0">
                 <a:latin typeface="Consolas" panose="020B0609020204030204" pitchFamily="49" charset="0"/>
               </a:rPr>
-              <a:t>Login</a:t>
+              <a:t>Balance</a:t>
             </a:r>
             <a:endParaRPr lang="zh-CN" altLang="en-US" dirty="0">
               <a:latin typeface="Consolas" panose="020B0609020204030204" pitchFamily="49" charset="0"/>
@@ -3801,16 +3840,229 @@
           </a:p>
         </p:txBody>
       </p:sp>
+      <p:grpSp>
+        <p:nvGrpSpPr>
+          <p:cNvPr id="125" name="组合 124"/>
+          <p:cNvGrpSpPr/>
+          <p:nvPr/>
+        </p:nvGrpSpPr>
+        <p:grpSpPr>
+          <a:xfrm>
+            <a:off x="5896915" y="3798569"/>
+            <a:ext cx="2553529" cy="1616577"/>
+            <a:chOff x="7706965" y="1614888"/>
+            <a:chExt cx="2553528" cy="1616577"/>
+          </a:xfrm>
+        </p:grpSpPr>
+        <p:sp>
+          <p:nvSpPr>
+            <p:cNvPr id="16" name="矩形 15"/>
+            <p:cNvSpPr/>
+            <p:nvPr/>
+          </p:nvSpPr>
+          <p:spPr>
+            <a:xfrm>
+              <a:off x="7706965" y="1614888"/>
+              <a:ext cx="2553528" cy="1616577"/>
+            </a:xfrm>
+            <a:prstGeom prst="rect">
+              <a:avLst/>
+            </a:prstGeom>
+            <a:solidFill>
+              <a:srgbClr val="00B050"/>
+            </a:solidFill>
+          </p:spPr>
+          <p:style>
+            <a:lnRef idx="2">
+              <a:schemeClr val="accent1">
+                <a:shade val="50000"/>
+              </a:schemeClr>
+            </a:lnRef>
+            <a:fillRef idx="1">
+              <a:schemeClr val="accent1"/>
+            </a:fillRef>
+            <a:effectRef idx="0">
+              <a:schemeClr val="accent1"/>
+            </a:effectRef>
+            <a:fontRef idx="minor">
+              <a:schemeClr val="lt1"/>
+            </a:fontRef>
+          </p:style>
+          <p:txBody>
+            <a:bodyPr rtlCol="0" anchor="ctr"/>
+            <a:lstStyle/>
+            <a:p>
+              <a:pPr algn="ctr"/>
+              <a:endParaRPr lang="zh-CN" altLang="en-US" dirty="0">
+                <a:latin typeface="Consolas" panose="020B0609020204030204" pitchFamily="49" charset="0"/>
+              </a:endParaRPr>
+            </a:p>
+          </p:txBody>
+        </p:sp>
+        <p:sp>
+          <p:nvSpPr>
+            <p:cNvPr id="17" name="矩形 16"/>
+            <p:cNvSpPr/>
+            <p:nvPr/>
+          </p:nvSpPr>
+          <p:spPr>
+            <a:xfrm>
+              <a:off x="8557327" y="1659244"/>
+              <a:ext cx="852804" cy="435592"/>
+            </a:xfrm>
+            <a:prstGeom prst="rect">
+              <a:avLst/>
+            </a:prstGeom>
+            <a:solidFill>
+              <a:srgbClr val="00B050"/>
+            </a:solidFill>
+          </p:spPr>
+          <p:style>
+            <a:lnRef idx="2">
+              <a:schemeClr val="accent1">
+                <a:shade val="50000"/>
+              </a:schemeClr>
+            </a:lnRef>
+            <a:fillRef idx="1">
+              <a:schemeClr val="accent1"/>
+            </a:fillRef>
+            <a:effectRef idx="0">
+              <a:schemeClr val="accent1"/>
+            </a:effectRef>
+            <a:fontRef idx="minor">
+              <a:schemeClr val="lt1"/>
+            </a:fontRef>
+          </p:style>
+          <p:txBody>
+            <a:bodyPr rtlCol="0" anchor="ctr"/>
+            <a:lstStyle/>
+            <a:p>
+              <a:pPr algn="ctr"/>
+              <a:r>
+                <a:rPr lang="en-US" altLang="zh-CN" dirty="0">
+                  <a:latin typeface="Consolas" panose="020B0609020204030204" pitchFamily="49" charset="0"/>
+                </a:rPr>
+                <a:t>Gate1</a:t>
+              </a:r>
+              <a:endParaRPr lang="zh-CN" altLang="en-US" dirty="0">
+                <a:latin typeface="Consolas" panose="020B0609020204030204" pitchFamily="49" charset="0"/>
+              </a:endParaRPr>
+            </a:p>
+          </p:txBody>
+        </p:sp>
+        <p:sp>
+          <p:nvSpPr>
+            <p:cNvPr id="18" name="矩形 17"/>
+            <p:cNvSpPr/>
+            <p:nvPr/>
+          </p:nvSpPr>
+          <p:spPr>
+            <a:xfrm>
+              <a:off x="8557327" y="2205381"/>
+              <a:ext cx="852804" cy="435592"/>
+            </a:xfrm>
+            <a:prstGeom prst="rect">
+              <a:avLst/>
+            </a:prstGeom>
+            <a:solidFill>
+              <a:srgbClr val="00B050"/>
+            </a:solidFill>
+          </p:spPr>
+          <p:style>
+            <a:lnRef idx="2">
+              <a:schemeClr val="accent1">
+                <a:shade val="50000"/>
+              </a:schemeClr>
+            </a:lnRef>
+            <a:fillRef idx="1">
+              <a:schemeClr val="accent1"/>
+            </a:fillRef>
+            <a:effectRef idx="0">
+              <a:schemeClr val="accent1"/>
+            </a:effectRef>
+            <a:fontRef idx="minor">
+              <a:schemeClr val="lt1"/>
+            </a:fontRef>
+          </p:style>
+          <p:txBody>
+            <a:bodyPr rtlCol="0" anchor="ctr"/>
+            <a:lstStyle/>
+            <a:p>
+              <a:pPr algn="ctr"/>
+              <a:r>
+                <a:rPr lang="en-US" altLang="zh-CN" dirty="0">
+                  <a:latin typeface="Consolas" panose="020B0609020204030204" pitchFamily="49" charset="0"/>
+                </a:rPr>
+                <a:t>Gate2</a:t>
+              </a:r>
+              <a:endParaRPr lang="zh-CN" altLang="en-US" dirty="0">
+                <a:latin typeface="Consolas" panose="020B0609020204030204" pitchFamily="49" charset="0"/>
+              </a:endParaRPr>
+            </a:p>
+          </p:txBody>
+        </p:sp>
+        <p:sp>
+          <p:nvSpPr>
+            <p:cNvPr id="19" name="矩形 18"/>
+            <p:cNvSpPr/>
+            <p:nvPr/>
+          </p:nvSpPr>
+          <p:spPr>
+            <a:xfrm>
+              <a:off x="8557327" y="2751518"/>
+              <a:ext cx="852804" cy="435592"/>
+            </a:xfrm>
+            <a:prstGeom prst="rect">
+              <a:avLst/>
+            </a:prstGeom>
+            <a:solidFill>
+              <a:srgbClr val="00B050"/>
+            </a:solidFill>
+          </p:spPr>
+          <p:style>
+            <a:lnRef idx="2">
+              <a:schemeClr val="accent1">
+                <a:shade val="50000"/>
+              </a:schemeClr>
+            </a:lnRef>
+            <a:fillRef idx="1">
+              <a:schemeClr val="accent1"/>
+            </a:fillRef>
+            <a:effectRef idx="0">
+              <a:schemeClr val="accent1"/>
+            </a:effectRef>
+            <a:fontRef idx="minor">
+              <a:schemeClr val="lt1"/>
+            </a:fontRef>
+          </p:style>
+          <p:txBody>
+            <a:bodyPr rtlCol="0" anchor="ctr"/>
+            <a:lstStyle/>
+            <a:p>
+              <a:pPr algn="ctr"/>
+              <a:r>
+                <a:rPr lang="en-US" altLang="zh-CN" dirty="0">
+                  <a:latin typeface="Consolas" panose="020B0609020204030204" pitchFamily="49" charset="0"/>
+                </a:rPr>
+                <a:t>Gate3</a:t>
+              </a:r>
+              <a:endParaRPr lang="zh-CN" altLang="en-US" dirty="0">
+                <a:latin typeface="Consolas" panose="020B0609020204030204" pitchFamily="49" charset="0"/>
+              </a:endParaRPr>
+            </a:p>
+          </p:txBody>
+        </p:sp>
+      </p:grpSp>
       <p:sp>
         <p:nvSpPr>
-          <p:cNvPr id="15" name="矩形 14"/>
+          <p:cNvPr id="21" name="矩形 20"/>
           <p:cNvSpPr/>
           <p:nvPr/>
         </p:nvSpPr>
         <p:spPr>
           <a:xfrm>
-            <a:off x="4786693" y="1611119"/>
-            <a:ext cx="1616382" cy="720000"/>
+            <a:off x="6323315" y="5902910"/>
+            <a:ext cx="2553529" cy="1616577"/>
           </a:xfrm>
           <a:prstGeom prst="rect">
             <a:avLst/>
@@ -3841,256 +4093,7 @@
           <a:p>
             <a:pPr algn="ctr"/>
             <a:r>
-              <a:rPr lang="en-US" altLang="zh-CN" dirty="0" smtClean="0">
-                <a:latin typeface="Consolas" panose="020B0609020204030204" pitchFamily="49" charset="0"/>
-              </a:rPr>
-              <a:t>Balance</a:t>
-            </a:r>
-            <a:endParaRPr lang="zh-CN" altLang="en-US" dirty="0">
-              <a:latin typeface="Consolas" panose="020B0609020204030204" pitchFamily="49" charset="0"/>
-            </a:endParaRPr>
-          </a:p>
-        </p:txBody>
-      </p:sp>
-      <p:sp>
-        <p:nvSpPr>
-          <p:cNvPr id="16" name="矩形 15"/>
-          <p:cNvSpPr/>
-          <p:nvPr/>
-        </p:nvSpPr>
-        <p:spPr>
-          <a:xfrm>
-            <a:off x="7706965" y="1566763"/>
-            <a:ext cx="2553528" cy="1616577"/>
-          </a:xfrm>
-          <a:prstGeom prst="rect">
-            <a:avLst/>
-          </a:prstGeom>
-          <a:solidFill>
-            <a:srgbClr val="00B050"/>
-          </a:solidFill>
-        </p:spPr>
-        <p:style>
-          <a:lnRef idx="2">
-            <a:schemeClr val="accent1">
-              <a:shade val="50000"/>
-            </a:schemeClr>
-          </a:lnRef>
-          <a:fillRef idx="1">
-            <a:schemeClr val="accent1"/>
-          </a:fillRef>
-          <a:effectRef idx="0">
-            <a:schemeClr val="accent1"/>
-          </a:effectRef>
-          <a:fontRef idx="minor">
-            <a:schemeClr val="lt1"/>
-          </a:fontRef>
-        </p:style>
-        <p:txBody>
-          <a:bodyPr rtlCol="0" anchor="ctr"/>
-          <a:lstStyle/>
-          <a:p>
-            <a:pPr algn="ctr"/>
-            <a:endParaRPr lang="zh-CN" altLang="en-US" dirty="0">
-              <a:latin typeface="Consolas" panose="020B0609020204030204" pitchFamily="49" charset="0"/>
-            </a:endParaRPr>
-          </a:p>
-        </p:txBody>
-      </p:sp>
-      <p:sp>
-        <p:nvSpPr>
-          <p:cNvPr id="17" name="矩形 16"/>
-          <p:cNvSpPr/>
-          <p:nvPr/>
-        </p:nvSpPr>
-        <p:spPr>
-          <a:xfrm>
-            <a:off x="8557327" y="1611119"/>
-            <a:ext cx="852804" cy="435592"/>
-          </a:xfrm>
-          <a:prstGeom prst="rect">
-            <a:avLst/>
-          </a:prstGeom>
-          <a:solidFill>
-            <a:srgbClr val="00B050"/>
-          </a:solidFill>
-        </p:spPr>
-        <p:style>
-          <a:lnRef idx="2">
-            <a:schemeClr val="accent1">
-              <a:shade val="50000"/>
-            </a:schemeClr>
-          </a:lnRef>
-          <a:fillRef idx="1">
-            <a:schemeClr val="accent1"/>
-          </a:fillRef>
-          <a:effectRef idx="0">
-            <a:schemeClr val="accent1"/>
-          </a:effectRef>
-          <a:fontRef idx="minor">
-            <a:schemeClr val="lt1"/>
-          </a:fontRef>
-        </p:style>
-        <p:txBody>
-          <a:bodyPr rtlCol="0" anchor="ctr"/>
-          <a:lstStyle/>
-          <a:p>
-            <a:pPr algn="ctr"/>
-            <a:r>
-              <a:rPr lang="en-US" altLang="zh-CN" dirty="0" smtClean="0">
-                <a:latin typeface="Consolas" panose="020B0609020204030204" pitchFamily="49" charset="0"/>
-              </a:rPr>
-              <a:t>Gate1</a:t>
-            </a:r>
-            <a:endParaRPr lang="zh-CN" altLang="en-US" dirty="0">
-              <a:latin typeface="Consolas" panose="020B0609020204030204" pitchFamily="49" charset="0"/>
-            </a:endParaRPr>
-          </a:p>
-        </p:txBody>
-      </p:sp>
-      <p:sp>
-        <p:nvSpPr>
-          <p:cNvPr id="18" name="矩形 17"/>
-          <p:cNvSpPr/>
-          <p:nvPr/>
-        </p:nvSpPr>
-        <p:spPr>
-          <a:xfrm>
-            <a:off x="8557327" y="2157256"/>
-            <a:ext cx="852804" cy="435592"/>
-          </a:xfrm>
-          <a:prstGeom prst="rect">
-            <a:avLst/>
-          </a:prstGeom>
-          <a:solidFill>
-            <a:srgbClr val="00B050"/>
-          </a:solidFill>
-        </p:spPr>
-        <p:style>
-          <a:lnRef idx="2">
-            <a:schemeClr val="accent1">
-              <a:shade val="50000"/>
-            </a:schemeClr>
-          </a:lnRef>
-          <a:fillRef idx="1">
-            <a:schemeClr val="accent1"/>
-          </a:fillRef>
-          <a:effectRef idx="0">
-            <a:schemeClr val="accent1"/>
-          </a:effectRef>
-          <a:fontRef idx="minor">
-            <a:schemeClr val="lt1"/>
-          </a:fontRef>
-        </p:style>
-        <p:txBody>
-          <a:bodyPr rtlCol="0" anchor="ctr"/>
-          <a:lstStyle/>
-          <a:p>
-            <a:pPr algn="ctr"/>
-            <a:r>
-              <a:rPr lang="en-US" altLang="zh-CN" dirty="0" smtClean="0">
-                <a:latin typeface="Consolas" panose="020B0609020204030204" pitchFamily="49" charset="0"/>
-              </a:rPr>
-              <a:t>Gate2</a:t>
-            </a:r>
-            <a:endParaRPr lang="zh-CN" altLang="en-US" dirty="0">
-              <a:latin typeface="Consolas" panose="020B0609020204030204" pitchFamily="49" charset="0"/>
-            </a:endParaRPr>
-          </a:p>
-        </p:txBody>
-      </p:sp>
-      <p:sp>
-        <p:nvSpPr>
-          <p:cNvPr id="19" name="矩形 18"/>
-          <p:cNvSpPr/>
-          <p:nvPr/>
-        </p:nvSpPr>
-        <p:spPr>
-          <a:xfrm>
-            <a:off x="8557327" y="2703393"/>
-            <a:ext cx="852804" cy="435592"/>
-          </a:xfrm>
-          <a:prstGeom prst="rect">
-            <a:avLst/>
-          </a:prstGeom>
-          <a:solidFill>
-            <a:srgbClr val="00B050"/>
-          </a:solidFill>
-        </p:spPr>
-        <p:style>
-          <a:lnRef idx="2">
-            <a:schemeClr val="accent1">
-              <a:shade val="50000"/>
-            </a:schemeClr>
-          </a:lnRef>
-          <a:fillRef idx="1">
-            <a:schemeClr val="accent1"/>
-          </a:fillRef>
-          <a:effectRef idx="0">
-            <a:schemeClr val="accent1"/>
-          </a:effectRef>
-          <a:fontRef idx="minor">
-            <a:schemeClr val="lt1"/>
-          </a:fontRef>
-        </p:style>
-        <p:txBody>
-          <a:bodyPr rtlCol="0" anchor="ctr"/>
-          <a:lstStyle/>
-          <a:p>
-            <a:pPr algn="ctr"/>
-            <a:r>
-              <a:rPr lang="en-US" altLang="zh-CN" dirty="0" smtClean="0">
-                <a:latin typeface="Consolas" panose="020B0609020204030204" pitchFamily="49" charset="0"/>
-              </a:rPr>
-              <a:t>Gate3</a:t>
-            </a:r>
-            <a:endParaRPr lang="zh-CN" altLang="en-US" dirty="0">
-              <a:latin typeface="Consolas" panose="020B0609020204030204" pitchFamily="49" charset="0"/>
-            </a:endParaRPr>
-          </a:p>
-        </p:txBody>
-      </p:sp>
-      <p:sp>
-        <p:nvSpPr>
-          <p:cNvPr id="21" name="矩形 20"/>
-          <p:cNvSpPr/>
-          <p:nvPr/>
-        </p:nvSpPr>
-        <p:spPr>
-          <a:xfrm>
-            <a:off x="7706965" y="3698014"/>
-            <a:ext cx="2553528" cy="1616577"/>
-          </a:xfrm>
-          <a:prstGeom prst="rect">
-            <a:avLst/>
-          </a:prstGeom>
-          <a:solidFill>
-            <a:srgbClr val="00B0F0"/>
-          </a:solidFill>
-        </p:spPr>
-        <p:style>
-          <a:lnRef idx="2">
-            <a:schemeClr val="accent1">
-              <a:shade val="50000"/>
-            </a:schemeClr>
-          </a:lnRef>
-          <a:fillRef idx="1">
-            <a:schemeClr val="accent1"/>
-          </a:fillRef>
-          <a:effectRef idx="0">
-            <a:schemeClr val="accent1"/>
-          </a:effectRef>
-          <a:fontRef idx="minor">
-            <a:schemeClr val="lt1"/>
-          </a:fontRef>
-        </p:style>
-        <p:txBody>
-          <a:bodyPr rtlCol="0" anchor="ctr"/>
-          <a:lstStyle/>
-          <a:p>
-            <a:pPr algn="ctr"/>
-            <a:r>
-              <a:rPr lang="en-US" altLang="zh-CN" dirty="0" smtClean="0">
+              <a:rPr lang="en-US" altLang="zh-CN" dirty="0">
                 <a:latin typeface="Consolas" panose="020B0609020204030204" pitchFamily="49" charset="0"/>
               </a:rPr>
               <a:t>Base</a:t>
@@ -4109,8 +4112,8 @@
         </p:nvSpPr>
         <p:spPr>
           <a:xfrm>
-            <a:off x="129654" y="3372737"/>
-            <a:ext cx="11894024" cy="177013"/>
+            <a:off x="294756" y="5567254"/>
+            <a:ext cx="9303105" cy="177013"/>
           </a:xfrm>
           <a:prstGeom prst="rect">
             <a:avLst/>
@@ -4148,255 +4151,270 @@
           </a:p>
         </p:txBody>
       </p:sp>
-      <p:sp>
-        <p:nvSpPr>
-          <p:cNvPr id="23" name="矩形 22"/>
-          <p:cNvSpPr/>
+      <p:grpSp>
+        <p:nvGrpSpPr>
+          <p:cNvPr id="113" name="组合 112"/>
+          <p:cNvGrpSpPr/>
           <p:nvPr/>
-        </p:nvSpPr>
-        <p:spPr>
+        </p:nvGrpSpPr>
+        <p:grpSpPr>
           <a:xfrm>
-            <a:off x="2573482" y="3698016"/>
+            <a:off x="1738256" y="5901087"/>
             <a:ext cx="2508037" cy="1616577"/>
-          </a:xfrm>
-          <a:prstGeom prst="rect">
-            <a:avLst/>
-          </a:prstGeom>
-          <a:solidFill>
-            <a:srgbClr val="00B050"/>
-          </a:solidFill>
-        </p:spPr>
-        <p:style>
-          <a:lnRef idx="2">
-            <a:schemeClr val="accent1">
-              <a:shade val="50000"/>
-            </a:schemeClr>
-          </a:lnRef>
-          <a:fillRef idx="1">
-            <a:schemeClr val="accent1"/>
-          </a:fillRef>
-          <a:effectRef idx="0">
-            <a:schemeClr val="accent1"/>
-          </a:effectRef>
-          <a:fontRef idx="minor">
-            <a:schemeClr val="lt1"/>
-          </a:fontRef>
-        </p:style>
-        <p:txBody>
-          <a:bodyPr rtlCol="0" anchor="ctr"/>
-          <a:lstStyle/>
-          <a:p>
-            <a:pPr algn="ctr"/>
-            <a:endParaRPr lang="zh-CN" altLang="en-US" dirty="0">
-              <a:latin typeface="Consolas" panose="020B0609020204030204" pitchFamily="49" charset="0"/>
-            </a:endParaRPr>
-          </a:p>
-        </p:txBody>
-      </p:sp>
-      <p:sp>
-        <p:nvSpPr>
-          <p:cNvPr id="24" name="矩形 23"/>
-          <p:cNvSpPr/>
-          <p:nvPr/>
-        </p:nvSpPr>
-        <p:spPr>
-          <a:xfrm>
-            <a:off x="2875311" y="3834682"/>
-            <a:ext cx="852804" cy="435592"/>
-          </a:xfrm>
-          <a:prstGeom prst="rect">
-            <a:avLst/>
-          </a:prstGeom>
-          <a:solidFill>
-            <a:srgbClr val="00B050"/>
-          </a:solidFill>
-        </p:spPr>
-        <p:style>
-          <a:lnRef idx="2">
-            <a:schemeClr val="accent1">
-              <a:shade val="50000"/>
-            </a:schemeClr>
-          </a:lnRef>
-          <a:fillRef idx="1">
-            <a:schemeClr val="accent1"/>
-          </a:fillRef>
-          <a:effectRef idx="0">
-            <a:schemeClr val="accent1"/>
-          </a:effectRef>
-          <a:fontRef idx="minor">
-            <a:schemeClr val="lt1"/>
-          </a:fontRef>
-        </p:style>
-        <p:txBody>
-          <a:bodyPr rtlCol="0" anchor="ctr"/>
-          <a:lstStyle/>
-          <a:p>
-            <a:pPr algn="ctr"/>
-            <a:r>
-              <a:rPr lang="en-US" altLang="zh-CN" dirty="0" smtClean="0">
+            <a:chOff x="2573482" y="3698016"/>
+            <a:chExt cx="2508037" cy="1616577"/>
+          </a:xfrm>
+        </p:grpSpPr>
+        <p:sp>
+          <p:nvSpPr>
+            <p:cNvPr id="23" name="矩形 22"/>
+            <p:cNvSpPr/>
+            <p:nvPr/>
+          </p:nvSpPr>
+          <p:spPr>
+            <a:xfrm>
+              <a:off x="2573482" y="3698016"/>
+              <a:ext cx="2508037" cy="1616577"/>
+            </a:xfrm>
+            <a:prstGeom prst="rect">
+              <a:avLst/>
+            </a:prstGeom>
+            <a:solidFill>
+              <a:srgbClr val="00B050"/>
+            </a:solidFill>
+          </p:spPr>
+          <p:style>
+            <a:lnRef idx="2">
+              <a:schemeClr val="accent1">
+                <a:shade val="50000"/>
+              </a:schemeClr>
+            </a:lnRef>
+            <a:fillRef idx="1">
+              <a:schemeClr val="accent1"/>
+            </a:fillRef>
+            <a:effectRef idx="0">
+              <a:schemeClr val="accent1"/>
+            </a:effectRef>
+            <a:fontRef idx="minor">
+              <a:schemeClr val="lt1"/>
+            </a:fontRef>
+          </p:style>
+          <p:txBody>
+            <a:bodyPr rtlCol="0" anchor="ctr"/>
+            <a:lstStyle/>
+            <a:p>
+              <a:pPr algn="ctr"/>
+              <a:endParaRPr lang="zh-CN" altLang="en-US" dirty="0">
                 <a:latin typeface="Consolas" panose="020B0609020204030204" pitchFamily="49" charset="0"/>
-              </a:rPr>
-              <a:t>Cell1</a:t>
-            </a:r>
-            <a:endParaRPr lang="zh-CN" altLang="en-US" dirty="0">
-              <a:latin typeface="Consolas" panose="020B0609020204030204" pitchFamily="49" charset="0"/>
-            </a:endParaRPr>
-          </a:p>
-        </p:txBody>
-      </p:sp>
-      <p:sp>
-        <p:nvSpPr>
-          <p:cNvPr id="25" name="矩形 24"/>
-          <p:cNvSpPr/>
-          <p:nvPr/>
-        </p:nvSpPr>
-        <p:spPr>
-          <a:xfrm>
-            <a:off x="2875311" y="4613861"/>
-            <a:ext cx="852804" cy="435592"/>
-          </a:xfrm>
-          <a:prstGeom prst="rect">
-            <a:avLst/>
-          </a:prstGeom>
-          <a:solidFill>
-            <a:srgbClr val="00B050"/>
-          </a:solidFill>
-        </p:spPr>
-        <p:style>
-          <a:lnRef idx="2">
-            <a:schemeClr val="accent1">
-              <a:shade val="50000"/>
-            </a:schemeClr>
-          </a:lnRef>
-          <a:fillRef idx="1">
-            <a:schemeClr val="accent1"/>
-          </a:fillRef>
-          <a:effectRef idx="0">
-            <a:schemeClr val="accent1"/>
-          </a:effectRef>
-          <a:fontRef idx="minor">
-            <a:schemeClr val="lt1"/>
-          </a:fontRef>
-        </p:style>
-        <p:txBody>
-          <a:bodyPr rtlCol="0" anchor="ctr"/>
-          <a:lstStyle/>
-          <a:p>
-            <a:pPr algn="ctr"/>
-            <a:r>
-              <a:rPr lang="en-US" altLang="zh-CN" dirty="0" smtClean="0">
+              </a:endParaRPr>
+            </a:p>
+          </p:txBody>
+        </p:sp>
+        <p:sp>
+          <p:nvSpPr>
+            <p:cNvPr id="24" name="矩形 23"/>
+            <p:cNvSpPr/>
+            <p:nvPr/>
+          </p:nvSpPr>
+          <p:spPr>
+            <a:xfrm>
+              <a:off x="2875311" y="3834682"/>
+              <a:ext cx="852804" cy="435592"/>
+            </a:xfrm>
+            <a:prstGeom prst="rect">
+              <a:avLst/>
+            </a:prstGeom>
+            <a:solidFill>
+              <a:srgbClr val="00B050"/>
+            </a:solidFill>
+          </p:spPr>
+          <p:style>
+            <a:lnRef idx="2">
+              <a:schemeClr val="accent1">
+                <a:shade val="50000"/>
+              </a:schemeClr>
+            </a:lnRef>
+            <a:fillRef idx="1">
+              <a:schemeClr val="accent1"/>
+            </a:fillRef>
+            <a:effectRef idx="0">
+              <a:schemeClr val="accent1"/>
+            </a:effectRef>
+            <a:fontRef idx="minor">
+              <a:schemeClr val="lt1"/>
+            </a:fontRef>
+          </p:style>
+          <p:txBody>
+            <a:bodyPr rtlCol="0" anchor="ctr"/>
+            <a:lstStyle/>
+            <a:p>
+              <a:pPr algn="ctr"/>
+              <a:r>
+                <a:rPr lang="en-US" altLang="zh-CN" dirty="0">
+                  <a:latin typeface="Consolas" panose="020B0609020204030204" pitchFamily="49" charset="0"/>
+                </a:rPr>
+                <a:t>Cell1</a:t>
+              </a:r>
+              <a:endParaRPr lang="zh-CN" altLang="en-US" dirty="0">
                 <a:latin typeface="Consolas" panose="020B0609020204030204" pitchFamily="49" charset="0"/>
-              </a:rPr>
-              <a:t>Cell2</a:t>
-            </a:r>
-            <a:endParaRPr lang="zh-CN" altLang="en-US" dirty="0">
-              <a:latin typeface="Consolas" panose="020B0609020204030204" pitchFamily="49" charset="0"/>
-            </a:endParaRPr>
-          </a:p>
-        </p:txBody>
-      </p:sp>
-      <p:sp>
-        <p:nvSpPr>
-          <p:cNvPr id="26" name="矩形 25"/>
-          <p:cNvSpPr/>
-          <p:nvPr/>
-        </p:nvSpPr>
-        <p:spPr>
-          <a:xfrm>
-            <a:off x="3899419" y="3834682"/>
-            <a:ext cx="852804" cy="435592"/>
-          </a:xfrm>
-          <a:prstGeom prst="rect">
-            <a:avLst/>
-          </a:prstGeom>
-          <a:solidFill>
-            <a:srgbClr val="00B050"/>
-          </a:solidFill>
-        </p:spPr>
-        <p:style>
-          <a:lnRef idx="2">
-            <a:schemeClr val="accent1">
-              <a:shade val="50000"/>
-            </a:schemeClr>
-          </a:lnRef>
-          <a:fillRef idx="1">
-            <a:schemeClr val="accent1"/>
-          </a:fillRef>
-          <a:effectRef idx="0">
-            <a:schemeClr val="accent1"/>
-          </a:effectRef>
-          <a:fontRef idx="minor">
-            <a:schemeClr val="lt1"/>
-          </a:fontRef>
-        </p:style>
-        <p:txBody>
-          <a:bodyPr rtlCol="0" anchor="ctr"/>
-          <a:lstStyle/>
-          <a:p>
-            <a:pPr algn="ctr"/>
-            <a:r>
-              <a:rPr lang="en-US" altLang="zh-CN" dirty="0" smtClean="0">
+              </a:endParaRPr>
+            </a:p>
+          </p:txBody>
+        </p:sp>
+        <p:sp>
+          <p:nvSpPr>
+            <p:cNvPr id="25" name="矩形 24"/>
+            <p:cNvSpPr/>
+            <p:nvPr/>
+          </p:nvSpPr>
+          <p:spPr>
+            <a:xfrm>
+              <a:off x="2875311" y="4671611"/>
+              <a:ext cx="852804" cy="435592"/>
+            </a:xfrm>
+            <a:prstGeom prst="rect">
+              <a:avLst/>
+            </a:prstGeom>
+            <a:solidFill>
+              <a:srgbClr val="00B050"/>
+            </a:solidFill>
+          </p:spPr>
+          <p:style>
+            <a:lnRef idx="2">
+              <a:schemeClr val="accent1">
+                <a:shade val="50000"/>
+              </a:schemeClr>
+            </a:lnRef>
+            <a:fillRef idx="1">
+              <a:schemeClr val="accent1"/>
+            </a:fillRef>
+            <a:effectRef idx="0">
+              <a:schemeClr val="accent1"/>
+            </a:effectRef>
+            <a:fontRef idx="minor">
+              <a:schemeClr val="lt1"/>
+            </a:fontRef>
+          </p:style>
+          <p:txBody>
+            <a:bodyPr rtlCol="0" anchor="ctr"/>
+            <a:lstStyle/>
+            <a:p>
+              <a:pPr algn="ctr"/>
+              <a:r>
+                <a:rPr lang="en-US" altLang="zh-CN" dirty="0">
+                  <a:latin typeface="Consolas" panose="020B0609020204030204" pitchFamily="49" charset="0"/>
+                </a:rPr>
+                <a:t>Cell2</a:t>
+              </a:r>
+              <a:endParaRPr lang="zh-CN" altLang="en-US" dirty="0">
                 <a:latin typeface="Consolas" panose="020B0609020204030204" pitchFamily="49" charset="0"/>
-              </a:rPr>
-              <a:t>Cell3</a:t>
-            </a:r>
-            <a:endParaRPr lang="zh-CN" altLang="en-US" dirty="0">
-              <a:latin typeface="Consolas" panose="020B0609020204030204" pitchFamily="49" charset="0"/>
-            </a:endParaRPr>
-          </a:p>
-        </p:txBody>
-      </p:sp>
-      <p:sp>
-        <p:nvSpPr>
-          <p:cNvPr id="27" name="矩形 26"/>
-          <p:cNvSpPr/>
-          <p:nvPr/>
-        </p:nvSpPr>
-        <p:spPr>
-          <a:xfrm>
-            <a:off x="3890322" y="4613861"/>
-            <a:ext cx="852804" cy="435592"/>
-          </a:xfrm>
-          <a:prstGeom prst="rect">
-            <a:avLst/>
-          </a:prstGeom>
-          <a:solidFill>
-            <a:srgbClr val="00B050"/>
-          </a:solidFill>
-        </p:spPr>
-        <p:style>
-          <a:lnRef idx="2">
-            <a:schemeClr val="accent1">
-              <a:shade val="50000"/>
-            </a:schemeClr>
-          </a:lnRef>
-          <a:fillRef idx="1">
-            <a:schemeClr val="accent1"/>
-          </a:fillRef>
-          <a:effectRef idx="0">
-            <a:schemeClr val="accent1"/>
-          </a:effectRef>
-          <a:fontRef idx="minor">
-            <a:schemeClr val="lt1"/>
-          </a:fontRef>
-        </p:style>
-        <p:txBody>
-          <a:bodyPr rtlCol="0" anchor="ctr"/>
-          <a:lstStyle/>
-          <a:p>
-            <a:pPr algn="ctr"/>
-            <a:r>
-              <a:rPr lang="en-US" altLang="zh-CN" dirty="0" smtClean="0">
+              </a:endParaRPr>
+            </a:p>
+          </p:txBody>
+        </p:sp>
+        <p:sp>
+          <p:nvSpPr>
+            <p:cNvPr id="26" name="矩形 25"/>
+            <p:cNvSpPr/>
+            <p:nvPr/>
+          </p:nvSpPr>
+          <p:spPr>
+            <a:xfrm>
+              <a:off x="3899419" y="3834682"/>
+              <a:ext cx="852804" cy="435592"/>
+            </a:xfrm>
+            <a:prstGeom prst="rect">
+              <a:avLst/>
+            </a:prstGeom>
+            <a:solidFill>
+              <a:srgbClr val="00B050"/>
+            </a:solidFill>
+          </p:spPr>
+          <p:style>
+            <a:lnRef idx="2">
+              <a:schemeClr val="accent1">
+                <a:shade val="50000"/>
+              </a:schemeClr>
+            </a:lnRef>
+            <a:fillRef idx="1">
+              <a:schemeClr val="accent1"/>
+            </a:fillRef>
+            <a:effectRef idx="0">
+              <a:schemeClr val="accent1"/>
+            </a:effectRef>
+            <a:fontRef idx="minor">
+              <a:schemeClr val="lt1"/>
+            </a:fontRef>
+          </p:style>
+          <p:txBody>
+            <a:bodyPr rtlCol="0" anchor="ctr"/>
+            <a:lstStyle/>
+            <a:p>
+              <a:pPr algn="ctr"/>
+              <a:r>
+                <a:rPr lang="en-US" altLang="zh-CN" dirty="0">
+                  <a:latin typeface="Consolas" panose="020B0609020204030204" pitchFamily="49" charset="0"/>
+                </a:rPr>
+                <a:t>Cell3</a:t>
+              </a:r>
+              <a:endParaRPr lang="zh-CN" altLang="en-US" dirty="0">
                 <a:latin typeface="Consolas" panose="020B0609020204030204" pitchFamily="49" charset="0"/>
-              </a:rPr>
-              <a:t>Cell4</a:t>
-            </a:r>
-            <a:endParaRPr lang="zh-CN" altLang="en-US" dirty="0">
-              <a:latin typeface="Consolas" panose="020B0609020204030204" pitchFamily="49" charset="0"/>
-            </a:endParaRPr>
-          </a:p>
-        </p:txBody>
-      </p:sp>
+              </a:endParaRPr>
+            </a:p>
+          </p:txBody>
+        </p:sp>
+        <p:sp>
+          <p:nvSpPr>
+            <p:cNvPr id="27" name="矩形 26"/>
+            <p:cNvSpPr/>
+            <p:nvPr/>
+          </p:nvSpPr>
+          <p:spPr>
+            <a:xfrm>
+              <a:off x="3890322" y="4671611"/>
+              <a:ext cx="852804" cy="435592"/>
+            </a:xfrm>
+            <a:prstGeom prst="rect">
+              <a:avLst/>
+            </a:prstGeom>
+            <a:solidFill>
+              <a:srgbClr val="00B050"/>
+            </a:solidFill>
+          </p:spPr>
+          <p:style>
+            <a:lnRef idx="2">
+              <a:schemeClr val="accent1">
+                <a:shade val="50000"/>
+              </a:schemeClr>
+            </a:lnRef>
+            <a:fillRef idx="1">
+              <a:schemeClr val="accent1"/>
+            </a:fillRef>
+            <a:effectRef idx="0">
+              <a:schemeClr val="accent1"/>
+            </a:effectRef>
+            <a:fontRef idx="minor">
+              <a:schemeClr val="lt1"/>
+            </a:fontRef>
+          </p:style>
+          <p:txBody>
+            <a:bodyPr rtlCol="0" anchor="ctr"/>
+            <a:lstStyle/>
+            <a:p>
+              <a:pPr algn="ctr"/>
+              <a:r>
+                <a:rPr lang="en-US" altLang="zh-CN" dirty="0">
+                  <a:latin typeface="Consolas" panose="020B0609020204030204" pitchFamily="49" charset="0"/>
+                </a:rPr>
+                <a:t>Cell4</a:t>
+              </a:r>
+              <a:endParaRPr lang="zh-CN" altLang="en-US" dirty="0">
+                <a:latin typeface="Consolas" panose="020B0609020204030204" pitchFamily="49" charset="0"/>
+              </a:endParaRPr>
+            </a:p>
+          </p:txBody>
+        </p:sp>
+      </p:grpSp>
       <p:sp>
         <p:nvSpPr>
           <p:cNvPr id="28" name="矩形 27"/>
@@ -4405,8 +4423,8 @@
         </p:nvSpPr>
         <p:spPr>
           <a:xfrm>
-            <a:off x="5157110" y="3698015"/>
-            <a:ext cx="1216576" cy="1616577"/>
+            <a:off x="4812408" y="5901088"/>
+            <a:ext cx="1216575" cy="1616577"/>
           </a:xfrm>
           <a:prstGeom prst="rect">
             <a:avLst/>
@@ -4437,7 +4455,7 @@
           <a:p>
             <a:pPr algn="ctr"/>
             <a:r>
-              <a:rPr lang="en-US" altLang="zh-CN" dirty="0" err="1" smtClean="0">
+              <a:rPr lang="en-US" altLang="zh-CN" dirty="0" err="1">
                 <a:latin typeface="Consolas" panose="020B0609020204030204" pitchFamily="49" charset="0"/>
               </a:rPr>
               <a:t>CellMgr</a:t>
@@ -4456,8 +4474,8 @@
         </p:nvSpPr>
         <p:spPr>
           <a:xfrm>
-            <a:off x="129654" y="5503149"/>
-            <a:ext cx="11894024" cy="177013"/>
+            <a:off x="294756" y="7697666"/>
+            <a:ext cx="9303105" cy="177013"/>
           </a:xfrm>
           <a:prstGeom prst="rect">
             <a:avLst/>
@@ -4495,16 +4513,788 @@
           </a:p>
         </p:txBody>
       </p:sp>
+      <p:cxnSp>
+        <p:nvCxnSpPr>
+          <p:cNvPr id="37" name="直接连接符 36"/>
+          <p:cNvCxnSpPr>
+            <a:stCxn id="21" idx="2"/>
+            <a:endCxn id="276" idx="0"/>
+          </p:cNvCxnSpPr>
+          <p:nvPr/>
+        </p:nvCxnSpPr>
+        <p:spPr>
+          <a:xfrm rot="16200000" flipH="1">
+            <a:off x="7463176" y="7656387"/>
+            <a:ext cx="555112" cy="281309"/>
+          </a:xfrm>
+          <a:prstGeom prst="bentConnector3">
+            <a:avLst>
+              <a:gd name="adj1" fmla="val 50000"/>
+            </a:avLst>
+          </a:prstGeom>
+          <a:ln w="25400"/>
+        </p:spPr>
+        <p:style>
+          <a:lnRef idx="1">
+            <a:schemeClr val="dk1"/>
+          </a:lnRef>
+          <a:fillRef idx="0">
+            <a:schemeClr val="dk1"/>
+          </a:fillRef>
+          <a:effectRef idx="0">
+            <a:schemeClr val="dk1"/>
+          </a:effectRef>
+          <a:fontRef idx="minor">
+            <a:schemeClr val="tx1"/>
+          </a:fontRef>
+        </p:style>
+      </p:cxnSp>
+      <p:cxnSp>
+        <p:nvCxnSpPr>
+          <p:cNvPr id="54" name="直接连接符 36"/>
+          <p:cNvCxnSpPr>
+            <a:stCxn id="130" idx="6"/>
+            <a:endCxn id="23" idx="0"/>
+          </p:cNvCxnSpPr>
+          <p:nvPr/>
+        </p:nvCxnSpPr>
+        <p:spPr>
+          <a:xfrm flipH="1">
+            <a:off x="2992269" y="4976371"/>
+            <a:ext cx="5334472" cy="924717"/>
+          </a:xfrm>
+          <a:prstGeom prst="bentConnector4">
+            <a:avLst>
+              <a:gd name="adj1" fmla="val -4285"/>
+              <a:gd name="adj2" fmla="val 52433"/>
+            </a:avLst>
+          </a:prstGeom>
+          <a:ln w="25400"/>
+        </p:spPr>
+        <p:style>
+          <a:lnRef idx="1">
+            <a:schemeClr val="dk1"/>
+          </a:lnRef>
+          <a:fillRef idx="0">
+            <a:schemeClr val="dk1"/>
+          </a:fillRef>
+          <a:effectRef idx="0">
+            <a:schemeClr val="dk1"/>
+          </a:effectRef>
+          <a:fontRef idx="minor">
+            <a:schemeClr val="tx1"/>
+          </a:fontRef>
+        </p:style>
+      </p:cxnSp>
+      <p:cxnSp>
+        <p:nvCxnSpPr>
+          <p:cNvPr id="57" name="直接连接符 36"/>
+          <p:cNvCxnSpPr>
+            <a:stCxn id="130" idx="6"/>
+            <a:endCxn id="28" idx="0"/>
+          </p:cNvCxnSpPr>
+          <p:nvPr/>
+        </p:nvCxnSpPr>
+        <p:spPr>
+          <a:xfrm flipH="1">
+            <a:off x="5420700" y="4976371"/>
+            <a:ext cx="2906047" cy="924717"/>
+          </a:xfrm>
+          <a:prstGeom prst="bentConnector4">
+            <a:avLst>
+              <a:gd name="adj1" fmla="val -7866"/>
+              <a:gd name="adj2" fmla="val 52433"/>
+            </a:avLst>
+          </a:prstGeom>
+          <a:ln w="25400"/>
+        </p:spPr>
+        <p:style>
+          <a:lnRef idx="1">
+            <a:schemeClr val="dk1"/>
+          </a:lnRef>
+          <a:fillRef idx="0">
+            <a:schemeClr val="dk1"/>
+          </a:fillRef>
+          <a:effectRef idx="0">
+            <a:schemeClr val="dk1"/>
+          </a:effectRef>
+          <a:fontRef idx="minor">
+            <a:schemeClr val="tx1"/>
+          </a:fontRef>
+        </p:style>
+      </p:cxnSp>
+      <p:cxnSp>
+        <p:nvCxnSpPr>
+          <p:cNvPr id="64" name="直接连接符 36"/>
+          <p:cNvCxnSpPr>
+            <a:stCxn id="5" idx="2"/>
+            <a:endCxn id="15" idx="0"/>
+          </p:cNvCxnSpPr>
+          <p:nvPr/>
+        </p:nvCxnSpPr>
+        <p:spPr>
+          <a:xfrm rot="5400000">
+            <a:off x="1460243" y="2070465"/>
+            <a:ext cx="2927032" cy="1725405"/>
+          </a:xfrm>
+          <a:prstGeom prst="bentConnector3">
+            <a:avLst>
+              <a:gd name="adj1" fmla="val 50000"/>
+            </a:avLst>
+          </a:prstGeom>
+          <a:ln w="25400"/>
+        </p:spPr>
+        <p:style>
+          <a:lnRef idx="1">
+            <a:schemeClr val="dk1"/>
+          </a:lnRef>
+          <a:fillRef idx="0">
+            <a:schemeClr val="dk1"/>
+          </a:fillRef>
+          <a:effectRef idx="0">
+            <a:schemeClr val="dk1"/>
+          </a:effectRef>
+          <a:fontRef idx="minor">
+            <a:schemeClr val="tx1"/>
+          </a:fontRef>
+        </p:style>
+      </p:cxnSp>
+      <p:cxnSp>
+        <p:nvCxnSpPr>
+          <p:cNvPr id="67" name="直接连接符 36"/>
+          <p:cNvCxnSpPr>
+            <a:stCxn id="5" idx="2"/>
+            <a:endCxn id="129" idx="2"/>
+          </p:cNvCxnSpPr>
+          <p:nvPr/>
+        </p:nvCxnSpPr>
+        <p:spPr>
+          <a:xfrm rot="16200000" flipH="1">
+            <a:off x="3343032" y="1913079"/>
+            <a:ext cx="3111530" cy="2224672"/>
+          </a:xfrm>
+          <a:prstGeom prst="bentConnector2">
+            <a:avLst/>
+          </a:prstGeom>
+          <a:ln w="25400"/>
+        </p:spPr>
+        <p:style>
+          <a:lnRef idx="1">
+            <a:schemeClr val="dk1"/>
+          </a:lnRef>
+          <a:fillRef idx="0">
+            <a:schemeClr val="dk1"/>
+          </a:fillRef>
+          <a:effectRef idx="0">
+            <a:schemeClr val="dk1"/>
+          </a:effectRef>
+          <a:fontRef idx="minor">
+            <a:schemeClr val="tx1"/>
+          </a:fontRef>
+        </p:style>
+      </p:cxnSp>
+      <p:cxnSp>
+        <p:nvCxnSpPr>
+          <p:cNvPr id="52" name="直接连接符 36"/>
+          <p:cNvCxnSpPr>
+            <a:stCxn id="28" idx="1"/>
+            <a:endCxn id="24" idx="2"/>
+          </p:cNvCxnSpPr>
+          <p:nvPr/>
+        </p:nvCxnSpPr>
+        <p:spPr>
+          <a:xfrm rot="10800000">
+            <a:off x="2466477" y="6473349"/>
+            <a:ext cx="2345926" cy="236031"/>
+          </a:xfrm>
+          <a:prstGeom prst="bentConnector2">
+            <a:avLst/>
+          </a:prstGeom>
+          <a:ln w="25400">
+            <a:prstDash val="dash"/>
+          </a:ln>
+        </p:spPr>
+        <p:style>
+          <a:lnRef idx="1">
+            <a:schemeClr val="dk1"/>
+          </a:lnRef>
+          <a:fillRef idx="0">
+            <a:schemeClr val="dk1"/>
+          </a:fillRef>
+          <a:effectRef idx="0">
+            <a:schemeClr val="dk1"/>
+          </a:effectRef>
+          <a:fontRef idx="minor">
+            <a:schemeClr val="tx1"/>
+          </a:fontRef>
+        </p:style>
+      </p:cxnSp>
+      <p:cxnSp>
+        <p:nvCxnSpPr>
+          <p:cNvPr id="55" name="直接连接符 36"/>
+          <p:cNvCxnSpPr>
+            <a:stCxn id="28" idx="1"/>
+            <a:endCxn id="26" idx="2"/>
+          </p:cNvCxnSpPr>
+          <p:nvPr/>
+        </p:nvCxnSpPr>
+        <p:spPr>
+          <a:xfrm rot="10800000">
+            <a:off x="3490586" y="6473350"/>
+            <a:ext cx="1321818" cy="236031"/>
+          </a:xfrm>
+          <a:prstGeom prst="bentConnector2">
+            <a:avLst/>
+          </a:prstGeom>
+          <a:ln w="25400">
+            <a:prstDash val="dash"/>
+          </a:ln>
+        </p:spPr>
+        <p:style>
+          <a:lnRef idx="1">
+            <a:schemeClr val="dk1"/>
+          </a:lnRef>
+          <a:fillRef idx="0">
+            <a:schemeClr val="dk1"/>
+          </a:fillRef>
+          <a:effectRef idx="0">
+            <a:schemeClr val="dk1"/>
+          </a:effectRef>
+          <a:fontRef idx="minor">
+            <a:schemeClr val="tx1"/>
+          </a:fontRef>
+        </p:style>
+      </p:cxnSp>
+      <p:cxnSp>
+        <p:nvCxnSpPr>
+          <p:cNvPr id="56" name="直接连接符 36"/>
+          <p:cNvCxnSpPr>
+            <a:stCxn id="28" idx="1"/>
+            <a:endCxn id="25" idx="0"/>
+          </p:cNvCxnSpPr>
+          <p:nvPr/>
+        </p:nvCxnSpPr>
+        <p:spPr>
+          <a:xfrm rot="10800000" flipV="1">
+            <a:off x="2466477" y="6709372"/>
+            <a:ext cx="2345926" cy="165306"/>
+          </a:xfrm>
+          <a:prstGeom prst="bentConnector2">
+            <a:avLst/>
+          </a:prstGeom>
+          <a:ln w="25400">
+            <a:prstDash val="dash"/>
+          </a:ln>
+        </p:spPr>
+        <p:style>
+          <a:lnRef idx="1">
+            <a:schemeClr val="dk1"/>
+          </a:lnRef>
+          <a:fillRef idx="0">
+            <a:schemeClr val="dk1"/>
+          </a:fillRef>
+          <a:effectRef idx="0">
+            <a:schemeClr val="dk1"/>
+          </a:effectRef>
+          <a:fontRef idx="minor">
+            <a:schemeClr val="tx1"/>
+          </a:fontRef>
+        </p:style>
+      </p:cxnSp>
+      <p:cxnSp>
+        <p:nvCxnSpPr>
+          <p:cNvPr id="58" name="直接连接符 36"/>
+          <p:cNvCxnSpPr>
+            <a:stCxn id="28" idx="1"/>
+            <a:endCxn id="27" idx="0"/>
+          </p:cNvCxnSpPr>
+          <p:nvPr/>
+        </p:nvCxnSpPr>
+        <p:spPr>
+          <a:xfrm rot="10800000" flipV="1">
+            <a:off x="3481492" y="6709372"/>
+            <a:ext cx="1330916" cy="165306"/>
+          </a:xfrm>
+          <a:prstGeom prst="bentConnector2">
+            <a:avLst/>
+          </a:prstGeom>
+          <a:ln w="25400">
+            <a:prstDash val="dash"/>
+          </a:ln>
+        </p:spPr>
+        <p:style>
+          <a:lnRef idx="1">
+            <a:schemeClr val="dk1"/>
+          </a:lnRef>
+          <a:fillRef idx="0">
+            <a:schemeClr val="dk1"/>
+          </a:fillRef>
+          <a:effectRef idx="0">
+            <a:schemeClr val="dk1"/>
+          </a:effectRef>
+          <a:fontRef idx="minor">
+            <a:schemeClr val="tx1"/>
+          </a:fontRef>
+        </p:style>
+      </p:cxnSp>
+      <p:cxnSp>
+        <p:nvCxnSpPr>
+          <p:cNvPr id="82" name="直接连接符 36"/>
+          <p:cNvCxnSpPr>
+            <a:stCxn id="130" idx="6"/>
+            <a:endCxn id="21" idx="0"/>
+          </p:cNvCxnSpPr>
+          <p:nvPr/>
+        </p:nvCxnSpPr>
+        <p:spPr>
+          <a:xfrm flipH="1">
+            <a:off x="7600083" y="4976365"/>
+            <a:ext cx="726661" cy="926538"/>
+          </a:xfrm>
+          <a:prstGeom prst="bentConnector4">
+            <a:avLst>
+              <a:gd name="adj1" fmla="val -31459"/>
+              <a:gd name="adj2" fmla="val 52428"/>
+            </a:avLst>
+          </a:prstGeom>
+          <a:ln w="25400"/>
+        </p:spPr>
+        <p:style>
+          <a:lnRef idx="1">
+            <a:schemeClr val="dk1"/>
+          </a:lnRef>
+          <a:fillRef idx="0">
+            <a:schemeClr val="dk1"/>
+          </a:fillRef>
+          <a:effectRef idx="0">
+            <a:schemeClr val="dk1"/>
+          </a:effectRef>
+          <a:fontRef idx="minor">
+            <a:schemeClr val="tx1"/>
+          </a:fontRef>
+        </p:style>
+      </p:cxnSp>
       <p:sp>
         <p:nvSpPr>
-          <p:cNvPr id="31" name="矩形 30"/>
+          <p:cNvPr id="129" name="椭圆 128"/>
           <p:cNvSpPr/>
           <p:nvPr/>
         </p:nvSpPr>
         <p:spPr>
           <a:xfrm>
-            <a:off x="1446143" y="5868718"/>
-            <a:ext cx="1616382" cy="720000"/>
+            <a:off x="6011134" y="4536180"/>
+            <a:ext cx="90001" cy="90001"/>
+          </a:xfrm>
+          <a:prstGeom prst="ellipse">
+            <a:avLst/>
+          </a:prstGeom>
+          <a:solidFill>
+            <a:schemeClr val="accent4"/>
+          </a:solidFill>
+        </p:spPr>
+        <p:style>
+          <a:lnRef idx="2">
+            <a:schemeClr val="accent1">
+              <a:shade val="50000"/>
+            </a:schemeClr>
+          </a:lnRef>
+          <a:fillRef idx="1">
+            <a:schemeClr val="accent1"/>
+          </a:fillRef>
+          <a:effectRef idx="0">
+            <a:schemeClr val="accent1"/>
+          </a:effectRef>
+          <a:fontRef idx="minor">
+            <a:schemeClr val="lt1"/>
+          </a:fontRef>
+        </p:style>
+        <p:txBody>
+          <a:bodyPr rot="0" spcFirstLastPara="0" vertOverflow="overflow" horzOverflow="overflow" vert="horz" wrap="square" lIns="91439" tIns="45720" rIns="91439" bIns="45720" numCol="1" spcCol="0" rtlCol="0" fromWordArt="0" anchor="ctr" anchorCtr="0" forceAA="0" compatLnSpc="1">
+            <a:prstTxWarp prst="textNoShape">
+              <a:avLst/>
+            </a:prstTxWarp>
+            <a:noAutofit/>
+          </a:bodyPr>
+          <a:lstStyle/>
+          <a:p>
+            <a:pPr algn="ctr"/>
+            <a:endParaRPr lang="zh-CN" altLang="en-US">
+              <a:latin typeface="Consolas" panose="020B0609020204030204" pitchFamily="49" charset="0"/>
+            </a:endParaRPr>
+          </a:p>
+        </p:txBody>
+      </p:sp>
+      <p:sp>
+        <p:nvSpPr>
+          <p:cNvPr id="130" name="椭圆 129"/>
+          <p:cNvSpPr/>
+          <p:nvPr/>
+        </p:nvSpPr>
+        <p:spPr>
+          <a:xfrm>
+            <a:off x="8236740" y="4931368"/>
+            <a:ext cx="90001" cy="90001"/>
+          </a:xfrm>
+          <a:prstGeom prst="ellipse">
+            <a:avLst/>
+          </a:prstGeom>
+          <a:solidFill>
+            <a:schemeClr val="accent4"/>
+          </a:solidFill>
+        </p:spPr>
+        <p:style>
+          <a:lnRef idx="2">
+            <a:schemeClr val="accent1">
+              <a:shade val="50000"/>
+            </a:schemeClr>
+          </a:lnRef>
+          <a:fillRef idx="1">
+            <a:schemeClr val="accent1"/>
+          </a:fillRef>
+          <a:effectRef idx="0">
+            <a:schemeClr val="accent1"/>
+          </a:effectRef>
+          <a:fontRef idx="minor">
+            <a:schemeClr val="lt1"/>
+          </a:fontRef>
+        </p:style>
+        <p:txBody>
+          <a:bodyPr rot="0" spcFirstLastPara="0" vertOverflow="overflow" horzOverflow="overflow" vert="horz" wrap="square" lIns="91439" tIns="45720" rIns="91439" bIns="45720" numCol="1" spcCol="0" rtlCol="0" fromWordArt="0" anchor="ctr" anchorCtr="0" forceAA="0" compatLnSpc="1">
+            <a:prstTxWarp prst="textNoShape">
+              <a:avLst/>
+            </a:prstTxWarp>
+            <a:noAutofit/>
+          </a:bodyPr>
+          <a:lstStyle/>
+          <a:p>
+            <a:pPr algn="ctr"/>
+            <a:endParaRPr lang="zh-CN" altLang="en-US">
+              <a:latin typeface="Consolas" panose="020B0609020204030204" pitchFamily="49" charset="0"/>
+            </a:endParaRPr>
+          </a:p>
+        </p:txBody>
+      </p:sp>
+      <p:cxnSp>
+        <p:nvCxnSpPr>
+          <p:cNvPr id="131" name="直接连接符 36"/>
+          <p:cNvCxnSpPr>
+            <a:stCxn id="129" idx="6"/>
+            <a:endCxn id="17" idx="1"/>
+          </p:cNvCxnSpPr>
+          <p:nvPr/>
+        </p:nvCxnSpPr>
+        <p:spPr>
+          <a:xfrm flipV="1">
+            <a:off x="6101140" y="4060712"/>
+            <a:ext cx="646141" cy="520464"/>
+          </a:xfrm>
+          <a:prstGeom prst="bentConnector3">
+            <a:avLst>
+              <a:gd name="adj1" fmla="val 50000"/>
+            </a:avLst>
+          </a:prstGeom>
+          <a:ln w="25400">
+            <a:prstDash val="dash"/>
+          </a:ln>
+        </p:spPr>
+        <p:style>
+          <a:lnRef idx="1">
+            <a:schemeClr val="dk1"/>
+          </a:lnRef>
+          <a:fillRef idx="0">
+            <a:schemeClr val="dk1"/>
+          </a:fillRef>
+          <a:effectRef idx="0">
+            <a:schemeClr val="dk1"/>
+          </a:effectRef>
+          <a:fontRef idx="minor">
+            <a:schemeClr val="tx1"/>
+          </a:fontRef>
+        </p:style>
+      </p:cxnSp>
+      <p:cxnSp>
+        <p:nvCxnSpPr>
+          <p:cNvPr id="134" name="直接连接符 36"/>
+          <p:cNvCxnSpPr>
+            <a:stCxn id="129" idx="6"/>
+            <a:endCxn id="18" idx="1"/>
+          </p:cNvCxnSpPr>
+          <p:nvPr/>
+        </p:nvCxnSpPr>
+        <p:spPr>
+          <a:xfrm>
+            <a:off x="6101140" y="4581185"/>
+            <a:ext cx="646141" cy="25673"/>
+          </a:xfrm>
+          <a:prstGeom prst="bentConnector3">
+            <a:avLst>
+              <a:gd name="adj1" fmla="val 50000"/>
+            </a:avLst>
+          </a:prstGeom>
+          <a:ln w="25400">
+            <a:prstDash val="dash"/>
+          </a:ln>
+        </p:spPr>
+        <p:style>
+          <a:lnRef idx="1">
+            <a:schemeClr val="dk1"/>
+          </a:lnRef>
+          <a:fillRef idx="0">
+            <a:schemeClr val="dk1"/>
+          </a:fillRef>
+          <a:effectRef idx="0">
+            <a:schemeClr val="dk1"/>
+          </a:effectRef>
+          <a:fontRef idx="minor">
+            <a:schemeClr val="tx1"/>
+          </a:fontRef>
+        </p:style>
+      </p:cxnSp>
+      <p:cxnSp>
+        <p:nvCxnSpPr>
+          <p:cNvPr id="137" name="直接连接符 36"/>
+          <p:cNvCxnSpPr>
+            <a:stCxn id="129" idx="6"/>
+            <a:endCxn id="19" idx="1"/>
+          </p:cNvCxnSpPr>
+          <p:nvPr/>
+        </p:nvCxnSpPr>
+        <p:spPr>
+          <a:xfrm>
+            <a:off x="6101140" y="4581178"/>
+            <a:ext cx="646141" cy="571810"/>
+          </a:xfrm>
+          <a:prstGeom prst="bentConnector3">
+            <a:avLst>
+              <a:gd name="adj1" fmla="val 50000"/>
+            </a:avLst>
+          </a:prstGeom>
+          <a:ln w="25400">
+            <a:prstDash val="dash"/>
+          </a:ln>
+        </p:spPr>
+        <p:style>
+          <a:lnRef idx="1">
+            <a:schemeClr val="dk1"/>
+          </a:lnRef>
+          <a:fillRef idx="0">
+            <a:schemeClr val="dk1"/>
+          </a:fillRef>
+          <a:effectRef idx="0">
+            <a:schemeClr val="dk1"/>
+          </a:effectRef>
+          <a:fontRef idx="minor">
+            <a:schemeClr val="tx1"/>
+          </a:fontRef>
+        </p:style>
+      </p:cxnSp>
+      <p:cxnSp>
+        <p:nvCxnSpPr>
+          <p:cNvPr id="140" name="直接连接符 36"/>
+          <p:cNvCxnSpPr>
+            <a:stCxn id="17" idx="3"/>
+            <a:endCxn id="130" idx="2"/>
+          </p:cNvCxnSpPr>
+          <p:nvPr/>
+        </p:nvCxnSpPr>
+        <p:spPr>
+          <a:xfrm>
+            <a:off x="7600083" y="4060713"/>
+            <a:ext cx="636661" cy="915650"/>
+          </a:xfrm>
+          <a:prstGeom prst="bentConnector3">
+            <a:avLst>
+              <a:gd name="adj1" fmla="val 50000"/>
+            </a:avLst>
+          </a:prstGeom>
+          <a:ln w="25400">
+            <a:prstDash val="dash"/>
+          </a:ln>
+        </p:spPr>
+        <p:style>
+          <a:lnRef idx="1">
+            <a:schemeClr val="dk1"/>
+          </a:lnRef>
+          <a:fillRef idx="0">
+            <a:schemeClr val="dk1"/>
+          </a:fillRef>
+          <a:effectRef idx="0">
+            <a:schemeClr val="dk1"/>
+          </a:effectRef>
+          <a:fontRef idx="minor">
+            <a:schemeClr val="tx1"/>
+          </a:fontRef>
+        </p:style>
+      </p:cxnSp>
+      <p:cxnSp>
+        <p:nvCxnSpPr>
+          <p:cNvPr id="143" name="直接连接符 36"/>
+          <p:cNvCxnSpPr>
+            <a:stCxn id="18" idx="3"/>
+            <a:endCxn id="130" idx="2"/>
+          </p:cNvCxnSpPr>
+          <p:nvPr/>
+        </p:nvCxnSpPr>
+        <p:spPr>
+          <a:xfrm>
+            <a:off x="7600083" y="4606854"/>
+            <a:ext cx="636661" cy="369514"/>
+          </a:xfrm>
+          <a:prstGeom prst="bentConnector3">
+            <a:avLst>
+              <a:gd name="adj1" fmla="val 50000"/>
+            </a:avLst>
+          </a:prstGeom>
+          <a:ln w="25400">
+            <a:prstDash val="dash"/>
+          </a:ln>
+        </p:spPr>
+        <p:style>
+          <a:lnRef idx="1">
+            <a:schemeClr val="dk1"/>
+          </a:lnRef>
+          <a:fillRef idx="0">
+            <a:schemeClr val="dk1"/>
+          </a:fillRef>
+          <a:effectRef idx="0">
+            <a:schemeClr val="dk1"/>
+          </a:effectRef>
+          <a:fontRef idx="minor">
+            <a:schemeClr val="tx1"/>
+          </a:fontRef>
+        </p:style>
+      </p:cxnSp>
+      <p:cxnSp>
+        <p:nvCxnSpPr>
+          <p:cNvPr id="146" name="直接连接符 36"/>
+          <p:cNvCxnSpPr>
+            <a:stCxn id="19" idx="3"/>
+            <a:endCxn id="208" idx="2"/>
+          </p:cNvCxnSpPr>
+          <p:nvPr/>
+        </p:nvCxnSpPr>
+        <p:spPr>
+          <a:xfrm flipV="1">
+            <a:off x="7600083" y="4758568"/>
+            <a:ext cx="637341" cy="394420"/>
+          </a:xfrm>
+          <a:prstGeom prst="bentConnector3">
+            <a:avLst>
+              <a:gd name="adj1" fmla="val 50000"/>
+            </a:avLst>
+          </a:prstGeom>
+          <a:ln w="25400">
+            <a:prstDash val="sysDash"/>
+          </a:ln>
+        </p:spPr>
+        <p:style>
+          <a:lnRef idx="1">
+            <a:schemeClr val="dk1"/>
+          </a:lnRef>
+          <a:fillRef idx="0">
+            <a:schemeClr val="dk1"/>
+          </a:fillRef>
+          <a:effectRef idx="0">
+            <a:schemeClr val="dk1"/>
+          </a:effectRef>
+          <a:fontRef idx="minor">
+            <a:schemeClr val="tx1"/>
+          </a:fontRef>
+        </p:style>
+      </p:cxnSp>
+      <p:cxnSp>
+        <p:nvCxnSpPr>
+          <p:cNvPr id="149" name="直接连接符 36"/>
+          <p:cNvCxnSpPr>
+            <a:stCxn id="15" idx="3"/>
+            <a:endCxn id="129" idx="4"/>
+          </p:cNvCxnSpPr>
+          <p:nvPr/>
+        </p:nvCxnSpPr>
+        <p:spPr>
+          <a:xfrm flipV="1">
+            <a:off x="2869248" y="4626180"/>
+            <a:ext cx="3186887" cy="130502"/>
+          </a:xfrm>
+          <a:prstGeom prst="bentConnector2">
+            <a:avLst/>
+          </a:prstGeom>
+          <a:ln w="25400">
+            <a:prstDash val="dash"/>
+          </a:ln>
+        </p:spPr>
+        <p:style>
+          <a:lnRef idx="1">
+            <a:schemeClr val="dk1"/>
+          </a:lnRef>
+          <a:fillRef idx="0">
+            <a:schemeClr val="dk1"/>
+          </a:fillRef>
+          <a:effectRef idx="0">
+            <a:schemeClr val="dk1"/>
+          </a:effectRef>
+          <a:fontRef idx="minor">
+            <a:schemeClr val="tx1"/>
+          </a:fontRef>
+        </p:style>
+      </p:cxnSp>
+      <p:sp>
+        <p:nvSpPr>
+          <p:cNvPr id="167" name="矩形 166"/>
+          <p:cNvSpPr/>
+          <p:nvPr/>
+        </p:nvSpPr>
+        <p:spPr>
+          <a:xfrm>
+            <a:off x="9910955" y="3495971"/>
+            <a:ext cx="7756900" cy="5378276"/>
+          </a:xfrm>
+          <a:prstGeom prst="rect">
+            <a:avLst/>
+          </a:prstGeom>
+          <a:solidFill>
+            <a:schemeClr val="accent6">
+              <a:lumMod val="75000"/>
+            </a:schemeClr>
+          </a:solidFill>
+        </p:spPr>
+        <p:style>
+          <a:lnRef idx="2">
+            <a:schemeClr val="accent4">
+              <a:shade val="50000"/>
+            </a:schemeClr>
+          </a:lnRef>
+          <a:fillRef idx="1">
+            <a:schemeClr val="accent4"/>
+          </a:fillRef>
+          <a:effectRef idx="0">
+            <a:schemeClr val="accent4"/>
+          </a:effectRef>
+          <a:fontRef idx="minor">
+            <a:schemeClr val="lt1"/>
+          </a:fontRef>
+        </p:style>
+        <p:txBody>
+          <a:bodyPr rtlCol="0" anchor="ctr"/>
+          <a:lstStyle/>
+          <a:p>
+            <a:pPr algn="ctr"/>
+            <a:endParaRPr lang="zh-CN" altLang="en-US" dirty="0">
+              <a:latin typeface="Consolas" panose="020B0609020204030204" pitchFamily="49" charset="0"/>
+            </a:endParaRPr>
+          </a:p>
+        </p:txBody>
+      </p:sp>
+      <p:sp>
+        <p:nvSpPr>
+          <p:cNvPr id="168" name="矩形 167"/>
+          <p:cNvSpPr/>
+          <p:nvPr/>
+        </p:nvSpPr>
+        <p:spPr>
+          <a:xfrm>
+            <a:off x="14792279" y="5947683"/>
+            <a:ext cx="2553529" cy="1616577"/>
           </a:xfrm>
           <a:prstGeom prst="rect">
             <a:avLst/>
@@ -4535,10 +5325,10 @@
           <a:p>
             <a:pPr algn="ctr"/>
             <a:r>
-              <a:rPr lang="en-US" altLang="zh-CN" dirty="0" err="1" smtClean="0">
+              <a:rPr lang="en-US" altLang="zh-CN" dirty="0">
                 <a:latin typeface="Consolas" panose="020B0609020204030204" pitchFamily="49" charset="0"/>
               </a:rPr>
-              <a:t>Datebase</a:t>
+              <a:t>Base</a:t>
             </a:r>
             <a:endParaRPr lang="zh-CN" altLang="en-US" dirty="0">
               <a:latin typeface="Consolas" panose="020B0609020204030204" pitchFamily="49" charset="0"/>
@@ -4546,92 +5336,286 @@
           </a:p>
         </p:txBody>
       </p:sp>
-      <p:cxnSp>
-        <p:nvCxnSpPr>
-          <p:cNvPr id="34" name="直接连接符 33"/>
-          <p:cNvCxnSpPr>
-            <a:stCxn id="42" idx="3"/>
-            <a:endCxn id="31" idx="3"/>
-          </p:cNvCxnSpPr>
+      <p:grpSp>
+        <p:nvGrpSpPr>
+          <p:cNvPr id="169" name="组合 168"/>
+          <p:cNvGrpSpPr/>
           <p:nvPr/>
-        </p:nvCxnSpPr>
-        <p:spPr>
-          <a:xfrm flipH="1">
-            <a:off x="3062525" y="6217902"/>
-            <a:ext cx="4730765" cy="10816"/>
-          </a:xfrm>
-          <a:prstGeom prst="line">
-            <a:avLst/>
-          </a:prstGeom>
-          <a:ln w="25400"/>
-        </p:spPr>
-        <p:style>
-          <a:lnRef idx="1">
-            <a:schemeClr val="dk1"/>
-          </a:lnRef>
-          <a:fillRef idx="0">
-            <a:schemeClr val="dk1"/>
-          </a:fillRef>
-          <a:effectRef idx="0">
-            <a:schemeClr val="dk1"/>
-          </a:effectRef>
-          <a:fontRef idx="minor">
-            <a:schemeClr val="tx1"/>
-          </a:fontRef>
-        </p:style>
-      </p:cxnSp>
-      <p:cxnSp>
-        <p:nvCxnSpPr>
-          <p:cNvPr id="37" name="直接连接符 36"/>
-          <p:cNvCxnSpPr>
-            <a:stCxn id="21" idx="2"/>
-            <a:endCxn id="31" idx="0"/>
-          </p:cNvCxnSpPr>
-          <p:nvPr/>
-        </p:nvCxnSpPr>
-        <p:spPr>
-          <a:xfrm rot="5400000">
-            <a:off x="5341969" y="2226957"/>
-            <a:ext cx="554127" cy="6729395"/>
-          </a:xfrm>
-          <a:prstGeom prst="bentConnector3">
-            <a:avLst>
-              <a:gd name="adj1" fmla="val 50000"/>
-            </a:avLst>
-          </a:prstGeom>
-          <a:ln w="25400"/>
-        </p:spPr>
-        <p:style>
-          <a:lnRef idx="1">
-            <a:schemeClr val="dk1"/>
-          </a:lnRef>
-          <a:fillRef idx="0">
-            <a:schemeClr val="dk1"/>
-          </a:fillRef>
-          <a:effectRef idx="0">
-            <a:schemeClr val="dk1"/>
-          </a:effectRef>
-          <a:fontRef idx="minor">
-            <a:schemeClr val="tx1"/>
-          </a:fontRef>
-        </p:style>
-      </p:cxnSp>
+        </p:nvGrpSpPr>
+        <p:grpSpPr>
+          <a:xfrm>
+            <a:off x="10207219" y="5945863"/>
+            <a:ext cx="2508037" cy="1616577"/>
+            <a:chOff x="2573482" y="3698016"/>
+            <a:chExt cx="2508037" cy="1616577"/>
+          </a:xfrm>
+        </p:grpSpPr>
+        <p:sp>
+          <p:nvSpPr>
+            <p:cNvPr id="170" name="矩形 169"/>
+            <p:cNvSpPr/>
+            <p:nvPr/>
+          </p:nvSpPr>
+          <p:spPr>
+            <a:xfrm>
+              <a:off x="2573482" y="3698016"/>
+              <a:ext cx="2508037" cy="1616577"/>
+            </a:xfrm>
+            <a:prstGeom prst="rect">
+              <a:avLst/>
+            </a:prstGeom>
+            <a:solidFill>
+              <a:srgbClr val="00B050"/>
+            </a:solidFill>
+          </p:spPr>
+          <p:style>
+            <a:lnRef idx="2">
+              <a:schemeClr val="accent1">
+                <a:shade val="50000"/>
+              </a:schemeClr>
+            </a:lnRef>
+            <a:fillRef idx="1">
+              <a:schemeClr val="accent1"/>
+            </a:fillRef>
+            <a:effectRef idx="0">
+              <a:schemeClr val="accent1"/>
+            </a:effectRef>
+            <a:fontRef idx="minor">
+              <a:schemeClr val="lt1"/>
+            </a:fontRef>
+          </p:style>
+          <p:txBody>
+            <a:bodyPr rtlCol="0" anchor="ctr"/>
+            <a:lstStyle/>
+            <a:p>
+              <a:pPr algn="ctr"/>
+              <a:endParaRPr lang="zh-CN" altLang="en-US" dirty="0">
+                <a:latin typeface="Consolas" panose="020B0609020204030204" pitchFamily="49" charset="0"/>
+              </a:endParaRPr>
+            </a:p>
+          </p:txBody>
+        </p:sp>
+        <p:sp>
+          <p:nvSpPr>
+            <p:cNvPr id="171" name="矩形 170"/>
+            <p:cNvSpPr/>
+            <p:nvPr/>
+          </p:nvSpPr>
+          <p:spPr>
+            <a:xfrm>
+              <a:off x="2875311" y="3834682"/>
+              <a:ext cx="852804" cy="435592"/>
+            </a:xfrm>
+            <a:prstGeom prst="rect">
+              <a:avLst/>
+            </a:prstGeom>
+            <a:solidFill>
+              <a:srgbClr val="00B050"/>
+            </a:solidFill>
+          </p:spPr>
+          <p:style>
+            <a:lnRef idx="2">
+              <a:schemeClr val="accent1">
+                <a:shade val="50000"/>
+              </a:schemeClr>
+            </a:lnRef>
+            <a:fillRef idx="1">
+              <a:schemeClr val="accent1"/>
+            </a:fillRef>
+            <a:effectRef idx="0">
+              <a:schemeClr val="accent1"/>
+            </a:effectRef>
+            <a:fontRef idx="minor">
+              <a:schemeClr val="lt1"/>
+            </a:fontRef>
+          </p:style>
+          <p:txBody>
+            <a:bodyPr rtlCol="0" anchor="ctr"/>
+            <a:lstStyle/>
+            <a:p>
+              <a:pPr algn="ctr"/>
+              <a:r>
+                <a:rPr lang="en-US" altLang="zh-CN" dirty="0">
+                  <a:latin typeface="Consolas" panose="020B0609020204030204" pitchFamily="49" charset="0"/>
+                </a:rPr>
+                <a:t>Cell1</a:t>
+              </a:r>
+              <a:endParaRPr lang="zh-CN" altLang="en-US" dirty="0">
+                <a:latin typeface="Consolas" panose="020B0609020204030204" pitchFamily="49" charset="0"/>
+              </a:endParaRPr>
+            </a:p>
+          </p:txBody>
+        </p:sp>
+        <p:sp>
+          <p:nvSpPr>
+            <p:cNvPr id="172" name="矩形 171"/>
+            <p:cNvSpPr/>
+            <p:nvPr/>
+          </p:nvSpPr>
+          <p:spPr>
+            <a:xfrm>
+              <a:off x="2875311" y="4671611"/>
+              <a:ext cx="852804" cy="435592"/>
+            </a:xfrm>
+            <a:prstGeom prst="rect">
+              <a:avLst/>
+            </a:prstGeom>
+            <a:solidFill>
+              <a:srgbClr val="00B050"/>
+            </a:solidFill>
+          </p:spPr>
+          <p:style>
+            <a:lnRef idx="2">
+              <a:schemeClr val="accent1">
+                <a:shade val="50000"/>
+              </a:schemeClr>
+            </a:lnRef>
+            <a:fillRef idx="1">
+              <a:schemeClr val="accent1"/>
+            </a:fillRef>
+            <a:effectRef idx="0">
+              <a:schemeClr val="accent1"/>
+            </a:effectRef>
+            <a:fontRef idx="minor">
+              <a:schemeClr val="lt1"/>
+            </a:fontRef>
+          </p:style>
+          <p:txBody>
+            <a:bodyPr rtlCol="0" anchor="ctr"/>
+            <a:lstStyle/>
+            <a:p>
+              <a:pPr algn="ctr"/>
+              <a:r>
+                <a:rPr lang="en-US" altLang="zh-CN" dirty="0">
+                  <a:latin typeface="Consolas" panose="020B0609020204030204" pitchFamily="49" charset="0"/>
+                </a:rPr>
+                <a:t>Cell2</a:t>
+              </a:r>
+              <a:endParaRPr lang="zh-CN" altLang="en-US" dirty="0">
+                <a:latin typeface="Consolas" panose="020B0609020204030204" pitchFamily="49" charset="0"/>
+              </a:endParaRPr>
+            </a:p>
+          </p:txBody>
+        </p:sp>
+        <p:sp>
+          <p:nvSpPr>
+            <p:cNvPr id="173" name="矩形 172"/>
+            <p:cNvSpPr/>
+            <p:nvPr/>
+          </p:nvSpPr>
+          <p:spPr>
+            <a:xfrm>
+              <a:off x="3899419" y="3834682"/>
+              <a:ext cx="852804" cy="435592"/>
+            </a:xfrm>
+            <a:prstGeom prst="rect">
+              <a:avLst/>
+            </a:prstGeom>
+            <a:solidFill>
+              <a:srgbClr val="00B050"/>
+            </a:solidFill>
+          </p:spPr>
+          <p:style>
+            <a:lnRef idx="2">
+              <a:schemeClr val="accent1">
+                <a:shade val="50000"/>
+              </a:schemeClr>
+            </a:lnRef>
+            <a:fillRef idx="1">
+              <a:schemeClr val="accent1"/>
+            </a:fillRef>
+            <a:effectRef idx="0">
+              <a:schemeClr val="accent1"/>
+            </a:effectRef>
+            <a:fontRef idx="minor">
+              <a:schemeClr val="lt1"/>
+            </a:fontRef>
+          </p:style>
+          <p:txBody>
+            <a:bodyPr rtlCol="0" anchor="ctr"/>
+            <a:lstStyle/>
+            <a:p>
+              <a:pPr algn="ctr"/>
+              <a:r>
+                <a:rPr lang="en-US" altLang="zh-CN" dirty="0">
+                  <a:latin typeface="Consolas" panose="020B0609020204030204" pitchFamily="49" charset="0"/>
+                </a:rPr>
+                <a:t>Cell3</a:t>
+              </a:r>
+              <a:endParaRPr lang="zh-CN" altLang="en-US" dirty="0">
+                <a:latin typeface="Consolas" panose="020B0609020204030204" pitchFamily="49" charset="0"/>
+              </a:endParaRPr>
+            </a:p>
+          </p:txBody>
+        </p:sp>
+        <p:sp>
+          <p:nvSpPr>
+            <p:cNvPr id="174" name="矩形 173"/>
+            <p:cNvSpPr/>
+            <p:nvPr/>
+          </p:nvSpPr>
+          <p:spPr>
+            <a:xfrm>
+              <a:off x="3890322" y="4671611"/>
+              <a:ext cx="852804" cy="435592"/>
+            </a:xfrm>
+            <a:prstGeom prst="rect">
+              <a:avLst/>
+            </a:prstGeom>
+            <a:solidFill>
+              <a:srgbClr val="00B050"/>
+            </a:solidFill>
+          </p:spPr>
+          <p:style>
+            <a:lnRef idx="2">
+              <a:schemeClr val="accent1">
+                <a:shade val="50000"/>
+              </a:schemeClr>
+            </a:lnRef>
+            <a:fillRef idx="1">
+              <a:schemeClr val="accent1"/>
+            </a:fillRef>
+            <a:effectRef idx="0">
+              <a:schemeClr val="accent1"/>
+            </a:effectRef>
+            <a:fontRef idx="minor">
+              <a:schemeClr val="lt1"/>
+            </a:fontRef>
+          </p:style>
+          <p:txBody>
+            <a:bodyPr rtlCol="0" anchor="ctr"/>
+            <a:lstStyle/>
+            <a:p>
+              <a:pPr algn="ctr"/>
+              <a:r>
+                <a:rPr lang="en-US" altLang="zh-CN" dirty="0">
+                  <a:latin typeface="Consolas" panose="020B0609020204030204" pitchFamily="49" charset="0"/>
+                </a:rPr>
+                <a:t>Cell4</a:t>
+              </a:r>
+              <a:endParaRPr lang="zh-CN" altLang="en-US" dirty="0">
+                <a:latin typeface="Consolas" panose="020B0609020204030204" pitchFamily="49" charset="0"/>
+              </a:endParaRPr>
+            </a:p>
+          </p:txBody>
+        </p:sp>
+      </p:grpSp>
       <p:sp>
         <p:nvSpPr>
-          <p:cNvPr id="42" name="矩形 41"/>
+          <p:cNvPr id="175" name="矩形 174"/>
           <p:cNvSpPr/>
           <p:nvPr/>
         </p:nvSpPr>
         <p:spPr>
           <a:xfrm>
-            <a:off x="4987263" y="5756073"/>
-            <a:ext cx="2806027" cy="923657"/>
+            <a:off x="13281372" y="5945863"/>
+            <a:ext cx="1216575" cy="1616577"/>
           </a:xfrm>
           <a:prstGeom prst="rect">
             <a:avLst/>
           </a:prstGeom>
           <a:solidFill>
-            <a:srgbClr val="00B050"/>
+            <a:srgbClr val="00B0F0"/>
           </a:solidFill>
         </p:spPr>
         <p:style>
@@ -4655,6 +5639,12 @@
           <a:lstStyle/>
           <a:p>
             <a:pPr algn="ctr"/>
+            <a:r>
+              <a:rPr lang="en-US" altLang="zh-CN" dirty="0" err="1">
+                <a:latin typeface="Consolas" panose="020B0609020204030204" pitchFamily="49" charset="0"/>
+              </a:rPr>
+              <a:t>CellMgr</a:t>
+            </a:r>
             <a:endParaRPr lang="zh-CN" altLang="en-US" dirty="0">
               <a:latin typeface="Consolas" panose="020B0609020204030204" pitchFamily="49" charset="0"/>
             </a:endParaRPr>
@@ -4663,20 +5653,148 @@
       </p:sp>
       <p:sp>
         <p:nvSpPr>
-          <p:cNvPr id="44" name="矩形 43"/>
+          <p:cNvPr id="176" name="矩形 175"/>
           <p:cNvSpPr/>
           <p:nvPr/>
         </p:nvSpPr>
         <p:spPr>
           <a:xfrm>
-            <a:off x="5460442" y="5992132"/>
-            <a:ext cx="852804" cy="435592"/>
+            <a:off x="9910955" y="7697667"/>
+            <a:ext cx="7756900" cy="177013"/>
           </a:xfrm>
           <a:prstGeom prst="rect">
             <a:avLst/>
           </a:prstGeom>
           <a:solidFill>
-            <a:srgbClr val="00B050"/>
+            <a:schemeClr val="accent2">
+              <a:lumMod val="50000"/>
+            </a:schemeClr>
+          </a:solidFill>
+        </p:spPr>
+        <p:style>
+          <a:lnRef idx="2">
+            <a:schemeClr val="accent4">
+              <a:shade val="50000"/>
+            </a:schemeClr>
+          </a:lnRef>
+          <a:fillRef idx="1">
+            <a:schemeClr val="accent4"/>
+          </a:fillRef>
+          <a:effectRef idx="0">
+            <a:schemeClr val="accent4"/>
+          </a:effectRef>
+          <a:fontRef idx="minor">
+            <a:schemeClr val="lt1"/>
+          </a:fontRef>
+        </p:style>
+        <p:txBody>
+          <a:bodyPr rtlCol="0" anchor="ctr"/>
+          <a:lstStyle/>
+          <a:p>
+            <a:pPr algn="ctr"/>
+            <a:endParaRPr lang="zh-CN" altLang="en-US" dirty="0">
+              <a:latin typeface="Consolas" panose="020B0609020204030204" pitchFamily="49" charset="0"/>
+            </a:endParaRPr>
+          </a:p>
+        </p:txBody>
+      </p:sp>
+      <p:sp>
+        <p:nvSpPr>
+          <p:cNvPr id="178" name="矩形 177"/>
+          <p:cNvSpPr/>
+          <p:nvPr/>
+        </p:nvSpPr>
+        <p:spPr>
+          <a:xfrm>
+            <a:off x="9910955" y="5563079"/>
+            <a:ext cx="7756900" cy="177013"/>
+          </a:xfrm>
+          <a:prstGeom prst="rect">
+            <a:avLst/>
+          </a:prstGeom>
+          <a:solidFill>
+            <a:schemeClr val="accent2">
+              <a:lumMod val="50000"/>
+            </a:schemeClr>
+          </a:solidFill>
+        </p:spPr>
+        <p:style>
+          <a:lnRef idx="2">
+            <a:schemeClr val="accent4">
+              <a:shade val="50000"/>
+            </a:schemeClr>
+          </a:lnRef>
+          <a:fillRef idx="1">
+            <a:schemeClr val="accent4"/>
+          </a:fillRef>
+          <a:effectRef idx="0">
+            <a:schemeClr val="accent4"/>
+          </a:effectRef>
+          <a:fontRef idx="minor">
+            <a:schemeClr val="lt1"/>
+          </a:fontRef>
+        </p:style>
+        <p:txBody>
+          <a:bodyPr rtlCol="0" anchor="ctr"/>
+          <a:lstStyle/>
+          <a:p>
+            <a:pPr algn="ctr"/>
+            <a:endParaRPr lang="zh-CN" altLang="en-US" dirty="0">
+              <a:latin typeface="Consolas" panose="020B0609020204030204" pitchFamily="49" charset="0"/>
+            </a:endParaRPr>
+          </a:p>
+        </p:txBody>
+      </p:sp>
+      <p:sp>
+        <p:nvSpPr>
+          <p:cNvPr id="179" name="文本框 178"/>
+          <p:cNvSpPr txBox="1"/>
+          <p:nvPr/>
+        </p:nvSpPr>
+        <p:spPr>
+          <a:xfrm>
+            <a:off x="10235061" y="3812723"/>
+            <a:ext cx="1704313" cy="369332"/>
+          </a:xfrm>
+          <a:prstGeom prst="rect">
+            <a:avLst/>
+          </a:prstGeom>
+          <a:noFill/>
+        </p:spPr>
+        <p:txBody>
+          <a:bodyPr wrap="none" rtlCol="0">
+            <a:spAutoFit/>
+          </a:bodyPr>
+          <a:lstStyle/>
+          <a:p>
+            <a:r>
+              <a:rPr lang="en-US" altLang="zh-CN" b="1" dirty="0">
+                <a:latin typeface="Consolas" panose="020B0609020204030204" pitchFamily="49" charset="0"/>
+              </a:rPr>
+              <a:t>Cross Server</a:t>
+            </a:r>
+            <a:endParaRPr lang="zh-CN" altLang="en-US" b="1" dirty="0">
+              <a:latin typeface="Consolas" panose="020B0609020204030204" pitchFamily="49" charset="0"/>
+            </a:endParaRPr>
+          </a:p>
+        </p:txBody>
+      </p:sp>
+      <p:sp>
+        <p:nvSpPr>
+          <p:cNvPr id="180" name="矩形 179"/>
+          <p:cNvSpPr/>
+          <p:nvPr/>
+        </p:nvSpPr>
+        <p:spPr>
+          <a:xfrm>
+            <a:off x="15569173" y="8061771"/>
+            <a:ext cx="1616382" cy="720000"/>
+          </a:xfrm>
+          <a:prstGeom prst="rect">
+            <a:avLst/>
+          </a:prstGeom>
+          <a:solidFill>
+            <a:srgbClr val="00B0F0"/>
           </a:solidFill>
         </p:spPr>
         <p:style>
@@ -4701,10 +5819,10 @@
           <a:p>
             <a:pPr algn="ctr"/>
             <a:r>
-              <a:rPr lang="en-US" altLang="zh-CN" dirty="0" err="1" smtClean="0">
+              <a:rPr lang="en-US" altLang="zh-CN" dirty="0" err="1">
                 <a:latin typeface="Consolas" panose="020B0609020204030204" pitchFamily="49" charset="0"/>
               </a:rPr>
-              <a:t>Mysql</a:t>
+              <a:t>Datebase</a:t>
             </a:r>
             <a:endParaRPr lang="zh-CN" altLang="en-US" dirty="0">
               <a:latin typeface="Consolas" panose="020B0609020204030204" pitchFamily="49" charset="0"/>
@@ -4712,22 +5830,2416 @@
           </a:p>
         </p:txBody>
       </p:sp>
+      <p:grpSp>
+        <p:nvGrpSpPr>
+          <p:cNvPr id="181" name="组合 180"/>
+          <p:cNvGrpSpPr/>
+          <p:nvPr/>
+        </p:nvGrpSpPr>
+        <p:grpSpPr>
+          <a:xfrm>
+            <a:off x="10179893" y="7912639"/>
+            <a:ext cx="2806027" cy="923657"/>
+            <a:chOff x="4987263" y="5756073"/>
+            <a:chExt cx="2806027" cy="923657"/>
+          </a:xfrm>
+        </p:grpSpPr>
+        <p:sp>
+          <p:nvSpPr>
+            <p:cNvPr id="182" name="矩形 181"/>
+            <p:cNvSpPr/>
+            <p:nvPr/>
+          </p:nvSpPr>
+          <p:spPr>
+            <a:xfrm>
+              <a:off x="4987263" y="5756073"/>
+              <a:ext cx="2806027" cy="923657"/>
+            </a:xfrm>
+            <a:prstGeom prst="rect">
+              <a:avLst/>
+            </a:prstGeom>
+            <a:solidFill>
+              <a:srgbClr val="00B050"/>
+            </a:solidFill>
+          </p:spPr>
+          <p:style>
+            <a:lnRef idx="2">
+              <a:schemeClr val="accent1">
+                <a:shade val="50000"/>
+              </a:schemeClr>
+            </a:lnRef>
+            <a:fillRef idx="1">
+              <a:schemeClr val="accent1"/>
+            </a:fillRef>
+            <a:effectRef idx="0">
+              <a:schemeClr val="accent1"/>
+            </a:effectRef>
+            <a:fontRef idx="minor">
+              <a:schemeClr val="lt1"/>
+            </a:fontRef>
+          </p:style>
+          <p:txBody>
+            <a:bodyPr rtlCol="0" anchor="ctr"/>
+            <a:lstStyle/>
+            <a:p>
+              <a:pPr algn="ctr"/>
+              <a:endParaRPr lang="zh-CN" altLang="en-US" dirty="0">
+                <a:latin typeface="Consolas" panose="020B0609020204030204" pitchFamily="49" charset="0"/>
+              </a:endParaRPr>
+            </a:p>
+          </p:txBody>
+        </p:sp>
+        <p:sp>
+          <p:nvSpPr>
+            <p:cNvPr id="183" name="矩形 182"/>
+            <p:cNvSpPr/>
+            <p:nvPr/>
+          </p:nvSpPr>
+          <p:spPr>
+            <a:xfrm>
+              <a:off x="5445914" y="5810058"/>
+              <a:ext cx="852804" cy="435592"/>
+            </a:xfrm>
+            <a:prstGeom prst="rect">
+              <a:avLst/>
+            </a:prstGeom>
+            <a:solidFill>
+              <a:srgbClr val="00B050"/>
+            </a:solidFill>
+          </p:spPr>
+          <p:style>
+            <a:lnRef idx="2">
+              <a:schemeClr val="accent1">
+                <a:shade val="50000"/>
+              </a:schemeClr>
+            </a:lnRef>
+            <a:fillRef idx="1">
+              <a:schemeClr val="accent1"/>
+            </a:fillRef>
+            <a:effectRef idx="0">
+              <a:schemeClr val="accent1"/>
+            </a:effectRef>
+            <a:fontRef idx="minor">
+              <a:schemeClr val="lt1"/>
+            </a:fontRef>
+          </p:style>
+          <p:txBody>
+            <a:bodyPr rtlCol="0" anchor="ctr"/>
+            <a:lstStyle/>
+            <a:p>
+              <a:pPr algn="ctr"/>
+              <a:r>
+                <a:rPr lang="en-US" altLang="zh-CN" dirty="0" err="1">
+                  <a:latin typeface="Consolas" panose="020B0609020204030204" pitchFamily="49" charset="0"/>
+                </a:rPr>
+                <a:t>Mysql</a:t>
+              </a:r>
+              <a:endParaRPr lang="zh-CN" altLang="en-US" dirty="0">
+                <a:latin typeface="Consolas" panose="020B0609020204030204" pitchFamily="49" charset="0"/>
+              </a:endParaRPr>
+            </a:p>
+          </p:txBody>
+        </p:sp>
+        <p:sp>
+          <p:nvSpPr>
+            <p:cNvPr id="184" name="矩形 183"/>
+            <p:cNvSpPr/>
+            <p:nvPr/>
+          </p:nvSpPr>
+          <p:spPr>
+            <a:xfrm>
+              <a:off x="6708860" y="6185102"/>
+              <a:ext cx="852804" cy="435592"/>
+            </a:xfrm>
+            <a:prstGeom prst="rect">
+              <a:avLst/>
+            </a:prstGeom>
+            <a:solidFill>
+              <a:srgbClr val="00B050"/>
+            </a:solidFill>
+          </p:spPr>
+          <p:style>
+            <a:lnRef idx="2">
+              <a:schemeClr val="accent1">
+                <a:shade val="50000"/>
+              </a:schemeClr>
+            </a:lnRef>
+            <a:fillRef idx="1">
+              <a:schemeClr val="accent1"/>
+            </a:fillRef>
+            <a:effectRef idx="0">
+              <a:schemeClr val="accent1"/>
+            </a:effectRef>
+            <a:fontRef idx="minor">
+              <a:schemeClr val="lt1"/>
+            </a:fontRef>
+          </p:style>
+          <p:txBody>
+            <a:bodyPr rtlCol="0" anchor="ctr"/>
+            <a:lstStyle/>
+            <a:p>
+              <a:pPr algn="ctr"/>
+              <a:r>
+                <a:rPr lang="en-US" altLang="zh-CN" dirty="0" err="1">
+                  <a:latin typeface="Consolas" panose="020B0609020204030204" pitchFamily="49" charset="0"/>
+                </a:rPr>
+                <a:t>Redis</a:t>
+              </a:r>
+              <a:endParaRPr lang="zh-CN" altLang="en-US" dirty="0">
+                <a:latin typeface="Consolas" panose="020B0609020204030204" pitchFamily="49" charset="0"/>
+              </a:endParaRPr>
+            </a:p>
+          </p:txBody>
+        </p:sp>
+      </p:grpSp>
+      <p:cxnSp>
+        <p:nvCxnSpPr>
+          <p:cNvPr id="185" name="直接连接符 36"/>
+          <p:cNvCxnSpPr>
+            <a:stCxn id="180" idx="1"/>
+            <a:endCxn id="183" idx="3"/>
+          </p:cNvCxnSpPr>
+          <p:nvPr/>
+        </p:nvCxnSpPr>
+        <p:spPr>
+          <a:xfrm rot="10800000">
+            <a:off x="11491345" y="8184417"/>
+            <a:ext cx="4077835" cy="237359"/>
+          </a:xfrm>
+          <a:prstGeom prst="bentConnector3">
+            <a:avLst>
+              <a:gd name="adj1" fmla="val 50000"/>
+            </a:avLst>
+          </a:prstGeom>
+          <a:ln w="25400">
+            <a:prstDash val="dash"/>
+          </a:ln>
+        </p:spPr>
+        <p:style>
+          <a:lnRef idx="1">
+            <a:schemeClr val="dk1"/>
+          </a:lnRef>
+          <a:fillRef idx="0">
+            <a:schemeClr val="dk1"/>
+          </a:fillRef>
+          <a:effectRef idx="0">
+            <a:schemeClr val="dk1"/>
+          </a:effectRef>
+          <a:fontRef idx="minor">
+            <a:schemeClr val="tx1"/>
+          </a:fontRef>
+        </p:style>
+      </p:cxnSp>
+      <p:cxnSp>
+        <p:nvCxnSpPr>
+          <p:cNvPr id="186" name="直接连接符 36"/>
+          <p:cNvCxnSpPr>
+            <a:stCxn id="180" idx="1"/>
+            <a:endCxn id="184" idx="3"/>
+          </p:cNvCxnSpPr>
+          <p:nvPr/>
+        </p:nvCxnSpPr>
+        <p:spPr>
+          <a:xfrm rot="10800000" flipV="1">
+            <a:off x="12754294" y="8421772"/>
+            <a:ext cx="2814889" cy="137684"/>
+          </a:xfrm>
+          <a:prstGeom prst="bentConnector3">
+            <a:avLst>
+              <a:gd name="adj1" fmla="val 50000"/>
+            </a:avLst>
+          </a:prstGeom>
+          <a:ln w="25400">
+            <a:prstDash val="dash"/>
+          </a:ln>
+        </p:spPr>
+        <p:style>
+          <a:lnRef idx="1">
+            <a:schemeClr val="dk1"/>
+          </a:lnRef>
+          <a:fillRef idx="0">
+            <a:schemeClr val="dk1"/>
+          </a:fillRef>
+          <a:effectRef idx="0">
+            <a:schemeClr val="dk1"/>
+          </a:effectRef>
+          <a:fontRef idx="minor">
+            <a:schemeClr val="tx1"/>
+          </a:fontRef>
+        </p:style>
+      </p:cxnSp>
+      <p:cxnSp>
+        <p:nvCxnSpPr>
+          <p:cNvPr id="193" name="直接连接符 36"/>
+          <p:cNvCxnSpPr>
+            <a:stCxn id="168" idx="2"/>
+            <a:endCxn id="180" idx="0"/>
+          </p:cNvCxnSpPr>
+          <p:nvPr/>
+        </p:nvCxnSpPr>
+        <p:spPr>
+          <a:xfrm rot="16200000" flipH="1">
+            <a:off x="15974445" y="7658856"/>
+            <a:ext cx="497518" cy="308325"/>
+          </a:xfrm>
+          <a:prstGeom prst="bentConnector3">
+            <a:avLst>
+              <a:gd name="adj1" fmla="val 50000"/>
+            </a:avLst>
+          </a:prstGeom>
+          <a:ln w="25400"/>
+        </p:spPr>
+        <p:style>
+          <a:lnRef idx="1">
+            <a:schemeClr val="dk1"/>
+          </a:lnRef>
+          <a:fillRef idx="0">
+            <a:schemeClr val="dk1"/>
+          </a:fillRef>
+          <a:effectRef idx="0">
+            <a:schemeClr val="dk1"/>
+          </a:effectRef>
+          <a:fontRef idx="minor">
+            <a:schemeClr val="tx1"/>
+          </a:fontRef>
+        </p:style>
+      </p:cxnSp>
+      <p:cxnSp>
+        <p:nvCxnSpPr>
+          <p:cNvPr id="196" name="直接连接符 36"/>
+          <p:cNvCxnSpPr>
+            <a:stCxn id="175" idx="1"/>
+            <a:endCxn id="171" idx="2"/>
+          </p:cNvCxnSpPr>
+          <p:nvPr/>
+        </p:nvCxnSpPr>
+        <p:spPr>
+          <a:xfrm rot="10800000">
+            <a:off x="10935452" y="6518124"/>
+            <a:ext cx="2345925" cy="236031"/>
+          </a:xfrm>
+          <a:prstGeom prst="bentConnector2">
+            <a:avLst/>
+          </a:prstGeom>
+          <a:ln w="25400">
+            <a:prstDash val="dash"/>
+          </a:ln>
+        </p:spPr>
+        <p:style>
+          <a:lnRef idx="1">
+            <a:schemeClr val="dk1"/>
+          </a:lnRef>
+          <a:fillRef idx="0">
+            <a:schemeClr val="dk1"/>
+          </a:fillRef>
+          <a:effectRef idx="0">
+            <a:schemeClr val="dk1"/>
+          </a:effectRef>
+          <a:fontRef idx="minor">
+            <a:schemeClr val="tx1"/>
+          </a:fontRef>
+        </p:style>
+      </p:cxnSp>
+      <p:cxnSp>
+        <p:nvCxnSpPr>
+          <p:cNvPr id="197" name="直接连接符 36"/>
+          <p:cNvCxnSpPr>
+            <a:stCxn id="175" idx="1"/>
+            <a:endCxn id="173" idx="2"/>
+          </p:cNvCxnSpPr>
+          <p:nvPr/>
+        </p:nvCxnSpPr>
+        <p:spPr>
+          <a:xfrm rot="10800000">
+            <a:off x="11959559" y="6518124"/>
+            <a:ext cx="1321817" cy="236031"/>
+          </a:xfrm>
+          <a:prstGeom prst="bentConnector2">
+            <a:avLst/>
+          </a:prstGeom>
+          <a:ln w="25400">
+            <a:prstDash val="dash"/>
+          </a:ln>
+        </p:spPr>
+        <p:style>
+          <a:lnRef idx="1">
+            <a:schemeClr val="dk1"/>
+          </a:lnRef>
+          <a:fillRef idx="0">
+            <a:schemeClr val="dk1"/>
+          </a:fillRef>
+          <a:effectRef idx="0">
+            <a:schemeClr val="dk1"/>
+          </a:effectRef>
+          <a:fontRef idx="minor">
+            <a:schemeClr val="tx1"/>
+          </a:fontRef>
+        </p:style>
+      </p:cxnSp>
+      <p:cxnSp>
+        <p:nvCxnSpPr>
+          <p:cNvPr id="198" name="直接连接符 36"/>
+          <p:cNvCxnSpPr>
+            <a:stCxn id="175" idx="1"/>
+            <a:endCxn id="172" idx="0"/>
+          </p:cNvCxnSpPr>
+          <p:nvPr/>
+        </p:nvCxnSpPr>
+        <p:spPr>
+          <a:xfrm rot="10800000" flipV="1">
+            <a:off x="10935452" y="6754147"/>
+            <a:ext cx="2345925" cy="165306"/>
+          </a:xfrm>
+          <a:prstGeom prst="bentConnector2">
+            <a:avLst/>
+          </a:prstGeom>
+          <a:ln w="25400">
+            <a:prstDash val="dash"/>
+          </a:ln>
+        </p:spPr>
+        <p:style>
+          <a:lnRef idx="1">
+            <a:schemeClr val="dk1"/>
+          </a:lnRef>
+          <a:fillRef idx="0">
+            <a:schemeClr val="dk1"/>
+          </a:fillRef>
+          <a:effectRef idx="0">
+            <a:schemeClr val="dk1"/>
+          </a:effectRef>
+          <a:fontRef idx="minor">
+            <a:schemeClr val="tx1"/>
+          </a:fontRef>
+        </p:style>
+      </p:cxnSp>
+      <p:cxnSp>
+        <p:nvCxnSpPr>
+          <p:cNvPr id="199" name="直接连接符 36"/>
+          <p:cNvCxnSpPr>
+            <a:stCxn id="175" idx="1"/>
+            <a:endCxn id="174" idx="0"/>
+          </p:cNvCxnSpPr>
+          <p:nvPr/>
+        </p:nvCxnSpPr>
+        <p:spPr>
+          <a:xfrm rot="10800000" flipV="1">
+            <a:off x="11950454" y="6754147"/>
+            <a:ext cx="1330914" cy="165306"/>
+          </a:xfrm>
+          <a:prstGeom prst="bentConnector2">
+            <a:avLst/>
+          </a:prstGeom>
+          <a:ln w="25400">
+            <a:prstDash val="dash"/>
+          </a:ln>
+        </p:spPr>
+        <p:style>
+          <a:lnRef idx="1">
+            <a:schemeClr val="dk1"/>
+          </a:lnRef>
+          <a:fillRef idx="0">
+            <a:schemeClr val="dk1"/>
+          </a:fillRef>
+          <a:effectRef idx="0">
+            <a:schemeClr val="dk1"/>
+          </a:effectRef>
+          <a:fontRef idx="minor">
+            <a:schemeClr val="tx1"/>
+          </a:fontRef>
+        </p:style>
+      </p:cxnSp>
       <p:sp>
         <p:nvSpPr>
-          <p:cNvPr id="45" name="矩形 44"/>
+          <p:cNvPr id="208" name="椭圆 207"/>
           <p:cNvSpPr/>
           <p:nvPr/>
         </p:nvSpPr>
         <p:spPr>
           <a:xfrm>
-            <a:off x="6553483" y="5992132"/>
-            <a:ext cx="852804" cy="435592"/>
+            <a:off x="8237421" y="4713571"/>
+            <a:ext cx="90001" cy="90001"/>
+          </a:xfrm>
+          <a:prstGeom prst="ellipse">
+            <a:avLst/>
+          </a:prstGeom>
+          <a:solidFill>
+            <a:schemeClr val="accent4"/>
+          </a:solidFill>
+        </p:spPr>
+        <p:style>
+          <a:lnRef idx="2">
+            <a:schemeClr val="accent1">
+              <a:shade val="50000"/>
+            </a:schemeClr>
+          </a:lnRef>
+          <a:fillRef idx="1">
+            <a:schemeClr val="accent1"/>
+          </a:fillRef>
+          <a:effectRef idx="0">
+            <a:schemeClr val="accent1"/>
+          </a:effectRef>
+          <a:fontRef idx="minor">
+            <a:schemeClr val="lt1"/>
+          </a:fontRef>
+        </p:style>
+        <p:txBody>
+          <a:bodyPr rot="0" spcFirstLastPara="0" vertOverflow="overflow" horzOverflow="overflow" vert="horz" wrap="square" lIns="91439" tIns="45720" rIns="91439" bIns="45720" numCol="1" spcCol="0" rtlCol="0" fromWordArt="0" anchor="ctr" anchorCtr="0" forceAA="0" compatLnSpc="1">
+            <a:prstTxWarp prst="textNoShape">
+              <a:avLst/>
+            </a:prstTxWarp>
+            <a:noAutofit/>
+          </a:bodyPr>
+          <a:lstStyle/>
+          <a:p>
+            <a:pPr algn="ctr"/>
+            <a:endParaRPr lang="zh-CN" altLang="en-US">
+              <a:latin typeface="Consolas" panose="020B0609020204030204" pitchFamily="49" charset="0"/>
+            </a:endParaRPr>
+          </a:p>
+        </p:txBody>
+      </p:sp>
+      <p:cxnSp>
+        <p:nvCxnSpPr>
+          <p:cNvPr id="209" name="直接连接符 36"/>
+          <p:cNvCxnSpPr>
+            <a:stCxn id="208" idx="6"/>
+            <a:endCxn id="170" idx="0"/>
+          </p:cNvCxnSpPr>
+          <p:nvPr/>
+        </p:nvCxnSpPr>
+        <p:spPr>
+          <a:xfrm>
+            <a:off x="8327425" y="4758573"/>
+            <a:ext cx="3133811" cy="1187288"/>
+          </a:xfrm>
+          <a:prstGeom prst="bentConnector2">
+            <a:avLst/>
+          </a:prstGeom>
+          <a:ln w="25400"/>
+        </p:spPr>
+        <p:style>
+          <a:lnRef idx="1">
+            <a:schemeClr val="dk1"/>
+          </a:lnRef>
+          <a:fillRef idx="0">
+            <a:schemeClr val="dk1"/>
+          </a:fillRef>
+          <a:effectRef idx="0">
+            <a:schemeClr val="dk1"/>
+          </a:effectRef>
+          <a:fontRef idx="minor">
+            <a:schemeClr val="tx1"/>
+          </a:fontRef>
+        </p:style>
+      </p:cxnSp>
+      <p:cxnSp>
+        <p:nvCxnSpPr>
+          <p:cNvPr id="219" name="直接连接符 36"/>
+          <p:cNvCxnSpPr>
+            <a:stCxn id="208" idx="6"/>
+            <a:endCxn id="175" idx="0"/>
+          </p:cNvCxnSpPr>
+          <p:nvPr/>
+        </p:nvCxnSpPr>
+        <p:spPr>
+          <a:xfrm>
+            <a:off x="8327419" y="4758573"/>
+            <a:ext cx="5562236" cy="1187288"/>
+          </a:xfrm>
+          <a:prstGeom prst="bentConnector2">
+            <a:avLst/>
+          </a:prstGeom>
+          <a:ln w="25400"/>
+        </p:spPr>
+        <p:style>
+          <a:lnRef idx="1">
+            <a:schemeClr val="dk1"/>
+          </a:lnRef>
+          <a:fillRef idx="0">
+            <a:schemeClr val="dk1"/>
+          </a:fillRef>
+          <a:effectRef idx="0">
+            <a:schemeClr val="dk1"/>
+          </a:effectRef>
+          <a:fontRef idx="minor">
+            <a:schemeClr val="tx1"/>
+          </a:fontRef>
+        </p:style>
+      </p:cxnSp>
+      <p:cxnSp>
+        <p:nvCxnSpPr>
+          <p:cNvPr id="222" name="直接连接符 36"/>
+          <p:cNvCxnSpPr>
+            <a:endCxn id="168" idx="0"/>
+          </p:cNvCxnSpPr>
+          <p:nvPr/>
+        </p:nvCxnSpPr>
+        <p:spPr>
+          <a:xfrm>
+            <a:off x="8326742" y="4750531"/>
+            <a:ext cx="7742302" cy="1197151"/>
+          </a:xfrm>
+          <a:prstGeom prst="bentConnector2">
+            <a:avLst/>
+          </a:prstGeom>
+          <a:ln w="25400"/>
+        </p:spPr>
+        <p:style>
+          <a:lnRef idx="1">
+            <a:schemeClr val="dk1"/>
+          </a:lnRef>
+          <a:fillRef idx="0">
+            <a:schemeClr val="dk1"/>
+          </a:fillRef>
+          <a:effectRef idx="0">
+            <a:schemeClr val="dk1"/>
+          </a:effectRef>
+          <a:fontRef idx="minor">
+            <a:schemeClr val="tx1"/>
+          </a:fontRef>
+        </p:style>
+      </p:cxnSp>
+      <p:cxnSp>
+        <p:nvCxnSpPr>
+          <p:cNvPr id="225" name="直接连接符 36"/>
+          <p:cNvCxnSpPr>
+            <a:stCxn id="17" idx="3"/>
+            <a:endCxn id="130" idx="2"/>
+          </p:cNvCxnSpPr>
+          <p:nvPr/>
+        </p:nvCxnSpPr>
+        <p:spPr>
+          <a:xfrm>
+            <a:off x="7600083" y="4060713"/>
+            <a:ext cx="636661" cy="915650"/>
+          </a:xfrm>
+          <a:prstGeom prst="bentConnector3">
+            <a:avLst>
+              <a:gd name="adj1" fmla="val 50000"/>
+            </a:avLst>
+          </a:prstGeom>
+          <a:ln w="25400">
+            <a:prstDash val="dash"/>
+          </a:ln>
+        </p:spPr>
+        <p:style>
+          <a:lnRef idx="1">
+            <a:schemeClr val="dk1"/>
+          </a:lnRef>
+          <a:fillRef idx="0">
+            <a:schemeClr val="dk1"/>
+          </a:fillRef>
+          <a:effectRef idx="0">
+            <a:schemeClr val="dk1"/>
+          </a:effectRef>
+          <a:fontRef idx="minor">
+            <a:schemeClr val="tx1"/>
+          </a:fontRef>
+        </p:style>
+      </p:cxnSp>
+      <p:grpSp>
+        <p:nvGrpSpPr>
+          <p:cNvPr id="232" name="组合 231"/>
+          <p:cNvGrpSpPr/>
+          <p:nvPr/>
+        </p:nvGrpSpPr>
+        <p:grpSpPr>
+          <a:xfrm>
+            <a:off x="18027863" y="2924548"/>
+            <a:ext cx="3352865" cy="1529231"/>
+            <a:chOff x="18006141" y="1014702"/>
+            <a:chExt cx="3352864" cy="1529231"/>
+          </a:xfrm>
+        </p:grpSpPr>
+        <p:sp>
+          <p:nvSpPr>
+            <p:cNvPr id="230" name="矩形 229"/>
+            <p:cNvSpPr/>
+            <p:nvPr/>
+          </p:nvSpPr>
+          <p:spPr>
+            <a:xfrm>
+              <a:off x="18006141" y="1014702"/>
+              <a:ext cx="3352864" cy="1529231"/>
+            </a:xfrm>
+            <a:prstGeom prst="rect">
+              <a:avLst/>
+            </a:prstGeom>
+            <a:solidFill>
+              <a:schemeClr val="accent3">
+                <a:lumMod val="75000"/>
+              </a:schemeClr>
+            </a:solidFill>
+          </p:spPr>
+          <p:style>
+            <a:lnRef idx="2">
+              <a:schemeClr val="accent4">
+                <a:shade val="50000"/>
+              </a:schemeClr>
+            </a:lnRef>
+            <a:fillRef idx="1">
+              <a:schemeClr val="accent4"/>
+            </a:fillRef>
+            <a:effectRef idx="0">
+              <a:schemeClr val="accent4"/>
+            </a:effectRef>
+            <a:fontRef idx="minor">
+              <a:schemeClr val="lt1"/>
+            </a:fontRef>
+          </p:style>
+          <p:txBody>
+            <a:bodyPr rtlCol="0" anchor="ctr"/>
+            <a:lstStyle/>
+            <a:p>
+              <a:pPr algn="ctr"/>
+              <a:endParaRPr lang="zh-CN" altLang="en-US" dirty="0">
+                <a:latin typeface="Consolas" panose="020B0609020204030204" pitchFamily="49" charset="0"/>
+              </a:endParaRPr>
+            </a:p>
+          </p:txBody>
+        </p:sp>
+        <p:sp>
+          <p:nvSpPr>
+            <p:cNvPr id="231" name="文本框 230"/>
+            <p:cNvSpPr txBox="1"/>
+            <p:nvPr/>
+          </p:nvSpPr>
+          <p:spPr>
+            <a:xfrm>
+              <a:off x="18262378" y="1180477"/>
+              <a:ext cx="1577676" cy="369332"/>
+            </a:xfrm>
+            <a:prstGeom prst="rect">
+              <a:avLst/>
+            </a:prstGeom>
+            <a:noFill/>
+          </p:spPr>
+          <p:txBody>
+            <a:bodyPr wrap="none" rtlCol="0">
+              <a:spAutoFit/>
+            </a:bodyPr>
+            <a:lstStyle/>
+            <a:p>
+              <a:r>
+                <a:rPr lang="en-US" altLang="zh-CN" b="1" dirty="0">
+                  <a:latin typeface="Consolas" panose="020B0609020204030204" pitchFamily="49" charset="0"/>
+                </a:rPr>
+                <a:t>Game Server</a:t>
+              </a:r>
+              <a:endParaRPr lang="zh-CN" altLang="en-US" b="1" dirty="0">
+                <a:latin typeface="Consolas" panose="020B0609020204030204" pitchFamily="49" charset="0"/>
+              </a:endParaRPr>
+            </a:p>
+          </p:txBody>
+        </p:sp>
+      </p:grpSp>
+      <p:grpSp>
+        <p:nvGrpSpPr>
+          <p:cNvPr id="233" name="组合 232"/>
+          <p:cNvGrpSpPr/>
+          <p:nvPr/>
+        </p:nvGrpSpPr>
+        <p:grpSpPr>
+          <a:xfrm>
+            <a:off x="18001417" y="5370793"/>
+            <a:ext cx="3352865" cy="1529231"/>
+            <a:chOff x="18006141" y="1014702"/>
+            <a:chExt cx="3352864" cy="1529231"/>
+          </a:xfrm>
+        </p:grpSpPr>
+        <p:sp>
+          <p:nvSpPr>
+            <p:cNvPr id="234" name="矩形 233"/>
+            <p:cNvSpPr/>
+            <p:nvPr/>
+          </p:nvSpPr>
+          <p:spPr>
+            <a:xfrm>
+              <a:off x="18006141" y="1014702"/>
+              <a:ext cx="3352864" cy="1529231"/>
+            </a:xfrm>
+            <a:prstGeom prst="rect">
+              <a:avLst/>
+            </a:prstGeom>
+            <a:solidFill>
+              <a:schemeClr val="accent3">
+                <a:lumMod val="75000"/>
+              </a:schemeClr>
+            </a:solidFill>
+          </p:spPr>
+          <p:style>
+            <a:lnRef idx="2">
+              <a:schemeClr val="accent4">
+                <a:shade val="50000"/>
+              </a:schemeClr>
+            </a:lnRef>
+            <a:fillRef idx="1">
+              <a:schemeClr val="accent4"/>
+            </a:fillRef>
+            <a:effectRef idx="0">
+              <a:schemeClr val="accent4"/>
+            </a:effectRef>
+            <a:fontRef idx="minor">
+              <a:schemeClr val="lt1"/>
+            </a:fontRef>
+          </p:style>
+          <p:txBody>
+            <a:bodyPr rtlCol="0" anchor="ctr"/>
+            <a:lstStyle/>
+            <a:p>
+              <a:pPr algn="ctr"/>
+              <a:endParaRPr lang="zh-CN" altLang="en-US" dirty="0">
+                <a:latin typeface="Consolas" panose="020B0609020204030204" pitchFamily="49" charset="0"/>
+              </a:endParaRPr>
+            </a:p>
+          </p:txBody>
+        </p:sp>
+        <p:sp>
+          <p:nvSpPr>
+            <p:cNvPr id="235" name="文本框 234"/>
+            <p:cNvSpPr txBox="1"/>
+            <p:nvPr/>
+          </p:nvSpPr>
+          <p:spPr>
+            <a:xfrm>
+              <a:off x="18262378" y="1180477"/>
+              <a:ext cx="1577676" cy="369332"/>
+            </a:xfrm>
+            <a:prstGeom prst="rect">
+              <a:avLst/>
+            </a:prstGeom>
+            <a:noFill/>
+          </p:spPr>
+          <p:txBody>
+            <a:bodyPr wrap="none" rtlCol="0">
+              <a:spAutoFit/>
+            </a:bodyPr>
+            <a:lstStyle/>
+            <a:p>
+              <a:r>
+                <a:rPr lang="en-US" altLang="zh-CN" b="1" dirty="0">
+                  <a:latin typeface="Consolas" panose="020B0609020204030204" pitchFamily="49" charset="0"/>
+                </a:rPr>
+                <a:t>Game Server</a:t>
+              </a:r>
+              <a:endParaRPr lang="zh-CN" altLang="en-US" b="1" dirty="0">
+                <a:latin typeface="Consolas" panose="020B0609020204030204" pitchFamily="49" charset="0"/>
+              </a:endParaRPr>
+            </a:p>
+          </p:txBody>
+        </p:sp>
+      </p:grpSp>
+      <p:grpSp>
+        <p:nvGrpSpPr>
+          <p:cNvPr id="237" name="组合 236"/>
+          <p:cNvGrpSpPr/>
+          <p:nvPr/>
+        </p:nvGrpSpPr>
+        <p:grpSpPr>
+          <a:xfrm>
+            <a:off x="18001417" y="7322645"/>
+            <a:ext cx="3352865" cy="1529231"/>
+            <a:chOff x="18006141" y="1014702"/>
+            <a:chExt cx="3352864" cy="1529231"/>
+          </a:xfrm>
+        </p:grpSpPr>
+        <p:sp>
+          <p:nvSpPr>
+            <p:cNvPr id="238" name="矩形 237"/>
+            <p:cNvSpPr/>
+            <p:nvPr/>
+          </p:nvSpPr>
+          <p:spPr>
+            <a:xfrm>
+              <a:off x="18006141" y="1014702"/>
+              <a:ext cx="3352864" cy="1529231"/>
+            </a:xfrm>
+            <a:prstGeom prst="rect">
+              <a:avLst/>
+            </a:prstGeom>
+            <a:solidFill>
+              <a:schemeClr val="accent3">
+                <a:lumMod val="75000"/>
+              </a:schemeClr>
+            </a:solidFill>
+          </p:spPr>
+          <p:style>
+            <a:lnRef idx="2">
+              <a:schemeClr val="accent4">
+                <a:shade val="50000"/>
+              </a:schemeClr>
+            </a:lnRef>
+            <a:fillRef idx="1">
+              <a:schemeClr val="accent4"/>
+            </a:fillRef>
+            <a:effectRef idx="0">
+              <a:schemeClr val="accent4"/>
+            </a:effectRef>
+            <a:fontRef idx="minor">
+              <a:schemeClr val="lt1"/>
+            </a:fontRef>
+          </p:style>
+          <p:txBody>
+            <a:bodyPr rtlCol="0" anchor="ctr"/>
+            <a:lstStyle/>
+            <a:p>
+              <a:pPr algn="ctr"/>
+              <a:endParaRPr lang="zh-CN" altLang="en-US" dirty="0">
+                <a:latin typeface="Consolas" panose="020B0609020204030204" pitchFamily="49" charset="0"/>
+              </a:endParaRPr>
+            </a:p>
+          </p:txBody>
+        </p:sp>
+        <p:sp>
+          <p:nvSpPr>
+            <p:cNvPr id="239" name="文本框 238"/>
+            <p:cNvSpPr txBox="1"/>
+            <p:nvPr/>
+          </p:nvSpPr>
+          <p:spPr>
+            <a:xfrm>
+              <a:off x="18262378" y="1180477"/>
+              <a:ext cx="1577676" cy="369332"/>
+            </a:xfrm>
+            <a:prstGeom prst="rect">
+              <a:avLst/>
+            </a:prstGeom>
+            <a:noFill/>
+          </p:spPr>
+          <p:txBody>
+            <a:bodyPr wrap="none" rtlCol="0">
+              <a:spAutoFit/>
+            </a:bodyPr>
+            <a:lstStyle/>
+            <a:p>
+              <a:r>
+                <a:rPr lang="en-US" altLang="zh-CN" b="1" dirty="0">
+                  <a:latin typeface="Consolas" panose="020B0609020204030204" pitchFamily="49" charset="0"/>
+                </a:rPr>
+                <a:t>Game Server</a:t>
+              </a:r>
+              <a:endParaRPr lang="zh-CN" altLang="en-US" b="1" dirty="0">
+                <a:latin typeface="Consolas" panose="020B0609020204030204" pitchFamily="49" charset="0"/>
+              </a:endParaRPr>
+            </a:p>
+          </p:txBody>
+        </p:sp>
+      </p:grpSp>
+      <p:sp>
+        <p:nvSpPr>
+          <p:cNvPr id="240" name="菱形 239"/>
+          <p:cNvSpPr/>
+          <p:nvPr/>
+        </p:nvSpPr>
+        <p:spPr>
+          <a:xfrm>
+            <a:off x="13709654" y="3726099"/>
+            <a:ext cx="360000" cy="360000"/>
+          </a:xfrm>
+          <a:prstGeom prst="diamond">
+            <a:avLst/>
+          </a:prstGeom>
+          <a:solidFill>
+            <a:schemeClr val="accent4">
+              <a:lumMod val="40000"/>
+              <a:lumOff val="60000"/>
+            </a:schemeClr>
+          </a:solidFill>
+        </p:spPr>
+        <p:style>
+          <a:lnRef idx="2">
+            <a:schemeClr val="accent1">
+              <a:shade val="50000"/>
+            </a:schemeClr>
+          </a:lnRef>
+          <a:fillRef idx="1">
+            <a:schemeClr val="accent1"/>
+          </a:fillRef>
+          <a:effectRef idx="0">
+            <a:schemeClr val="accent1"/>
+          </a:effectRef>
+          <a:fontRef idx="minor">
+            <a:schemeClr val="lt1"/>
+          </a:fontRef>
+        </p:style>
+        <p:txBody>
+          <a:bodyPr rot="0" spcFirstLastPara="0" vertOverflow="overflow" horzOverflow="overflow" vert="horz" wrap="square" lIns="91439" tIns="45720" rIns="91439" bIns="45720" numCol="1" spcCol="0" rtlCol="0" fromWordArt="0" anchor="ctr" anchorCtr="0" forceAA="0" compatLnSpc="1">
+            <a:prstTxWarp prst="textNoShape">
+              <a:avLst/>
+            </a:prstTxWarp>
+            <a:noAutofit/>
+          </a:bodyPr>
+          <a:lstStyle/>
+          <a:p>
+            <a:pPr algn="ctr"/>
+            <a:endParaRPr lang="zh-CN" altLang="en-US">
+              <a:latin typeface="Consolas" panose="020B0609020204030204" pitchFamily="49" charset="0"/>
+            </a:endParaRPr>
+          </a:p>
+        </p:txBody>
+      </p:sp>
+      <p:cxnSp>
+        <p:nvCxnSpPr>
+          <p:cNvPr id="241" name="直接连接符 36"/>
+          <p:cNvCxnSpPr>
+            <a:stCxn id="240" idx="3"/>
+            <a:endCxn id="230" idx="1"/>
+          </p:cNvCxnSpPr>
+          <p:nvPr/>
+        </p:nvCxnSpPr>
+        <p:spPr>
+          <a:xfrm flipV="1">
+            <a:off x="14069654" y="3689163"/>
+            <a:ext cx="3958208" cy="216936"/>
+          </a:xfrm>
+          <a:prstGeom prst="bentConnector3">
+            <a:avLst>
+              <a:gd name="adj1" fmla="val 93556"/>
+            </a:avLst>
+          </a:prstGeom>
+          <a:ln w="25400">
+            <a:prstDash val="sysDot"/>
+          </a:ln>
+        </p:spPr>
+        <p:style>
+          <a:lnRef idx="1">
+            <a:schemeClr val="dk1"/>
+          </a:lnRef>
+          <a:fillRef idx="0">
+            <a:schemeClr val="dk1"/>
+          </a:fillRef>
+          <a:effectRef idx="0">
+            <a:schemeClr val="dk1"/>
+          </a:effectRef>
+          <a:fontRef idx="minor">
+            <a:schemeClr val="tx1"/>
+          </a:fontRef>
+        </p:style>
+      </p:cxnSp>
+      <p:cxnSp>
+        <p:nvCxnSpPr>
+          <p:cNvPr id="244" name="直接连接符 36"/>
+          <p:cNvCxnSpPr>
+            <a:stCxn id="240" idx="3"/>
+            <a:endCxn id="234" idx="1"/>
+          </p:cNvCxnSpPr>
+          <p:nvPr/>
+        </p:nvCxnSpPr>
+        <p:spPr>
+          <a:xfrm>
+            <a:off x="14069662" y="3906102"/>
+            <a:ext cx="3931759" cy="2229302"/>
+          </a:xfrm>
+          <a:prstGeom prst="bentConnector3">
+            <a:avLst>
+              <a:gd name="adj1" fmla="val 94212"/>
+            </a:avLst>
+          </a:prstGeom>
+          <a:ln w="25400">
+            <a:prstDash val="sysDot"/>
+          </a:ln>
+        </p:spPr>
+        <p:style>
+          <a:lnRef idx="1">
+            <a:schemeClr val="dk1"/>
+          </a:lnRef>
+          <a:fillRef idx="0">
+            <a:schemeClr val="dk1"/>
+          </a:fillRef>
+          <a:effectRef idx="0">
+            <a:schemeClr val="dk1"/>
+          </a:effectRef>
+          <a:fontRef idx="minor">
+            <a:schemeClr val="tx1"/>
+          </a:fontRef>
+        </p:style>
+      </p:cxnSp>
+      <p:cxnSp>
+        <p:nvCxnSpPr>
+          <p:cNvPr id="250" name="直接连接符 36"/>
+          <p:cNvCxnSpPr>
+            <a:stCxn id="240" idx="3"/>
+            <a:endCxn id="238" idx="1"/>
+          </p:cNvCxnSpPr>
+          <p:nvPr/>
+        </p:nvCxnSpPr>
+        <p:spPr>
+          <a:xfrm>
+            <a:off x="14069662" y="3906101"/>
+            <a:ext cx="3931759" cy="4181152"/>
+          </a:xfrm>
+          <a:prstGeom prst="bentConnector3">
+            <a:avLst>
+              <a:gd name="adj1" fmla="val 94212"/>
+            </a:avLst>
+          </a:prstGeom>
+          <a:ln w="25400" cmpd="sng">
+            <a:prstDash val="sysDot"/>
+          </a:ln>
+        </p:spPr>
+        <p:style>
+          <a:lnRef idx="1">
+            <a:schemeClr val="dk1"/>
+          </a:lnRef>
+          <a:fillRef idx="0">
+            <a:schemeClr val="dk1"/>
+          </a:fillRef>
+          <a:effectRef idx="0">
+            <a:schemeClr val="dk1"/>
+          </a:effectRef>
+          <a:fontRef idx="minor">
+            <a:schemeClr val="tx1"/>
+          </a:fontRef>
+        </p:style>
+      </p:cxnSp>
+      <p:cxnSp>
+        <p:nvCxnSpPr>
+          <p:cNvPr id="258" name="直接连接符 36"/>
+          <p:cNvCxnSpPr>
+            <a:stCxn id="240" idx="1"/>
+            <a:endCxn id="12" idx="3"/>
+          </p:cNvCxnSpPr>
+          <p:nvPr/>
+        </p:nvCxnSpPr>
+        <p:spPr>
+          <a:xfrm rot="10800000" flipV="1">
+            <a:off x="9597858" y="3906103"/>
+            <a:ext cx="4111796" cy="2279009"/>
+          </a:xfrm>
+          <a:prstGeom prst="bentConnector3">
+            <a:avLst>
+              <a:gd name="adj1" fmla="val 96330"/>
+            </a:avLst>
+          </a:prstGeom>
+          <a:ln w="25400" cmpd="sng">
+            <a:prstDash val="sysDot"/>
+          </a:ln>
+        </p:spPr>
+        <p:style>
+          <a:lnRef idx="1">
+            <a:schemeClr val="dk1"/>
+          </a:lnRef>
+          <a:fillRef idx="0">
+            <a:schemeClr val="dk1"/>
+          </a:fillRef>
+          <a:effectRef idx="0">
+            <a:schemeClr val="dk1"/>
+          </a:effectRef>
+          <a:fontRef idx="minor">
+            <a:schemeClr val="tx1"/>
+          </a:fontRef>
+        </p:style>
+      </p:cxnSp>
+      <p:grpSp>
+        <p:nvGrpSpPr>
+          <p:cNvPr id="341" name="组合 340"/>
+          <p:cNvGrpSpPr/>
+          <p:nvPr/>
+        </p:nvGrpSpPr>
+        <p:grpSpPr>
+          <a:xfrm>
+            <a:off x="13964192" y="2221004"/>
+            <a:ext cx="3352865" cy="1104355"/>
+            <a:chOff x="14125179" y="4088802"/>
+            <a:chExt cx="3352865" cy="1104355"/>
+          </a:xfrm>
+        </p:grpSpPr>
+        <p:grpSp>
+          <p:nvGrpSpPr>
+            <p:cNvPr id="266" name="组合 265"/>
+            <p:cNvGrpSpPr/>
+            <p:nvPr/>
+          </p:nvGrpSpPr>
+          <p:grpSpPr>
+            <a:xfrm>
+              <a:off x="14125179" y="4088802"/>
+              <a:ext cx="3352865" cy="1104355"/>
+              <a:chOff x="18006141" y="1014702"/>
+              <a:chExt cx="3352864" cy="1529231"/>
+            </a:xfrm>
+          </p:grpSpPr>
+          <p:sp>
+            <p:nvSpPr>
+              <p:cNvPr id="267" name="矩形 266"/>
+              <p:cNvSpPr/>
+              <p:nvPr/>
+            </p:nvSpPr>
+            <p:spPr>
+              <a:xfrm>
+                <a:off x="18006141" y="1014702"/>
+                <a:ext cx="3352864" cy="1529231"/>
+              </a:xfrm>
+              <a:prstGeom prst="rect">
+                <a:avLst/>
+              </a:prstGeom>
+              <a:solidFill>
+                <a:schemeClr val="accent4">
+                  <a:lumMod val="75000"/>
+                </a:schemeClr>
+              </a:solidFill>
+            </p:spPr>
+            <p:style>
+              <a:lnRef idx="2">
+                <a:schemeClr val="accent4">
+                  <a:shade val="50000"/>
+                </a:schemeClr>
+              </a:lnRef>
+              <a:fillRef idx="1">
+                <a:schemeClr val="accent4"/>
+              </a:fillRef>
+              <a:effectRef idx="0">
+                <a:schemeClr val="accent4"/>
+              </a:effectRef>
+              <a:fontRef idx="minor">
+                <a:schemeClr val="lt1"/>
+              </a:fontRef>
+            </p:style>
+            <p:txBody>
+              <a:bodyPr rtlCol="0" anchor="ctr"/>
+              <a:lstStyle/>
+              <a:p>
+                <a:pPr algn="ctr"/>
+                <a:endParaRPr lang="zh-CN" altLang="en-US" dirty="0">
+                  <a:latin typeface="Consolas" panose="020B0609020204030204" pitchFamily="49" charset="0"/>
+                </a:endParaRPr>
+              </a:p>
+            </p:txBody>
+          </p:sp>
+          <p:sp>
+            <p:nvSpPr>
+              <p:cNvPr id="268" name="文本框 267"/>
+              <p:cNvSpPr txBox="1"/>
+              <p:nvPr/>
+            </p:nvSpPr>
+            <p:spPr>
+              <a:xfrm>
+                <a:off x="18262378" y="1180477"/>
+                <a:ext cx="1830949" cy="511424"/>
+              </a:xfrm>
+              <a:prstGeom prst="rect">
+                <a:avLst/>
+              </a:prstGeom>
+              <a:noFill/>
+            </p:spPr>
+            <p:txBody>
+              <a:bodyPr wrap="none" rtlCol="0">
+                <a:spAutoFit/>
+              </a:bodyPr>
+              <a:lstStyle/>
+              <a:p>
+                <a:r>
+                  <a:rPr lang="en-US" altLang="zh-CN" b="1" dirty="0">
+                    <a:latin typeface="Consolas" panose="020B0609020204030204" pitchFamily="49" charset="0"/>
+                  </a:rPr>
+                  <a:t>Remote Server</a:t>
+                </a:r>
+                <a:endParaRPr lang="zh-CN" altLang="en-US" b="1" dirty="0">
+                  <a:latin typeface="Consolas" panose="020B0609020204030204" pitchFamily="49" charset="0"/>
+                </a:endParaRPr>
+              </a:p>
+            </p:txBody>
+          </p:sp>
+        </p:grpSp>
+        <p:sp>
+          <p:nvSpPr>
+            <p:cNvPr id="269" name="菱形 268"/>
+            <p:cNvSpPr/>
+            <p:nvPr/>
+          </p:nvSpPr>
+          <p:spPr>
+            <a:xfrm>
+              <a:off x="15691788" y="4571698"/>
+              <a:ext cx="360000" cy="360000"/>
+            </a:xfrm>
+            <a:prstGeom prst="diamond">
+              <a:avLst/>
+            </a:prstGeom>
+            <a:solidFill>
+              <a:schemeClr val="accent4">
+                <a:lumMod val="40000"/>
+                <a:lumOff val="60000"/>
+              </a:schemeClr>
+            </a:solidFill>
+          </p:spPr>
+          <p:style>
+            <a:lnRef idx="2">
+              <a:schemeClr val="accent1">
+                <a:shade val="50000"/>
+              </a:schemeClr>
+            </a:lnRef>
+            <a:fillRef idx="1">
+              <a:schemeClr val="accent1"/>
+            </a:fillRef>
+            <a:effectRef idx="0">
+              <a:schemeClr val="accent1"/>
+            </a:effectRef>
+            <a:fontRef idx="minor">
+              <a:schemeClr val="lt1"/>
+            </a:fontRef>
+          </p:style>
+          <p:txBody>
+            <a:bodyPr rot="0" spcFirstLastPara="0" vertOverflow="overflow" horzOverflow="overflow" vert="horz" wrap="square" lIns="91439" tIns="45720" rIns="91439" bIns="45720" numCol="1" spcCol="0" rtlCol="0" fromWordArt="0" anchor="ctr" anchorCtr="0" forceAA="0" compatLnSpc="1">
+              <a:prstTxWarp prst="textNoShape">
+                <a:avLst/>
+              </a:prstTxWarp>
+              <a:noAutofit/>
+            </a:bodyPr>
+            <a:lstStyle/>
+            <a:p>
+              <a:pPr algn="ctr"/>
+              <a:endParaRPr lang="zh-CN" altLang="en-US">
+                <a:latin typeface="Consolas" panose="020B0609020204030204" pitchFamily="49" charset="0"/>
+              </a:endParaRPr>
+            </a:p>
+          </p:txBody>
+        </p:sp>
+      </p:grpSp>
+      <p:grpSp>
+        <p:nvGrpSpPr>
+          <p:cNvPr id="300" name="组合 299"/>
+          <p:cNvGrpSpPr/>
+          <p:nvPr/>
+        </p:nvGrpSpPr>
+        <p:grpSpPr>
+          <a:xfrm>
+            <a:off x="17317057" y="677513"/>
+            <a:ext cx="3352865" cy="1104355"/>
+            <a:chOff x="14120354" y="2768106"/>
+            <a:chExt cx="3352865" cy="1104355"/>
+          </a:xfrm>
+        </p:grpSpPr>
+        <p:grpSp>
+          <p:nvGrpSpPr>
+            <p:cNvPr id="255" name="组合 254"/>
+            <p:cNvGrpSpPr/>
+            <p:nvPr/>
+          </p:nvGrpSpPr>
+          <p:grpSpPr>
+            <a:xfrm>
+              <a:off x="14120354" y="2768106"/>
+              <a:ext cx="3352865" cy="1104355"/>
+              <a:chOff x="18006141" y="1014702"/>
+              <a:chExt cx="3352864" cy="1529231"/>
+            </a:xfrm>
+          </p:grpSpPr>
+          <p:sp>
+            <p:nvSpPr>
+              <p:cNvPr id="256" name="矩形 255"/>
+              <p:cNvSpPr/>
+              <p:nvPr/>
+            </p:nvSpPr>
+            <p:spPr>
+              <a:xfrm>
+                <a:off x="18006141" y="1014702"/>
+                <a:ext cx="3352864" cy="1529231"/>
+              </a:xfrm>
+              <a:prstGeom prst="rect">
+                <a:avLst/>
+              </a:prstGeom>
+              <a:solidFill>
+                <a:schemeClr val="accent6">
+                  <a:lumMod val="60000"/>
+                  <a:lumOff val="40000"/>
+                </a:schemeClr>
+              </a:solidFill>
+            </p:spPr>
+            <p:style>
+              <a:lnRef idx="2">
+                <a:schemeClr val="accent4">
+                  <a:shade val="50000"/>
+                </a:schemeClr>
+              </a:lnRef>
+              <a:fillRef idx="1">
+                <a:schemeClr val="accent4"/>
+              </a:fillRef>
+              <a:effectRef idx="0">
+                <a:schemeClr val="accent4"/>
+              </a:effectRef>
+              <a:fontRef idx="minor">
+                <a:schemeClr val="lt1"/>
+              </a:fontRef>
+            </p:style>
+            <p:txBody>
+              <a:bodyPr rtlCol="0" anchor="ctr"/>
+              <a:lstStyle/>
+              <a:p>
+                <a:pPr algn="ctr"/>
+                <a:endParaRPr lang="zh-CN" altLang="en-US" dirty="0">
+                  <a:latin typeface="Consolas" panose="020B0609020204030204" pitchFamily="49" charset="0"/>
+                </a:endParaRPr>
+              </a:p>
+            </p:txBody>
+          </p:sp>
+          <p:sp>
+            <p:nvSpPr>
+              <p:cNvPr id="257" name="文本框 256"/>
+              <p:cNvSpPr txBox="1"/>
+              <p:nvPr/>
+            </p:nvSpPr>
+            <p:spPr>
+              <a:xfrm>
+                <a:off x="18262378" y="1180477"/>
+                <a:ext cx="1830949" cy="511424"/>
+              </a:xfrm>
+              <a:prstGeom prst="rect">
+                <a:avLst/>
+              </a:prstGeom>
+              <a:noFill/>
+            </p:spPr>
+            <p:txBody>
+              <a:bodyPr wrap="none" rtlCol="0">
+                <a:spAutoFit/>
+              </a:bodyPr>
+              <a:lstStyle/>
+              <a:p>
+                <a:r>
+                  <a:rPr lang="en-US" altLang="zh-CN" b="1" dirty="0">
+                    <a:latin typeface="Consolas" panose="020B0609020204030204" pitchFamily="49" charset="0"/>
+                  </a:rPr>
+                  <a:t>Daemon Server</a:t>
+                </a:r>
+                <a:endParaRPr lang="zh-CN" altLang="en-US" b="1" dirty="0">
+                  <a:latin typeface="Consolas" panose="020B0609020204030204" pitchFamily="49" charset="0"/>
+                </a:endParaRPr>
+              </a:p>
+            </p:txBody>
+          </p:sp>
+        </p:grpSp>
+        <p:sp>
+          <p:nvSpPr>
+            <p:cNvPr id="270" name="等腰三角形 269"/>
+            <p:cNvSpPr/>
+            <p:nvPr/>
+          </p:nvSpPr>
+          <p:spPr>
+            <a:xfrm>
+              <a:off x="15615866" y="3334001"/>
+              <a:ext cx="360000" cy="360000"/>
+            </a:xfrm>
+            <a:prstGeom prst="triangle">
+              <a:avLst/>
+            </a:prstGeom>
+            <a:solidFill>
+              <a:srgbClr val="7030A0"/>
+            </a:solidFill>
+          </p:spPr>
+          <p:style>
+            <a:lnRef idx="2">
+              <a:schemeClr val="accent1">
+                <a:shade val="50000"/>
+              </a:schemeClr>
+            </a:lnRef>
+            <a:fillRef idx="1">
+              <a:schemeClr val="accent1"/>
+            </a:fillRef>
+            <a:effectRef idx="0">
+              <a:schemeClr val="accent1"/>
+            </a:effectRef>
+            <a:fontRef idx="minor">
+              <a:schemeClr val="lt1"/>
+            </a:fontRef>
+          </p:style>
+          <p:txBody>
+            <a:bodyPr rot="0" spcFirstLastPara="0" vertOverflow="overflow" horzOverflow="overflow" vert="horz" wrap="square" lIns="91440" tIns="45720" rIns="91440" bIns="45720" numCol="1" spcCol="0" rtlCol="0" fromWordArt="0" anchor="ctr" anchorCtr="0" forceAA="0" compatLnSpc="1">
+              <a:prstTxWarp prst="textNoShape">
+                <a:avLst/>
+              </a:prstTxWarp>
+              <a:noAutofit/>
+            </a:bodyPr>
+            <a:lstStyle/>
+            <a:p>
+              <a:pPr algn="ctr"/>
+              <a:endParaRPr lang="zh-CN" altLang="en-US">
+                <a:latin typeface="Consolas" panose="020B0609020204030204" pitchFamily="49" charset="0"/>
+              </a:endParaRPr>
+            </a:p>
+          </p:txBody>
+        </p:sp>
+      </p:grpSp>
+      <p:graphicFrame>
+        <p:nvGraphicFramePr>
+          <p:cNvPr id="274" name="表格 273"/>
+          <p:cNvGraphicFramePr>
+            <a:graphicFrameLocks noGrp="1"/>
+          </p:cNvGraphicFramePr>
+          <p:nvPr>
+            <p:extLst>
+              <p:ext uri="{D42A27DB-BD31-4B8C-83A1-F6EECF244321}">
+                <p14:modId xmlns:p14="http://schemas.microsoft.com/office/powerpoint/2010/main" val="2037883254"/>
+              </p:ext>
+            </p:extLst>
+          </p:nvPr>
+        </p:nvGraphicFramePr>
+        <p:xfrm>
+          <a:off x="294754" y="9493758"/>
+          <a:ext cx="7305325" cy="2595880"/>
+        </p:xfrm>
+        <a:graphic>
+          <a:graphicData uri="http://schemas.openxmlformats.org/drawingml/2006/table">
+            <a:tbl>
+              <a:tblPr firstRow="1" bandRow="1">
+                <a:tableStyleId>{D7AC3CCA-C797-4891-BE02-D94E43425B78}</a:tableStyleId>
+              </a:tblPr>
+              <a:tblGrid>
+                <a:gridCol w="2074704">
+                  <a:extLst>
+                    <a:ext uri="{9D8B030D-6E8A-4147-A177-3AD203B41FA5}">
+                      <a16:colId xmlns:a16="http://schemas.microsoft.com/office/drawing/2014/main" val="2981313540"/>
+                    </a:ext>
+                  </a:extLst>
+                </a:gridCol>
+                <a:gridCol w="805728">
+                  <a:extLst>
+                    <a:ext uri="{9D8B030D-6E8A-4147-A177-3AD203B41FA5}">
+                      <a16:colId xmlns:a16="http://schemas.microsoft.com/office/drawing/2014/main" val="3581231599"/>
+                    </a:ext>
+                  </a:extLst>
+                </a:gridCol>
+                <a:gridCol w="4424893">
+                  <a:extLst>
+                    <a:ext uri="{9D8B030D-6E8A-4147-A177-3AD203B41FA5}">
+                      <a16:colId xmlns:a16="http://schemas.microsoft.com/office/drawing/2014/main" val="1290394113"/>
+                    </a:ext>
+                  </a:extLst>
+                </a:gridCol>
+              </a:tblGrid>
+              <a:tr h="370840">
+                <a:tc gridSpan="3">
+                  <a:txBody>
+                    <a:bodyPr/>
+                    <a:lstStyle/>
+                    <a:p>
+                      <a:pPr algn="ctr"/>
+                      <a:r>
+                        <a:rPr lang="zh-CN" altLang="en-US" sz="1800" dirty="0" smtClean="0">
+                          <a:latin typeface="Consolas" panose="020B0609020204030204" pitchFamily="49" charset="0"/>
+                        </a:rPr>
+                        <a:t>服务器配置说明</a:t>
+                      </a:r>
+                      <a:endParaRPr lang="zh-CN" altLang="en-US" sz="1800" dirty="0">
+                        <a:latin typeface="Consolas" panose="020B0609020204030204" pitchFamily="49" charset="0"/>
+                      </a:endParaRPr>
+                    </a:p>
+                  </a:txBody>
+                  <a:tcPr/>
+                </a:tc>
+                <a:tc hMerge="1">
+                  <a:txBody>
+                    <a:bodyPr/>
+                    <a:lstStyle/>
+                    <a:p>
+                      <a:endParaRPr lang="zh-CN" altLang="en-US"/>
+                    </a:p>
+                  </a:txBody>
+                  <a:tcPr/>
+                </a:tc>
+                <a:tc hMerge="1">
+                  <a:txBody>
+                    <a:bodyPr/>
+                    <a:lstStyle/>
+                    <a:p>
+                      <a:endParaRPr lang="zh-CN" altLang="en-US" dirty="0"/>
+                    </a:p>
+                  </a:txBody>
+                  <a:tcPr/>
+                </a:tc>
+                <a:extLst>
+                  <a:ext uri="{0D108BD9-81ED-4DB2-BD59-A6C34878D82A}">
+                    <a16:rowId xmlns:a16="http://schemas.microsoft.com/office/drawing/2014/main" val="1862489120"/>
+                  </a:ext>
+                </a:extLst>
+              </a:tr>
+              <a:tr h="370840">
+                <a:tc>
+                  <a:txBody>
+                    <a:bodyPr/>
+                    <a:lstStyle/>
+                    <a:p>
+                      <a:pPr algn="r"/>
+                      <a:r>
+                        <a:rPr lang="en-US" altLang="zh-CN" sz="1800" dirty="0" smtClean="0">
+                          <a:latin typeface="Consolas" panose="020B0609020204030204" pitchFamily="49" charset="0"/>
+                        </a:rPr>
+                        <a:t>Client</a:t>
+                      </a:r>
+                      <a:endParaRPr lang="zh-CN" altLang="en-US" sz="1800" dirty="0">
+                        <a:latin typeface="Consolas" panose="020B0609020204030204" pitchFamily="49" charset="0"/>
+                      </a:endParaRPr>
+                    </a:p>
+                  </a:txBody>
+                  <a:tcPr/>
+                </a:tc>
+                <a:tc>
+                  <a:txBody>
+                    <a:bodyPr/>
+                    <a:lstStyle/>
+                    <a:p>
+                      <a:pPr algn="ctr"/>
+                      <a:r>
+                        <a:rPr lang="en-US" altLang="zh-CN" sz="1800" dirty="0" smtClean="0">
+                          <a:latin typeface="Consolas" panose="020B0609020204030204" pitchFamily="49" charset="0"/>
+                        </a:rPr>
+                        <a:t>n</a:t>
+                      </a:r>
+                      <a:endParaRPr lang="zh-CN" altLang="en-US" sz="1800" dirty="0">
+                        <a:latin typeface="Consolas" panose="020B0609020204030204" pitchFamily="49" charset="0"/>
+                      </a:endParaRPr>
+                    </a:p>
+                  </a:txBody>
+                  <a:tcPr/>
+                </a:tc>
+                <a:tc>
+                  <a:txBody>
+                    <a:bodyPr/>
+                    <a:lstStyle/>
+                    <a:p>
+                      <a:pPr algn="l"/>
+                      <a:r>
+                        <a:rPr lang="zh-CN" altLang="en-US" sz="1800" dirty="0" smtClean="0">
+                          <a:latin typeface="Consolas" panose="020B0609020204030204" pitchFamily="49" charset="0"/>
+                        </a:rPr>
+                        <a:t>客户端，支持多端运行</a:t>
+                      </a:r>
+                      <a:endParaRPr lang="zh-CN" altLang="en-US" sz="1800" dirty="0">
+                        <a:latin typeface="Consolas" panose="020B0609020204030204" pitchFamily="49" charset="0"/>
+                      </a:endParaRPr>
+                    </a:p>
+                  </a:txBody>
+                  <a:tcPr/>
+                </a:tc>
+                <a:extLst>
+                  <a:ext uri="{0D108BD9-81ED-4DB2-BD59-A6C34878D82A}">
+                    <a16:rowId xmlns:a16="http://schemas.microsoft.com/office/drawing/2014/main" val="1389230851"/>
+                  </a:ext>
+                </a:extLst>
+              </a:tr>
+              <a:tr h="370840">
+                <a:tc>
+                  <a:txBody>
+                    <a:bodyPr/>
+                    <a:lstStyle/>
+                    <a:p>
+                      <a:pPr algn="r"/>
+                      <a:r>
+                        <a:rPr lang="en-US" altLang="zh-CN" sz="1800" dirty="0" smtClean="0">
+                          <a:latin typeface="Consolas" panose="020B0609020204030204" pitchFamily="49" charset="0"/>
+                        </a:rPr>
+                        <a:t>Login</a:t>
+                      </a:r>
+                      <a:r>
+                        <a:rPr lang="en-US" altLang="zh-CN" sz="1800" baseline="0" dirty="0" smtClean="0">
+                          <a:latin typeface="Consolas" panose="020B0609020204030204" pitchFamily="49" charset="0"/>
+                        </a:rPr>
+                        <a:t> Server</a:t>
+                      </a:r>
+                      <a:endParaRPr lang="zh-CN" altLang="en-US" sz="1800" dirty="0">
+                        <a:latin typeface="Consolas" panose="020B0609020204030204" pitchFamily="49" charset="0"/>
+                      </a:endParaRPr>
+                    </a:p>
+                  </a:txBody>
+                  <a:tcPr/>
+                </a:tc>
+                <a:tc>
+                  <a:txBody>
+                    <a:bodyPr/>
+                    <a:lstStyle/>
+                    <a:p>
+                      <a:pPr algn="ctr"/>
+                      <a:r>
+                        <a:rPr lang="en-US" altLang="zh-CN" sz="1800" dirty="0" smtClean="0">
+                          <a:latin typeface="Consolas" panose="020B0609020204030204" pitchFamily="49" charset="0"/>
+                        </a:rPr>
+                        <a:t>1</a:t>
+                      </a:r>
+                      <a:endParaRPr lang="zh-CN" altLang="en-US" sz="1800" dirty="0">
+                        <a:latin typeface="Consolas" panose="020B0609020204030204" pitchFamily="49" charset="0"/>
+                      </a:endParaRPr>
+                    </a:p>
+                  </a:txBody>
+                  <a:tcPr/>
+                </a:tc>
+                <a:tc>
+                  <a:txBody>
+                    <a:bodyPr/>
+                    <a:lstStyle/>
+                    <a:p>
+                      <a:pPr algn="l"/>
+                      <a:r>
+                        <a:rPr lang="zh-CN" altLang="en-US" sz="1800" dirty="0" smtClean="0">
+                          <a:latin typeface="Consolas" panose="020B0609020204030204" pitchFamily="49" charset="0"/>
+                        </a:rPr>
+                        <a:t>登录服务器，验证登录，返回服务器列表</a:t>
+                      </a:r>
+                      <a:endParaRPr lang="zh-CN" altLang="en-US" sz="1800" dirty="0">
+                        <a:latin typeface="Consolas" panose="020B0609020204030204" pitchFamily="49" charset="0"/>
+                      </a:endParaRPr>
+                    </a:p>
+                  </a:txBody>
+                  <a:tcPr/>
+                </a:tc>
+                <a:extLst>
+                  <a:ext uri="{0D108BD9-81ED-4DB2-BD59-A6C34878D82A}">
+                    <a16:rowId xmlns:a16="http://schemas.microsoft.com/office/drawing/2014/main" val="3118031800"/>
+                  </a:ext>
+                </a:extLst>
+              </a:tr>
+              <a:tr h="370840">
+                <a:tc>
+                  <a:txBody>
+                    <a:bodyPr/>
+                    <a:lstStyle/>
+                    <a:p>
+                      <a:pPr algn="r"/>
+                      <a:r>
+                        <a:rPr lang="en-US" altLang="zh-CN" sz="1800" dirty="0" smtClean="0">
+                          <a:latin typeface="Consolas" panose="020B0609020204030204" pitchFamily="49" charset="0"/>
+                        </a:rPr>
+                        <a:t>Game Server</a:t>
+                      </a:r>
+                      <a:endParaRPr lang="zh-CN" altLang="en-US" sz="1800" dirty="0">
+                        <a:latin typeface="Consolas" panose="020B0609020204030204" pitchFamily="49" charset="0"/>
+                      </a:endParaRPr>
+                    </a:p>
+                  </a:txBody>
+                  <a:tcPr/>
+                </a:tc>
+                <a:tc>
+                  <a:txBody>
+                    <a:bodyPr/>
+                    <a:lstStyle/>
+                    <a:p>
+                      <a:pPr algn="ctr"/>
+                      <a:r>
+                        <a:rPr lang="en-US" altLang="zh-CN" sz="1800" dirty="0" smtClean="0">
+                          <a:latin typeface="Consolas" panose="020B0609020204030204" pitchFamily="49" charset="0"/>
+                        </a:rPr>
+                        <a:t>n</a:t>
+                      </a:r>
+                      <a:endParaRPr lang="zh-CN" altLang="en-US" sz="1800" dirty="0">
+                        <a:latin typeface="Consolas" panose="020B0609020204030204" pitchFamily="49" charset="0"/>
+                      </a:endParaRPr>
+                    </a:p>
+                  </a:txBody>
+                  <a:tcPr/>
+                </a:tc>
+                <a:tc>
+                  <a:txBody>
+                    <a:bodyPr/>
+                    <a:lstStyle/>
+                    <a:p>
+                      <a:pPr algn="l"/>
+                      <a:r>
+                        <a:rPr lang="zh-CN" altLang="en-US" sz="1800" dirty="0" smtClean="0">
+                          <a:latin typeface="Consolas" panose="020B0609020204030204" pitchFamily="49" charset="0"/>
+                        </a:rPr>
+                        <a:t>游戏服务器，游戏逻辑</a:t>
+                      </a:r>
+                      <a:endParaRPr lang="zh-CN" altLang="en-US" sz="1800" dirty="0">
+                        <a:latin typeface="Consolas" panose="020B0609020204030204" pitchFamily="49" charset="0"/>
+                      </a:endParaRPr>
+                    </a:p>
+                  </a:txBody>
+                  <a:tcPr/>
+                </a:tc>
+                <a:extLst>
+                  <a:ext uri="{0D108BD9-81ED-4DB2-BD59-A6C34878D82A}">
+                    <a16:rowId xmlns:a16="http://schemas.microsoft.com/office/drawing/2014/main" val="585603479"/>
+                  </a:ext>
+                </a:extLst>
+              </a:tr>
+              <a:tr h="370840">
+                <a:tc>
+                  <a:txBody>
+                    <a:bodyPr/>
+                    <a:lstStyle/>
+                    <a:p>
+                      <a:pPr algn="r"/>
+                      <a:r>
+                        <a:rPr lang="en-US" altLang="zh-CN" sz="1800" dirty="0" smtClean="0">
+                          <a:latin typeface="Consolas" panose="020B0609020204030204" pitchFamily="49" charset="0"/>
+                        </a:rPr>
+                        <a:t>Cross Server</a:t>
+                      </a:r>
+                      <a:endParaRPr lang="zh-CN" altLang="en-US" sz="1800" dirty="0">
+                        <a:latin typeface="Consolas" panose="020B0609020204030204" pitchFamily="49" charset="0"/>
+                      </a:endParaRPr>
+                    </a:p>
+                  </a:txBody>
+                  <a:tcPr/>
+                </a:tc>
+                <a:tc>
+                  <a:txBody>
+                    <a:bodyPr/>
+                    <a:lstStyle/>
+                    <a:p>
+                      <a:pPr algn="ctr"/>
+                      <a:r>
+                        <a:rPr lang="en-US" altLang="zh-CN" sz="1800" dirty="0" smtClean="0">
+                          <a:latin typeface="Consolas" panose="020B0609020204030204" pitchFamily="49" charset="0"/>
+                        </a:rPr>
+                        <a:t>1</a:t>
+                      </a:r>
+                      <a:endParaRPr lang="zh-CN" altLang="en-US" sz="1800" dirty="0">
+                        <a:latin typeface="Consolas" panose="020B0609020204030204" pitchFamily="49" charset="0"/>
+                      </a:endParaRPr>
+                    </a:p>
+                  </a:txBody>
+                  <a:tcPr/>
+                </a:tc>
+                <a:tc>
+                  <a:txBody>
+                    <a:bodyPr/>
+                    <a:lstStyle/>
+                    <a:p>
+                      <a:pPr algn="l"/>
+                      <a:r>
+                        <a:rPr lang="zh-CN" altLang="en-US" sz="1800" dirty="0" smtClean="0">
+                          <a:latin typeface="Consolas" panose="020B0609020204030204" pitchFamily="49" charset="0"/>
+                        </a:rPr>
+                        <a:t>跨服服务器，跨服逻辑</a:t>
+                      </a:r>
+                      <a:endParaRPr lang="zh-CN" altLang="en-US" sz="1800" dirty="0">
+                        <a:latin typeface="Consolas" panose="020B0609020204030204" pitchFamily="49" charset="0"/>
+                      </a:endParaRPr>
+                    </a:p>
+                  </a:txBody>
+                  <a:tcPr/>
+                </a:tc>
+                <a:extLst>
+                  <a:ext uri="{0D108BD9-81ED-4DB2-BD59-A6C34878D82A}">
+                    <a16:rowId xmlns:a16="http://schemas.microsoft.com/office/drawing/2014/main" val="4249160954"/>
+                  </a:ext>
+                </a:extLst>
+              </a:tr>
+              <a:tr h="370840">
+                <a:tc>
+                  <a:txBody>
+                    <a:bodyPr/>
+                    <a:lstStyle/>
+                    <a:p>
+                      <a:pPr algn="r"/>
+                      <a:r>
+                        <a:rPr lang="en-US" altLang="zh-CN" sz="1800" dirty="0" smtClean="0">
+                          <a:latin typeface="Consolas" panose="020B0609020204030204" pitchFamily="49" charset="0"/>
+                        </a:rPr>
+                        <a:t>Remote Server</a:t>
+                      </a:r>
+                      <a:endParaRPr lang="zh-CN" altLang="en-US" sz="1800" dirty="0">
+                        <a:latin typeface="Consolas" panose="020B0609020204030204" pitchFamily="49" charset="0"/>
+                      </a:endParaRPr>
+                    </a:p>
+                  </a:txBody>
+                  <a:tcPr/>
+                </a:tc>
+                <a:tc>
+                  <a:txBody>
+                    <a:bodyPr/>
+                    <a:lstStyle/>
+                    <a:p>
+                      <a:pPr algn="ctr"/>
+                      <a:r>
+                        <a:rPr lang="en-US" altLang="zh-CN" sz="1800" dirty="0" smtClean="0">
+                          <a:latin typeface="Consolas" panose="020B0609020204030204" pitchFamily="49" charset="0"/>
+                        </a:rPr>
+                        <a:t>1</a:t>
+                      </a:r>
+                      <a:endParaRPr lang="zh-CN" altLang="en-US" sz="1800" dirty="0">
+                        <a:latin typeface="Consolas" panose="020B0609020204030204" pitchFamily="49" charset="0"/>
+                      </a:endParaRPr>
+                    </a:p>
+                  </a:txBody>
+                  <a:tcPr/>
+                </a:tc>
+                <a:tc>
+                  <a:txBody>
+                    <a:bodyPr/>
+                    <a:lstStyle/>
+                    <a:p>
+                      <a:pPr algn="l"/>
+                      <a:r>
+                        <a:rPr lang="zh-CN" altLang="en-US" sz="1800" dirty="0" smtClean="0">
+                          <a:latin typeface="Consolas" panose="020B0609020204030204" pitchFamily="49" charset="0"/>
+                        </a:rPr>
+                        <a:t>远程服务器，远程控制，监听</a:t>
+                      </a:r>
+                      <a:endParaRPr lang="zh-CN" altLang="en-US" sz="1800" dirty="0">
+                        <a:latin typeface="Consolas" panose="020B0609020204030204" pitchFamily="49" charset="0"/>
+                      </a:endParaRPr>
+                    </a:p>
+                  </a:txBody>
+                  <a:tcPr/>
+                </a:tc>
+                <a:extLst>
+                  <a:ext uri="{0D108BD9-81ED-4DB2-BD59-A6C34878D82A}">
+                    <a16:rowId xmlns:a16="http://schemas.microsoft.com/office/drawing/2014/main" val="141982490"/>
+                  </a:ext>
+                </a:extLst>
+              </a:tr>
+              <a:tr h="370840">
+                <a:tc>
+                  <a:txBody>
+                    <a:bodyPr/>
+                    <a:lstStyle/>
+                    <a:p>
+                      <a:pPr algn="r"/>
+                      <a:r>
+                        <a:rPr lang="en-US" altLang="zh-CN" sz="1800" dirty="0" smtClean="0">
+                          <a:latin typeface="Consolas" panose="020B0609020204030204" pitchFamily="49" charset="0"/>
+                        </a:rPr>
+                        <a:t>Daemon</a:t>
+                      </a:r>
+                      <a:endParaRPr lang="zh-CN" altLang="en-US" sz="1800" dirty="0">
+                        <a:latin typeface="Consolas" panose="020B0609020204030204" pitchFamily="49" charset="0"/>
+                      </a:endParaRPr>
+                    </a:p>
+                  </a:txBody>
+                  <a:tcPr/>
+                </a:tc>
+                <a:tc>
+                  <a:txBody>
+                    <a:bodyPr/>
+                    <a:lstStyle/>
+                    <a:p>
+                      <a:pPr algn="ctr"/>
+                      <a:r>
+                        <a:rPr lang="en-US" altLang="zh-CN" sz="1800" dirty="0" smtClean="0">
+                          <a:latin typeface="Consolas" panose="020B0609020204030204" pitchFamily="49" charset="0"/>
+                        </a:rPr>
+                        <a:t>1</a:t>
+                      </a:r>
+                      <a:endParaRPr lang="zh-CN" altLang="en-US" sz="1800" dirty="0">
+                        <a:latin typeface="Consolas" panose="020B0609020204030204" pitchFamily="49" charset="0"/>
+                      </a:endParaRPr>
+                    </a:p>
+                  </a:txBody>
+                  <a:tcPr/>
+                </a:tc>
+                <a:tc>
+                  <a:txBody>
+                    <a:bodyPr/>
+                    <a:lstStyle/>
+                    <a:p>
+                      <a:pPr algn="l"/>
+                      <a:r>
+                        <a:rPr lang="zh-CN" altLang="en-US" sz="1800" dirty="0" smtClean="0">
+                          <a:latin typeface="Consolas" panose="020B0609020204030204" pitchFamily="49" charset="0"/>
+                        </a:rPr>
+                        <a:t>守护进程，一个物理机一个</a:t>
+                      </a:r>
+                      <a:endParaRPr lang="zh-CN" altLang="en-US" sz="1800" dirty="0">
+                        <a:latin typeface="Consolas" panose="020B0609020204030204" pitchFamily="49" charset="0"/>
+                      </a:endParaRPr>
+                    </a:p>
+                  </a:txBody>
+                  <a:tcPr/>
+                </a:tc>
+                <a:extLst>
+                  <a:ext uri="{0D108BD9-81ED-4DB2-BD59-A6C34878D82A}">
+                    <a16:rowId xmlns:a16="http://schemas.microsoft.com/office/drawing/2014/main" val="983701349"/>
+                  </a:ext>
+                </a:extLst>
+              </a:tr>
+            </a:tbl>
+          </a:graphicData>
+        </a:graphic>
+      </p:graphicFrame>
+      <p:graphicFrame>
+        <p:nvGraphicFramePr>
+          <p:cNvPr id="275" name="表格 274"/>
+          <p:cNvGraphicFramePr>
+            <a:graphicFrameLocks noGrp="1"/>
+          </p:cNvGraphicFramePr>
+          <p:nvPr>
+            <p:extLst>
+              <p:ext uri="{D42A27DB-BD31-4B8C-83A1-F6EECF244321}">
+                <p14:modId xmlns:p14="http://schemas.microsoft.com/office/powerpoint/2010/main" val="1961236533"/>
+              </p:ext>
+            </p:extLst>
+          </p:nvPr>
+        </p:nvGraphicFramePr>
+        <p:xfrm>
+          <a:off x="8236738" y="9488223"/>
+          <a:ext cx="13034838" cy="2865120"/>
+        </p:xfrm>
+        <a:graphic>
+          <a:graphicData uri="http://schemas.openxmlformats.org/drawingml/2006/table">
+            <a:tbl>
+              <a:tblPr firstRow="1" bandRow="1">
+                <a:tableStyleId>{D7AC3CCA-C797-4891-BE02-D94E43425B78}</a:tableStyleId>
+              </a:tblPr>
+              <a:tblGrid>
+                <a:gridCol w="1232116">
+                  <a:extLst>
+                    <a:ext uri="{9D8B030D-6E8A-4147-A177-3AD203B41FA5}">
+                      <a16:colId xmlns:a16="http://schemas.microsoft.com/office/drawing/2014/main" val="1742493985"/>
+                    </a:ext>
+                  </a:extLst>
+                </a:gridCol>
+                <a:gridCol w="1061492">
+                  <a:extLst>
+                    <a:ext uri="{9D8B030D-6E8A-4147-A177-3AD203B41FA5}">
+                      <a16:colId xmlns:a16="http://schemas.microsoft.com/office/drawing/2014/main" val="3454017623"/>
+                    </a:ext>
+                  </a:extLst>
+                </a:gridCol>
+                <a:gridCol w="10741230">
+                  <a:extLst>
+                    <a:ext uri="{9D8B030D-6E8A-4147-A177-3AD203B41FA5}">
+                      <a16:colId xmlns:a16="http://schemas.microsoft.com/office/drawing/2014/main" val="4059045453"/>
+                    </a:ext>
+                  </a:extLst>
+                </a:gridCol>
+              </a:tblGrid>
+              <a:tr h="370840">
+                <a:tc gridSpan="3">
+                  <a:txBody>
+                    <a:bodyPr/>
+                    <a:lstStyle/>
+                    <a:p>
+                      <a:pPr algn="ctr"/>
+                      <a:r>
+                        <a:rPr lang="en-US" altLang="zh-CN" sz="1800" dirty="0" smtClean="0"/>
+                        <a:t>Server </a:t>
+                      </a:r>
+                      <a:r>
+                        <a:rPr lang="zh-CN" altLang="en-US" sz="1800" dirty="0" smtClean="0"/>
+                        <a:t>服务器配置说明</a:t>
+                      </a:r>
+                      <a:endParaRPr lang="zh-CN" altLang="en-US" sz="1800" dirty="0"/>
+                    </a:p>
+                  </a:txBody>
+                  <a:tcPr/>
+                </a:tc>
+                <a:tc hMerge="1">
+                  <a:txBody>
+                    <a:bodyPr/>
+                    <a:lstStyle/>
+                    <a:p>
+                      <a:endParaRPr lang="zh-CN" altLang="en-US"/>
+                    </a:p>
+                  </a:txBody>
+                  <a:tcPr/>
+                </a:tc>
+                <a:tc hMerge="1">
+                  <a:txBody>
+                    <a:bodyPr/>
+                    <a:lstStyle/>
+                    <a:p>
+                      <a:endParaRPr lang="zh-CN" altLang="en-US" dirty="0"/>
+                    </a:p>
+                  </a:txBody>
+                  <a:tcPr/>
+                </a:tc>
+                <a:extLst>
+                  <a:ext uri="{0D108BD9-81ED-4DB2-BD59-A6C34878D82A}">
+                    <a16:rowId xmlns:a16="http://schemas.microsoft.com/office/drawing/2014/main" val="399992406"/>
+                  </a:ext>
+                </a:extLst>
+              </a:tr>
+              <a:tr h="370840">
+                <a:tc>
+                  <a:txBody>
+                    <a:bodyPr/>
+                    <a:lstStyle/>
+                    <a:p>
+                      <a:pPr algn="r"/>
+                      <a:r>
+                        <a:rPr lang="en-US" altLang="zh-CN" sz="1800" dirty="0" smtClean="0"/>
+                        <a:t>Balance</a:t>
+                      </a:r>
+                      <a:endParaRPr lang="zh-CN" altLang="en-US" sz="1800" dirty="0"/>
+                    </a:p>
+                  </a:txBody>
+                  <a:tcPr/>
+                </a:tc>
+                <a:tc>
+                  <a:txBody>
+                    <a:bodyPr/>
+                    <a:lstStyle/>
+                    <a:p>
+                      <a:pPr algn="ctr"/>
+                      <a:r>
+                        <a:rPr lang="en-US" altLang="zh-CN" sz="1800" dirty="0" smtClean="0">
+                          <a:latin typeface="Consolas" panose="020B0609020204030204" pitchFamily="49" charset="0"/>
+                        </a:rPr>
+                        <a:t>1</a:t>
+                      </a:r>
+                      <a:endParaRPr lang="zh-CN" altLang="en-US" sz="1800" dirty="0">
+                        <a:latin typeface="Consolas" panose="020B0609020204030204" pitchFamily="49" charset="0"/>
+                      </a:endParaRPr>
+                    </a:p>
+                  </a:txBody>
+                  <a:tcPr/>
+                </a:tc>
+                <a:tc>
+                  <a:txBody>
+                    <a:bodyPr/>
+                    <a:lstStyle/>
+                    <a:p>
+                      <a:pPr algn="l"/>
+                      <a:r>
+                        <a:rPr lang="zh-CN" altLang="en-US" sz="1800" dirty="0" smtClean="0"/>
+                        <a:t>负载均衡服务器，负责分配客户端负载最小的</a:t>
+                      </a:r>
+                      <a:r>
+                        <a:rPr lang="en-US" altLang="zh-CN" sz="1800" dirty="0" smtClean="0"/>
+                        <a:t>gate</a:t>
+                      </a:r>
+                      <a:r>
+                        <a:rPr lang="zh-CN" altLang="en-US" sz="1800" dirty="0" smtClean="0"/>
+                        <a:t>地址。缓存客户端所在的</a:t>
+                      </a:r>
+                      <a:r>
+                        <a:rPr lang="en-US" altLang="zh-CN" sz="1800" dirty="0" smtClean="0"/>
+                        <a:t>gate</a:t>
+                      </a:r>
+                      <a:r>
+                        <a:rPr lang="zh-CN" altLang="en-US" sz="1800" dirty="0" smtClean="0"/>
+                        <a:t>地址。</a:t>
+                      </a:r>
+                      <a:endParaRPr lang="zh-CN" altLang="en-US" sz="1800" dirty="0"/>
+                    </a:p>
+                  </a:txBody>
+                  <a:tcPr/>
+                </a:tc>
+                <a:extLst>
+                  <a:ext uri="{0D108BD9-81ED-4DB2-BD59-A6C34878D82A}">
+                    <a16:rowId xmlns:a16="http://schemas.microsoft.com/office/drawing/2014/main" val="3857753473"/>
+                  </a:ext>
+                </a:extLst>
+              </a:tr>
+              <a:tr h="370840">
+                <a:tc>
+                  <a:txBody>
+                    <a:bodyPr/>
+                    <a:lstStyle/>
+                    <a:p>
+                      <a:pPr algn="r"/>
+                      <a:r>
+                        <a:rPr lang="en-US" altLang="zh-CN" sz="1800" dirty="0" smtClean="0"/>
+                        <a:t>Gate</a:t>
+                      </a:r>
+                      <a:endParaRPr lang="zh-CN" altLang="en-US" sz="1800" dirty="0"/>
+                    </a:p>
+                  </a:txBody>
+                  <a:tcPr/>
+                </a:tc>
+                <a:tc>
+                  <a:txBody>
+                    <a:bodyPr/>
+                    <a:lstStyle/>
+                    <a:p>
+                      <a:pPr algn="ctr"/>
+                      <a:r>
+                        <a:rPr lang="en-US" altLang="zh-CN" sz="1800" dirty="0" smtClean="0">
+                          <a:latin typeface="Consolas" panose="020B0609020204030204" pitchFamily="49" charset="0"/>
+                        </a:rPr>
+                        <a:t>n</a:t>
+                      </a:r>
+                      <a:endParaRPr lang="zh-CN" altLang="en-US" sz="1800" dirty="0">
+                        <a:latin typeface="Consolas" panose="020B0609020204030204" pitchFamily="49" charset="0"/>
+                      </a:endParaRPr>
+                    </a:p>
+                  </a:txBody>
+                  <a:tcPr/>
+                </a:tc>
+                <a:tc>
+                  <a:txBody>
+                    <a:bodyPr/>
+                    <a:lstStyle/>
+                    <a:p>
+                      <a:pPr algn="l"/>
+                      <a:r>
+                        <a:rPr lang="zh-CN" altLang="en-US" sz="1800" dirty="0" smtClean="0"/>
+                        <a:t>网关服务器，负责游戏内部数据的转发，记录用户当前所在的服务器。</a:t>
+                      </a:r>
+                      <a:endParaRPr lang="zh-CN" altLang="en-US" sz="1800" dirty="0"/>
+                    </a:p>
+                  </a:txBody>
+                  <a:tcPr/>
+                </a:tc>
+                <a:extLst>
+                  <a:ext uri="{0D108BD9-81ED-4DB2-BD59-A6C34878D82A}">
+                    <a16:rowId xmlns:a16="http://schemas.microsoft.com/office/drawing/2014/main" val="1522232657"/>
+                  </a:ext>
+                </a:extLst>
+              </a:tr>
+              <a:tr h="640080">
+                <a:tc>
+                  <a:txBody>
+                    <a:bodyPr/>
+                    <a:lstStyle/>
+                    <a:p>
+                      <a:pPr algn="r"/>
+                      <a:r>
+                        <a:rPr lang="en-US" altLang="zh-CN" sz="1800" dirty="0" smtClean="0"/>
+                        <a:t>Base</a:t>
+                      </a:r>
+                      <a:endParaRPr lang="zh-CN" altLang="en-US" sz="1800" dirty="0"/>
+                    </a:p>
+                  </a:txBody>
+                  <a:tcPr/>
+                </a:tc>
+                <a:tc>
+                  <a:txBody>
+                    <a:bodyPr/>
+                    <a:lstStyle/>
+                    <a:p>
+                      <a:pPr algn="ctr"/>
+                      <a:r>
+                        <a:rPr lang="en-US" altLang="zh-CN" sz="1800" dirty="0" smtClean="0">
+                          <a:latin typeface="Consolas" panose="020B0609020204030204" pitchFamily="49" charset="0"/>
+                        </a:rPr>
+                        <a:t>1 or n</a:t>
+                      </a:r>
+                      <a:endParaRPr lang="zh-CN" altLang="en-US" sz="1800" dirty="0">
+                        <a:latin typeface="Consolas" panose="020B0609020204030204" pitchFamily="49" charset="0"/>
+                      </a:endParaRPr>
+                    </a:p>
+                  </a:txBody>
+                  <a:tcPr/>
+                </a:tc>
+                <a:tc>
+                  <a:txBody>
+                    <a:bodyPr/>
+                    <a:lstStyle/>
+                    <a:p>
+                      <a:pPr algn="l"/>
+                      <a:r>
+                        <a:rPr lang="zh-CN" altLang="en-US" sz="1800" dirty="0" smtClean="0"/>
+                        <a:t>基础服务器，负责处理玩家与位置不相关的数据，例如工会信息，好友信息等。 如果需要容灾处理，需要</a:t>
+                      </a:r>
+                      <a:r>
+                        <a:rPr lang="en-US" altLang="zh-CN" sz="1800" dirty="0" smtClean="0"/>
+                        <a:t>n</a:t>
+                      </a:r>
+                      <a:r>
+                        <a:rPr lang="zh-CN" altLang="en-US" sz="1800" dirty="0" smtClean="0"/>
+                        <a:t>个</a:t>
+                      </a:r>
+                      <a:r>
+                        <a:rPr lang="en-US" altLang="zh-CN" sz="1800" dirty="0" smtClean="0"/>
+                        <a:t>base</a:t>
+                      </a:r>
+                      <a:r>
+                        <a:rPr lang="zh-CN" altLang="en-US" sz="1800" dirty="0" smtClean="0"/>
+                        <a:t>服务器，还需要</a:t>
+                      </a:r>
+                      <a:r>
+                        <a:rPr lang="en-US" altLang="zh-CN" sz="1800" dirty="0" err="1" smtClean="0"/>
+                        <a:t>BaseMgr</a:t>
+                      </a:r>
+                      <a:r>
+                        <a:rPr lang="zh-CN" altLang="en-US" sz="1800" dirty="0" smtClean="0"/>
+                        <a:t>管理，暂时不需要这个功能，架构中未设计</a:t>
+                      </a:r>
+                      <a:r>
+                        <a:rPr lang="en-US" altLang="zh-CN" sz="1800" dirty="0" smtClean="0"/>
+                        <a:t>n</a:t>
+                      </a:r>
+                      <a:r>
+                        <a:rPr lang="zh-CN" altLang="en-US" sz="1800" dirty="0" smtClean="0"/>
+                        <a:t>的模式。</a:t>
+                      </a:r>
+                      <a:endParaRPr lang="zh-CN" altLang="en-US" sz="1800" dirty="0"/>
+                    </a:p>
+                  </a:txBody>
+                  <a:tcPr/>
+                </a:tc>
+                <a:extLst>
+                  <a:ext uri="{0D108BD9-81ED-4DB2-BD59-A6C34878D82A}">
+                    <a16:rowId xmlns:a16="http://schemas.microsoft.com/office/drawing/2014/main" val="914091706"/>
+                  </a:ext>
+                </a:extLst>
+              </a:tr>
+              <a:tr h="370840">
+                <a:tc>
+                  <a:txBody>
+                    <a:bodyPr/>
+                    <a:lstStyle/>
+                    <a:p>
+                      <a:pPr algn="r"/>
+                      <a:r>
+                        <a:rPr lang="en-US" altLang="zh-CN" sz="1800" dirty="0" smtClean="0"/>
+                        <a:t>Cell</a:t>
+                      </a:r>
+                      <a:endParaRPr lang="zh-CN" altLang="en-US" sz="1800" dirty="0"/>
+                    </a:p>
+                  </a:txBody>
+                  <a:tcPr/>
+                </a:tc>
+                <a:tc>
+                  <a:txBody>
+                    <a:bodyPr/>
+                    <a:lstStyle/>
+                    <a:p>
+                      <a:pPr algn="ctr"/>
+                      <a:r>
+                        <a:rPr lang="en-US" altLang="zh-CN" sz="1800" dirty="0" smtClean="0">
+                          <a:latin typeface="Consolas" panose="020B0609020204030204" pitchFamily="49" charset="0"/>
+                        </a:rPr>
+                        <a:t>n</a:t>
+                      </a:r>
+                      <a:endParaRPr lang="zh-CN" altLang="en-US" sz="1800" dirty="0">
+                        <a:latin typeface="Consolas" panose="020B0609020204030204" pitchFamily="49" charset="0"/>
+                      </a:endParaRPr>
+                    </a:p>
+                  </a:txBody>
+                  <a:tcPr/>
+                </a:tc>
+                <a:tc>
+                  <a:txBody>
+                    <a:bodyPr/>
+                    <a:lstStyle/>
+                    <a:p>
+                      <a:pPr algn="l"/>
+                      <a:r>
+                        <a:rPr lang="zh-CN" altLang="en-US" sz="1800" dirty="0" smtClean="0"/>
+                        <a:t>场景服务器，负责与位置相关的数据，例如副本，战斗，大地图中的信息等。</a:t>
+                      </a:r>
+                      <a:endParaRPr lang="zh-CN" altLang="en-US" sz="1800" dirty="0"/>
+                    </a:p>
+                  </a:txBody>
+                  <a:tcPr/>
+                </a:tc>
+                <a:extLst>
+                  <a:ext uri="{0D108BD9-81ED-4DB2-BD59-A6C34878D82A}">
+                    <a16:rowId xmlns:a16="http://schemas.microsoft.com/office/drawing/2014/main" val="2789347099"/>
+                  </a:ext>
+                </a:extLst>
+              </a:tr>
+              <a:tr h="370840">
+                <a:tc>
+                  <a:txBody>
+                    <a:bodyPr/>
+                    <a:lstStyle/>
+                    <a:p>
+                      <a:pPr algn="r"/>
+                      <a:r>
+                        <a:rPr lang="en-US" altLang="zh-CN" sz="1800" dirty="0" err="1" smtClean="0"/>
+                        <a:t>CellMgr</a:t>
+                      </a:r>
+                      <a:endParaRPr lang="zh-CN" altLang="en-US" sz="1800" dirty="0"/>
+                    </a:p>
+                  </a:txBody>
+                  <a:tcPr/>
+                </a:tc>
+                <a:tc>
+                  <a:txBody>
+                    <a:bodyPr/>
+                    <a:lstStyle/>
+                    <a:p>
+                      <a:pPr algn="ctr"/>
+                      <a:r>
+                        <a:rPr lang="en-US" altLang="zh-CN" sz="1800" dirty="0" smtClean="0">
+                          <a:latin typeface="Consolas" panose="020B0609020204030204" pitchFamily="49" charset="0"/>
+                        </a:rPr>
+                        <a:t>1</a:t>
+                      </a:r>
+                      <a:endParaRPr lang="zh-CN" altLang="en-US" sz="1800" dirty="0">
+                        <a:latin typeface="Consolas" panose="020B0609020204030204" pitchFamily="49" charset="0"/>
+                      </a:endParaRPr>
+                    </a:p>
+                  </a:txBody>
+                  <a:tcPr/>
+                </a:tc>
+                <a:tc>
+                  <a:txBody>
+                    <a:bodyPr/>
+                    <a:lstStyle/>
+                    <a:p>
+                      <a:pPr algn="l"/>
+                      <a:r>
+                        <a:rPr lang="zh-CN" altLang="en-US" sz="1800" dirty="0" smtClean="0"/>
+                        <a:t>场景管理服务器，负责管理场景服务器，记录场景的边界信息，跨域移动等。</a:t>
+                      </a:r>
+                      <a:endParaRPr lang="zh-CN" altLang="en-US" sz="1800" dirty="0"/>
+                    </a:p>
+                  </a:txBody>
+                  <a:tcPr/>
+                </a:tc>
+                <a:extLst>
+                  <a:ext uri="{0D108BD9-81ED-4DB2-BD59-A6C34878D82A}">
+                    <a16:rowId xmlns:a16="http://schemas.microsoft.com/office/drawing/2014/main" val="4104837053"/>
+                  </a:ext>
+                </a:extLst>
+              </a:tr>
+              <a:tr h="370840">
+                <a:tc>
+                  <a:txBody>
+                    <a:bodyPr/>
+                    <a:lstStyle/>
+                    <a:p>
+                      <a:pPr algn="r"/>
+                      <a:r>
+                        <a:rPr lang="en-US" altLang="zh-CN" sz="1800" dirty="0" err="1" smtClean="0"/>
+                        <a:t>Datebase</a:t>
+                      </a:r>
+                      <a:endParaRPr lang="zh-CN" altLang="en-US" sz="1800" dirty="0"/>
+                    </a:p>
+                  </a:txBody>
+                  <a:tcPr/>
+                </a:tc>
+                <a:tc>
+                  <a:txBody>
+                    <a:bodyPr/>
+                    <a:lstStyle/>
+                    <a:p>
+                      <a:pPr algn="ctr"/>
+                      <a:r>
+                        <a:rPr lang="en-US" altLang="zh-CN" sz="1800" dirty="0" smtClean="0">
+                          <a:latin typeface="Consolas" panose="020B0609020204030204" pitchFamily="49" charset="0"/>
+                        </a:rPr>
+                        <a:t>1</a:t>
+                      </a:r>
+                      <a:endParaRPr lang="zh-CN" altLang="en-US" sz="1800" dirty="0">
+                        <a:latin typeface="Consolas" panose="020B0609020204030204" pitchFamily="49" charset="0"/>
+                      </a:endParaRPr>
+                    </a:p>
+                  </a:txBody>
+                  <a:tcPr/>
+                </a:tc>
+                <a:tc>
+                  <a:txBody>
+                    <a:bodyPr/>
+                    <a:lstStyle/>
+                    <a:p>
+                      <a:pPr algn="l"/>
+                      <a:r>
+                        <a:rPr lang="zh-CN" altLang="en-US" sz="1800" dirty="0" smtClean="0"/>
+                        <a:t>数据服务器，负责管理持久化的数据，以及缓存数据。</a:t>
+                      </a:r>
+                      <a:endParaRPr lang="zh-CN" altLang="en-US" sz="1800" dirty="0"/>
+                    </a:p>
+                  </a:txBody>
+                  <a:tcPr/>
+                </a:tc>
+                <a:extLst>
+                  <a:ext uri="{0D108BD9-81ED-4DB2-BD59-A6C34878D82A}">
+                    <a16:rowId xmlns:a16="http://schemas.microsoft.com/office/drawing/2014/main" val="4221698122"/>
+                  </a:ext>
+                </a:extLst>
+              </a:tr>
+            </a:tbl>
+          </a:graphicData>
+        </a:graphic>
+      </p:graphicFrame>
+      <p:sp>
+        <p:nvSpPr>
+          <p:cNvPr id="276" name="矩形 275"/>
+          <p:cNvSpPr/>
+          <p:nvPr/>
+        </p:nvSpPr>
+        <p:spPr>
+          <a:xfrm>
+            <a:off x="7073196" y="8074597"/>
+            <a:ext cx="1616382" cy="720000"/>
           </a:xfrm>
           <a:prstGeom prst="rect">
             <a:avLst/>
           </a:prstGeom>
           <a:solidFill>
-            <a:srgbClr val="00B050"/>
+            <a:srgbClr val="00B0F0"/>
           </a:solidFill>
         </p:spPr>
         <p:style>
@@ -4752,10 +8264,10 @@
           <a:p>
             <a:pPr algn="ctr"/>
             <a:r>
-              <a:rPr lang="en-US" altLang="zh-CN" dirty="0" err="1" smtClean="0">
+              <a:rPr lang="en-US" altLang="zh-CN" dirty="0" err="1">
                 <a:latin typeface="Consolas" panose="020B0609020204030204" pitchFamily="49" charset="0"/>
               </a:rPr>
-              <a:t>Redis</a:t>
+              <a:t>Datebase</a:t>
             </a:r>
             <a:endParaRPr lang="zh-CN" altLang="en-US" dirty="0">
               <a:latin typeface="Consolas" panose="020B0609020204030204" pitchFamily="49" charset="0"/>
@@ -4763,23 +8275,190 @@
           </a:p>
         </p:txBody>
       </p:sp>
+      <p:grpSp>
+        <p:nvGrpSpPr>
+          <p:cNvPr id="277" name="组合 276"/>
+          <p:cNvGrpSpPr/>
+          <p:nvPr/>
+        </p:nvGrpSpPr>
+        <p:grpSpPr>
+          <a:xfrm>
+            <a:off x="1683915" y="7925464"/>
+            <a:ext cx="2806027" cy="923657"/>
+            <a:chOff x="4987263" y="5756073"/>
+            <a:chExt cx="2806027" cy="923657"/>
+          </a:xfrm>
+        </p:grpSpPr>
+        <p:sp>
+          <p:nvSpPr>
+            <p:cNvPr id="278" name="矩形 277"/>
+            <p:cNvSpPr/>
+            <p:nvPr/>
+          </p:nvSpPr>
+          <p:spPr>
+            <a:xfrm>
+              <a:off x="4987263" y="5756073"/>
+              <a:ext cx="2806027" cy="923657"/>
+            </a:xfrm>
+            <a:prstGeom prst="rect">
+              <a:avLst/>
+            </a:prstGeom>
+            <a:solidFill>
+              <a:srgbClr val="00B050"/>
+            </a:solidFill>
+          </p:spPr>
+          <p:style>
+            <a:lnRef idx="2">
+              <a:schemeClr val="accent1">
+                <a:shade val="50000"/>
+              </a:schemeClr>
+            </a:lnRef>
+            <a:fillRef idx="1">
+              <a:schemeClr val="accent1"/>
+            </a:fillRef>
+            <a:effectRef idx="0">
+              <a:schemeClr val="accent1"/>
+            </a:effectRef>
+            <a:fontRef idx="minor">
+              <a:schemeClr val="lt1"/>
+            </a:fontRef>
+          </p:style>
+          <p:txBody>
+            <a:bodyPr rtlCol="0" anchor="ctr"/>
+            <a:lstStyle/>
+            <a:p>
+              <a:pPr algn="ctr"/>
+              <a:endParaRPr lang="zh-CN" altLang="en-US" dirty="0">
+                <a:latin typeface="Consolas" panose="020B0609020204030204" pitchFamily="49" charset="0"/>
+              </a:endParaRPr>
+            </a:p>
+          </p:txBody>
+        </p:sp>
+        <p:sp>
+          <p:nvSpPr>
+            <p:cNvPr id="279" name="矩形 278"/>
+            <p:cNvSpPr/>
+            <p:nvPr/>
+          </p:nvSpPr>
+          <p:spPr>
+            <a:xfrm>
+              <a:off x="5445914" y="5810058"/>
+              <a:ext cx="852804" cy="435592"/>
+            </a:xfrm>
+            <a:prstGeom prst="rect">
+              <a:avLst/>
+            </a:prstGeom>
+            <a:solidFill>
+              <a:srgbClr val="00B050"/>
+            </a:solidFill>
+          </p:spPr>
+          <p:style>
+            <a:lnRef idx="2">
+              <a:schemeClr val="accent1">
+                <a:shade val="50000"/>
+              </a:schemeClr>
+            </a:lnRef>
+            <a:fillRef idx="1">
+              <a:schemeClr val="accent1"/>
+            </a:fillRef>
+            <a:effectRef idx="0">
+              <a:schemeClr val="accent1"/>
+            </a:effectRef>
+            <a:fontRef idx="minor">
+              <a:schemeClr val="lt1"/>
+            </a:fontRef>
+          </p:style>
+          <p:txBody>
+            <a:bodyPr rtlCol="0" anchor="ctr"/>
+            <a:lstStyle/>
+            <a:p>
+              <a:pPr algn="ctr"/>
+              <a:r>
+                <a:rPr lang="en-US" altLang="zh-CN" dirty="0" err="1">
+                  <a:latin typeface="Consolas" panose="020B0609020204030204" pitchFamily="49" charset="0"/>
+                </a:rPr>
+                <a:t>Mysql</a:t>
+              </a:r>
+              <a:endParaRPr lang="zh-CN" altLang="en-US" dirty="0">
+                <a:latin typeface="Consolas" panose="020B0609020204030204" pitchFamily="49" charset="0"/>
+              </a:endParaRPr>
+            </a:p>
+          </p:txBody>
+        </p:sp>
+        <p:sp>
+          <p:nvSpPr>
+            <p:cNvPr id="280" name="矩形 279"/>
+            <p:cNvSpPr/>
+            <p:nvPr/>
+          </p:nvSpPr>
+          <p:spPr>
+            <a:xfrm>
+              <a:off x="6708860" y="6185102"/>
+              <a:ext cx="852804" cy="435592"/>
+            </a:xfrm>
+            <a:prstGeom prst="rect">
+              <a:avLst/>
+            </a:prstGeom>
+            <a:solidFill>
+              <a:srgbClr val="00B050"/>
+            </a:solidFill>
+          </p:spPr>
+          <p:style>
+            <a:lnRef idx="2">
+              <a:schemeClr val="accent1">
+                <a:shade val="50000"/>
+              </a:schemeClr>
+            </a:lnRef>
+            <a:fillRef idx="1">
+              <a:schemeClr val="accent1"/>
+            </a:fillRef>
+            <a:effectRef idx="0">
+              <a:schemeClr val="accent1"/>
+            </a:effectRef>
+            <a:fontRef idx="minor">
+              <a:schemeClr val="lt1"/>
+            </a:fontRef>
+          </p:style>
+          <p:txBody>
+            <a:bodyPr rtlCol="0" anchor="ctr"/>
+            <a:lstStyle/>
+            <a:p>
+              <a:pPr algn="ctr"/>
+              <a:r>
+                <a:rPr lang="en-US" altLang="zh-CN" dirty="0" err="1">
+                  <a:latin typeface="Consolas" panose="020B0609020204030204" pitchFamily="49" charset="0"/>
+                </a:rPr>
+                <a:t>Redis</a:t>
+              </a:r>
+              <a:endParaRPr lang="zh-CN" altLang="en-US" dirty="0">
+                <a:latin typeface="Consolas" panose="020B0609020204030204" pitchFamily="49" charset="0"/>
+              </a:endParaRPr>
+            </a:p>
+          </p:txBody>
+        </p:sp>
+      </p:grpSp>
       <p:cxnSp>
         <p:nvCxnSpPr>
-          <p:cNvPr id="51" name="直接连接符 50"/>
+          <p:cNvPr id="281" name="直接连接符 36"/>
           <p:cNvCxnSpPr>
-            <a:stCxn id="21" idx="0"/>
+            <a:stCxn id="276" idx="1"/>
+            <a:endCxn id="279" idx="3"/>
           </p:cNvCxnSpPr>
           <p:nvPr/>
         </p:nvCxnSpPr>
         <p:spPr>
-          <a:xfrm flipV="1">
-            <a:off x="8983729" y="3183340"/>
-            <a:ext cx="0" cy="514674"/>
-          </a:xfrm>
-          <a:prstGeom prst="line">
-            <a:avLst/>
+          <a:xfrm rot="10800000">
+            <a:off x="2995368" y="8197243"/>
+            <a:ext cx="4077835" cy="237359"/>
+          </a:xfrm>
+          <a:prstGeom prst="bentConnector3">
+            <a:avLst>
+              <a:gd name="adj1" fmla="val 50000"/>
+            </a:avLst>
           </a:prstGeom>
-          <a:ln w="25400"/>
+          <a:ln w="25400">
+            <a:prstDash val="dash"/>
+          </a:ln>
         </p:spPr>
         <p:style>
           <a:lnRef idx="1">
@@ -4798,24 +8477,26 @@
       </p:cxnSp>
       <p:cxnSp>
         <p:nvCxnSpPr>
-          <p:cNvPr id="54" name="直接连接符 36"/>
+          <p:cNvPr id="282" name="直接连接符 36"/>
           <p:cNvCxnSpPr>
-            <a:stCxn id="16" idx="2"/>
-            <a:endCxn id="23" idx="0"/>
+            <a:stCxn id="276" idx="1"/>
+            <a:endCxn id="280" idx="3"/>
           </p:cNvCxnSpPr>
           <p:nvPr/>
         </p:nvCxnSpPr>
         <p:spPr>
-          <a:xfrm rot="5400000">
-            <a:off x="6148277" y="862564"/>
-            <a:ext cx="514676" cy="5156228"/>
+          <a:xfrm rot="10800000" flipV="1">
+            <a:off x="4258317" y="8434597"/>
+            <a:ext cx="2814889" cy="137684"/>
           </a:xfrm>
           <a:prstGeom prst="bentConnector3">
             <a:avLst>
               <a:gd name="adj1" fmla="val 50000"/>
             </a:avLst>
           </a:prstGeom>
-          <a:ln w="25400"/>
+          <a:ln w="25400">
+            <a:prstDash val="dash"/>
+          </a:ln>
         </p:spPr>
         <p:style>
           <a:lnRef idx="1">
@@ -4834,24 +8515,224 @@
       </p:cxnSp>
       <p:cxnSp>
         <p:nvCxnSpPr>
-          <p:cNvPr id="57" name="直接连接符 36"/>
+          <p:cNvPr id="318" name="直接连接符 36"/>
           <p:cNvCxnSpPr>
-            <a:stCxn id="16" idx="2"/>
-            <a:endCxn id="28" idx="0"/>
+            <a:stCxn id="5" idx="2"/>
+            <a:endCxn id="292" idx="1"/>
           </p:cNvCxnSpPr>
           <p:nvPr/>
         </p:nvCxnSpPr>
         <p:spPr>
-          <a:xfrm rot="5400000">
-            <a:off x="7117227" y="1831512"/>
-            <a:ext cx="514675" cy="3218331"/>
+          <a:xfrm rot="16200000" flipH="1">
+            <a:off x="5604946" y="-348835"/>
+            <a:ext cx="786032" cy="4423002"/>
+          </a:xfrm>
+          <a:prstGeom prst="bentConnector2">
+            <a:avLst/>
+          </a:prstGeom>
+          <a:ln w="25400"/>
+        </p:spPr>
+        <p:style>
+          <a:lnRef idx="1">
+            <a:schemeClr val="dk1"/>
+          </a:lnRef>
+          <a:fillRef idx="0">
+            <a:schemeClr val="dk1"/>
+          </a:fillRef>
+          <a:effectRef idx="0">
+            <a:schemeClr val="dk1"/>
+          </a:effectRef>
+          <a:fontRef idx="minor">
+            <a:schemeClr val="tx1"/>
+          </a:fontRef>
+        </p:style>
+      </p:cxnSp>
+      <p:grpSp>
+        <p:nvGrpSpPr>
+          <p:cNvPr id="344" name="组合 343"/>
+          <p:cNvGrpSpPr/>
+          <p:nvPr/>
+        </p:nvGrpSpPr>
+        <p:grpSpPr>
+          <a:xfrm>
+            <a:off x="8209464" y="1452756"/>
+            <a:ext cx="5451971" cy="1605852"/>
+            <a:chOff x="7028090" y="3252504"/>
+            <a:chExt cx="5451971" cy="1605852"/>
+          </a:xfrm>
+        </p:grpSpPr>
+        <p:grpSp>
+          <p:nvGrpSpPr>
+            <p:cNvPr id="291" name="组合 290"/>
+            <p:cNvGrpSpPr/>
+            <p:nvPr/>
+          </p:nvGrpSpPr>
+          <p:grpSpPr>
+            <a:xfrm>
+              <a:off x="7028090" y="3252504"/>
+              <a:ext cx="5451971" cy="1605852"/>
+              <a:chOff x="18006141" y="1014702"/>
+              <a:chExt cx="3352864" cy="1529231"/>
+            </a:xfrm>
+          </p:grpSpPr>
+          <p:sp>
+            <p:nvSpPr>
+              <p:cNvPr id="292" name="矩形 291"/>
+              <p:cNvSpPr/>
+              <p:nvPr/>
+            </p:nvSpPr>
+            <p:spPr>
+              <a:xfrm>
+                <a:off x="18006141" y="1014702"/>
+                <a:ext cx="3352864" cy="1529231"/>
+              </a:xfrm>
+              <a:prstGeom prst="rect">
+                <a:avLst/>
+              </a:prstGeom>
+              <a:solidFill>
+                <a:schemeClr val="accent3">
+                  <a:lumMod val="75000"/>
+                </a:schemeClr>
+              </a:solidFill>
+            </p:spPr>
+            <p:style>
+              <a:lnRef idx="2">
+                <a:schemeClr val="accent4">
+                  <a:shade val="50000"/>
+                </a:schemeClr>
+              </a:lnRef>
+              <a:fillRef idx="1">
+                <a:schemeClr val="accent4"/>
+              </a:fillRef>
+              <a:effectRef idx="0">
+                <a:schemeClr val="accent4"/>
+              </a:effectRef>
+              <a:fontRef idx="minor">
+                <a:schemeClr val="lt1"/>
+              </a:fontRef>
+            </p:style>
+            <p:txBody>
+              <a:bodyPr rtlCol="0" anchor="ctr"/>
+              <a:lstStyle/>
+              <a:p>
+                <a:pPr algn="ctr"/>
+                <a:endParaRPr lang="zh-CN" altLang="en-US" dirty="0">
+                  <a:latin typeface="Consolas" panose="020B0609020204030204" pitchFamily="49" charset="0"/>
+                </a:endParaRPr>
+              </a:p>
+            </p:txBody>
+          </p:sp>
+          <p:sp>
+            <p:nvSpPr>
+              <p:cNvPr id="293" name="文本框 292"/>
+              <p:cNvSpPr txBox="1"/>
+              <p:nvPr/>
+            </p:nvSpPr>
+            <p:spPr>
+              <a:xfrm>
+                <a:off x="18262378" y="1180477"/>
+                <a:ext cx="1048122" cy="351710"/>
+              </a:xfrm>
+              <a:prstGeom prst="rect">
+                <a:avLst/>
+              </a:prstGeom>
+              <a:noFill/>
+            </p:spPr>
+            <p:txBody>
+              <a:bodyPr wrap="none" rtlCol="0">
+                <a:spAutoFit/>
+              </a:bodyPr>
+              <a:lstStyle/>
+              <a:p>
+                <a:r>
+                  <a:rPr lang="en-US" altLang="zh-CN" b="1" dirty="0">
+                    <a:latin typeface="Consolas" panose="020B0609020204030204" pitchFamily="49" charset="0"/>
+                  </a:rPr>
+                  <a:t>Login Server</a:t>
+                </a:r>
+                <a:endParaRPr lang="zh-CN" altLang="en-US" b="1" dirty="0">
+                  <a:latin typeface="Consolas" panose="020B0609020204030204" pitchFamily="49" charset="0"/>
+                </a:endParaRPr>
+              </a:p>
+            </p:txBody>
+          </p:sp>
+        </p:grpSp>
+        <p:sp>
+          <p:nvSpPr>
+            <p:cNvPr id="335" name="菱形 334"/>
+            <p:cNvSpPr/>
+            <p:nvPr/>
+          </p:nvSpPr>
+          <p:spPr>
+            <a:xfrm>
+              <a:off x="9697076" y="3855515"/>
+              <a:ext cx="360000" cy="360000"/>
+            </a:xfrm>
+            <a:prstGeom prst="diamond">
+              <a:avLst/>
+            </a:prstGeom>
+            <a:solidFill>
+              <a:schemeClr val="accent4">
+                <a:lumMod val="40000"/>
+                <a:lumOff val="60000"/>
+              </a:schemeClr>
+            </a:solidFill>
+          </p:spPr>
+          <p:style>
+            <a:lnRef idx="2">
+              <a:schemeClr val="accent1">
+                <a:shade val="50000"/>
+              </a:schemeClr>
+            </a:lnRef>
+            <a:fillRef idx="1">
+              <a:schemeClr val="accent1"/>
+            </a:fillRef>
+            <a:effectRef idx="0">
+              <a:schemeClr val="accent1"/>
+            </a:effectRef>
+            <a:fontRef idx="minor">
+              <a:schemeClr val="lt1"/>
+            </a:fontRef>
+          </p:style>
+          <p:txBody>
+            <a:bodyPr rot="0" spcFirstLastPara="0" vertOverflow="overflow" horzOverflow="overflow" vert="horz" wrap="square" lIns="91439" tIns="45720" rIns="91439" bIns="45720" numCol="1" spcCol="0" rtlCol="0" fromWordArt="0" anchor="ctr" anchorCtr="0" forceAA="0" compatLnSpc="1">
+              <a:prstTxWarp prst="textNoShape">
+                <a:avLst/>
+              </a:prstTxWarp>
+              <a:noAutofit/>
+            </a:bodyPr>
+            <a:lstStyle/>
+            <a:p>
+              <a:pPr algn="ctr"/>
+              <a:endParaRPr lang="zh-CN" altLang="en-US">
+                <a:latin typeface="Consolas" panose="020B0609020204030204" pitchFamily="49" charset="0"/>
+              </a:endParaRPr>
+            </a:p>
+          </p:txBody>
+        </p:sp>
+      </p:grpSp>
+      <p:cxnSp>
+        <p:nvCxnSpPr>
+          <p:cNvPr id="321" name="直接连接符 36"/>
+          <p:cNvCxnSpPr>
+            <a:stCxn id="15" idx="0"/>
+            <a:endCxn id="335" idx="2"/>
+          </p:cNvCxnSpPr>
+          <p:nvPr/>
+        </p:nvCxnSpPr>
+        <p:spPr>
+          <a:xfrm rot="5400000" flipH="1" flipV="1">
+            <a:off x="5569296" y="-1092471"/>
+            <a:ext cx="1980915" cy="8997393"/>
           </a:xfrm>
           <a:prstGeom prst="bentConnector3">
             <a:avLst>
               <a:gd name="adj1" fmla="val 50000"/>
             </a:avLst>
           </a:prstGeom>
-          <a:ln w="25400"/>
+          <a:ln w="25400">
+            <a:prstDash val="dash"/>
+          </a:ln>
         </p:spPr>
         <p:style>
           <a:lnRef idx="1">
@@ -4870,169 +8751,26 @@
       </p:cxnSp>
       <p:cxnSp>
         <p:nvCxnSpPr>
-          <p:cNvPr id="61" name="直接连接符 36"/>
+          <p:cNvPr id="345" name="直接连接符 36"/>
           <p:cNvCxnSpPr>
-            <a:stCxn id="5" idx="2"/>
-            <a:endCxn id="14" idx="0"/>
+            <a:stCxn id="208" idx="0"/>
+            <a:endCxn id="269" idx="2"/>
           </p:cNvCxnSpPr>
           <p:nvPr/>
         </p:nvCxnSpPr>
         <p:spPr>
-          <a:xfrm rot="5400000">
-            <a:off x="4328306" y="-134592"/>
-            <a:ext cx="371822" cy="3124899"/>
+          <a:xfrm rot="5400000" flipH="1" flipV="1">
+            <a:off x="11171776" y="174547"/>
+            <a:ext cx="1649671" cy="7428379"/>
           </a:xfrm>
           <a:prstGeom prst="bentConnector3">
             <a:avLst>
-              <a:gd name="adj1" fmla="val 50000"/>
+              <a:gd name="adj1" fmla="val 64435"/>
             </a:avLst>
           </a:prstGeom>
-          <a:ln w="25400"/>
-        </p:spPr>
-        <p:style>
-          <a:lnRef idx="1">
-            <a:schemeClr val="dk1"/>
-          </a:lnRef>
-          <a:fillRef idx="0">
-            <a:schemeClr val="dk1"/>
-          </a:fillRef>
-          <a:effectRef idx="0">
-            <a:schemeClr val="dk1"/>
-          </a:effectRef>
-          <a:fontRef idx="minor">
-            <a:schemeClr val="tx1"/>
-          </a:fontRef>
-        </p:style>
-      </p:cxnSp>
-      <p:cxnSp>
-        <p:nvCxnSpPr>
-          <p:cNvPr id="64" name="直接连接符 36"/>
-          <p:cNvCxnSpPr>
-            <a:stCxn id="5" idx="2"/>
-            <a:endCxn id="15" idx="0"/>
-          </p:cNvCxnSpPr>
-          <p:nvPr/>
-        </p:nvCxnSpPr>
-        <p:spPr>
-          <a:xfrm rot="5400000">
-            <a:off x="5651189" y="1185641"/>
-            <a:ext cx="369173" cy="481782"/>
-          </a:xfrm>
-          <a:prstGeom prst="bentConnector3">
-            <a:avLst>
-              <a:gd name="adj1" fmla="val 50000"/>
-            </a:avLst>
-          </a:prstGeom>
-          <a:ln w="25400"/>
-        </p:spPr>
-        <p:style>
-          <a:lnRef idx="1">
-            <a:schemeClr val="dk1"/>
-          </a:lnRef>
-          <a:fillRef idx="0">
-            <a:schemeClr val="dk1"/>
-          </a:fillRef>
-          <a:effectRef idx="0">
-            <a:schemeClr val="dk1"/>
-          </a:effectRef>
-          <a:fontRef idx="minor">
-            <a:schemeClr val="tx1"/>
-          </a:fontRef>
-        </p:style>
-      </p:cxnSp>
-      <p:cxnSp>
-        <p:nvCxnSpPr>
-          <p:cNvPr id="67" name="直接连接符 36"/>
-          <p:cNvCxnSpPr>
-            <a:stCxn id="5" idx="2"/>
-            <a:endCxn id="16" idx="0"/>
-          </p:cNvCxnSpPr>
-          <p:nvPr/>
-        </p:nvCxnSpPr>
-        <p:spPr>
-          <a:xfrm rot="16200000" flipH="1">
-            <a:off x="7367789" y="-49178"/>
-            <a:ext cx="324817" cy="2907063"/>
-          </a:xfrm>
-          <a:prstGeom prst="bentConnector3">
-            <a:avLst>
-              <a:gd name="adj1" fmla="val 50000"/>
-            </a:avLst>
-          </a:prstGeom>
-          <a:ln w="25400"/>
-        </p:spPr>
-        <p:style>
-          <a:lnRef idx="1">
-            <a:schemeClr val="dk1"/>
-          </a:lnRef>
-          <a:fillRef idx="0">
-            <a:schemeClr val="dk1"/>
-          </a:fillRef>
-          <a:effectRef idx="0">
-            <a:schemeClr val="dk1"/>
-          </a:effectRef>
-          <a:fontRef idx="minor">
-            <a:schemeClr val="tx1"/>
-          </a:fontRef>
-        </p:style>
-      </p:cxnSp>
-      <p:cxnSp>
-        <p:nvCxnSpPr>
-          <p:cNvPr id="70" name="直接连接符 36"/>
-          <p:cNvCxnSpPr>
-            <a:stCxn id="31" idx="0"/>
-            <a:endCxn id="14" idx="1"/>
-          </p:cNvCxnSpPr>
-          <p:nvPr/>
-        </p:nvCxnSpPr>
-        <p:spPr>
-          <a:xfrm rot="16200000" flipV="1">
-            <a:off x="251480" y="3865864"/>
-            <a:ext cx="3894950" cy="110758"/>
-          </a:xfrm>
-          <a:prstGeom prst="bentConnector4">
-            <a:avLst>
-              <a:gd name="adj1" fmla="val 45379"/>
-              <a:gd name="adj2" fmla="val 936087"/>
-            </a:avLst>
-          </a:prstGeom>
-          <a:ln w="25400"/>
-        </p:spPr>
-        <p:style>
-          <a:lnRef idx="1">
-            <a:schemeClr val="dk1"/>
-          </a:lnRef>
-          <a:fillRef idx="0">
-            <a:schemeClr val="dk1"/>
-          </a:fillRef>
-          <a:effectRef idx="0">
-            <a:schemeClr val="dk1"/>
-          </a:effectRef>
-          <a:fontRef idx="minor">
-            <a:schemeClr val="tx1"/>
-          </a:fontRef>
-        </p:style>
-      </p:cxnSp>
-      <p:cxnSp>
-        <p:nvCxnSpPr>
-          <p:cNvPr id="89" name="直接连接符 36"/>
-          <p:cNvCxnSpPr>
-            <a:stCxn id="15" idx="3"/>
-            <a:endCxn id="16" idx="1"/>
-          </p:cNvCxnSpPr>
-          <p:nvPr/>
-        </p:nvCxnSpPr>
-        <p:spPr>
-          <a:xfrm>
-            <a:off x="6403075" y="1971119"/>
-            <a:ext cx="1303890" cy="403933"/>
-          </a:xfrm>
-          <a:prstGeom prst="bentConnector3">
-            <a:avLst>
-              <a:gd name="adj1" fmla="val 50000"/>
-            </a:avLst>
-          </a:prstGeom>
-          <a:ln w="25400"/>
+          <a:ln w="25400">
+            <a:prstDash val="dash"/>
+          </a:ln>
         </p:spPr>
         <p:style>
           <a:lnRef idx="1">
@@ -5072,7 +8810,7 @@
 <file path=ppt/theme/theme1.xml><?xml version="1.0" encoding="utf-8"?>
 <a:theme xmlns:a="http://schemas.openxmlformats.org/drawingml/2006/main" name="Office 主题​​">
   <a:themeElements>
-    <a:clrScheme name="Office">
+    <a:clrScheme name="Office 主题​​">
       <a:dk1>
         <a:sysClr val="windowText" lastClr="000000"/>
       </a:dk1>
@@ -5110,9 +8848,9 @@
         <a:srgbClr val="954F72"/>
       </a:folHlink>
     </a:clrScheme>
-    <a:fontScheme name="Office">
+    <a:fontScheme name="Office 主题​​">
       <a:majorFont>
-        <a:latin typeface="等线 Light" panose="020F0302020204030204"/>
+        <a:latin typeface="Calibri Light" panose="020F0302020204030204"/>
         <a:ea typeface=""/>
         <a:cs typeface=""/>
         <a:font script="Jpan" typeface="游ゴシック Light"/>
@@ -5147,7 +8885,7 @@
         <a:font script="Geor" typeface="Sylfaen"/>
       </a:majorFont>
       <a:minorFont>
-        <a:latin typeface="等线" panose="020F0502020204030204"/>
+        <a:latin typeface="Calibri" panose="020F0502020204030204"/>
         <a:ea typeface=""/>
         <a:cs typeface=""/>
         <a:font script="Jpan" typeface="游ゴシック"/>
@@ -5182,7 +8920,7 @@
         <a:font script="Geor" typeface="Sylfaen"/>
       </a:minorFont>
     </a:fontScheme>
-    <a:fmtScheme name="Office">
+    <a:fmtScheme name="Office 主题​​">
       <a:fillStyleLst>
         <a:solidFill>
           <a:schemeClr val="phClr"/>

--- a/doc/framework.pptx
+++ b/doc/framework.pptx
@@ -7102,7 +7102,7 @@
         </p:nvGrpSpPr>
         <p:grpSpPr>
           <a:xfrm>
-            <a:off x="17317057" y="677513"/>
+            <a:off x="17918711" y="710622"/>
             <a:ext cx="3352865" cy="1104355"/>
             <a:chOff x="14120354" y="2768106"/>
             <a:chExt cx="3352865" cy="1104355"/>
@@ -7265,14 +7265,14 @@
           <p:nvPr>
             <p:extLst>
               <p:ext uri="{D42A27DB-BD31-4B8C-83A1-F6EECF244321}">
-                <p14:modId xmlns:p14="http://schemas.microsoft.com/office/powerpoint/2010/main" val="2037883254"/>
+                <p14:modId xmlns:p14="http://schemas.microsoft.com/office/powerpoint/2010/main" val="1911102916"/>
               </p:ext>
             </p:extLst>
           </p:nvPr>
         </p:nvGraphicFramePr>
         <p:xfrm>
           <a:off x="294754" y="9493758"/>
-          <a:ext cx="7305325" cy="2595880"/>
+          <a:ext cx="7305325" cy="2966720"/>
         </p:xfrm>
         <a:graphic>
           <a:graphicData uri="http://schemas.openxmlformats.org/drawingml/2006/table">
@@ -7672,6 +7672,76 @@
                 <a:extLst>
                   <a:ext uri="{0D108BD9-81ED-4DB2-BD59-A6C34878D82A}">
                     <a16:rowId xmlns:a16="http://schemas.microsoft.com/office/drawing/2014/main" val="141982490"/>
+                  </a:ext>
+                </a:extLst>
+              </a:tr>
+              <a:tr h="370840">
+                <a:tc>
+                  <a:txBody>
+                    <a:bodyPr/>
+                    <a:lstStyle/>
+                    <a:p>
+                      <a:pPr algn="r"/>
+                      <a:r>
+                        <a:rPr lang="en-US" altLang="zh-CN" sz="1800" dirty="0" err="1" smtClean="0">
+                          <a:latin typeface="Consolas" panose="020B0609020204030204" pitchFamily="49" charset="0"/>
+                        </a:rPr>
+                        <a:t>Rechagre</a:t>
+                      </a:r>
+                      <a:r>
+                        <a:rPr lang="en-US" altLang="zh-CN" sz="1800" dirty="0" smtClean="0">
+                          <a:latin typeface="Consolas" panose="020B0609020204030204" pitchFamily="49" charset="0"/>
+                        </a:rPr>
+                        <a:t> Server</a:t>
+                      </a:r>
+                      <a:endParaRPr lang="zh-CN" altLang="en-US" sz="1800" dirty="0">
+                        <a:latin typeface="Consolas" panose="020B0609020204030204" pitchFamily="49" charset="0"/>
+                      </a:endParaRPr>
+                    </a:p>
+                  </a:txBody>
+                  <a:tcPr/>
+                </a:tc>
+                <a:tc>
+                  <a:txBody>
+                    <a:bodyPr/>
+                    <a:lstStyle/>
+                    <a:p>
+                      <a:pPr algn="ctr"/>
+                      <a:r>
+                        <a:rPr lang="en-US" altLang="zh-CN" sz="1800" dirty="0" smtClean="0">
+                          <a:latin typeface="Consolas" panose="020B0609020204030204" pitchFamily="49" charset="0"/>
+                        </a:rPr>
+                        <a:t>1</a:t>
+                      </a:r>
+                      <a:endParaRPr lang="zh-CN" altLang="en-US" sz="1800" dirty="0">
+                        <a:latin typeface="Consolas" panose="020B0609020204030204" pitchFamily="49" charset="0"/>
+                      </a:endParaRPr>
+                    </a:p>
+                  </a:txBody>
+                  <a:tcPr/>
+                </a:tc>
+                <a:tc>
+                  <a:txBody>
+                    <a:bodyPr/>
+                    <a:lstStyle/>
+                    <a:p>
+                      <a:pPr algn="l"/>
+                      <a:r>
+                        <a:rPr lang="zh-CN" altLang="en-US" sz="1800" dirty="0" smtClean="0">
+                          <a:latin typeface="Consolas" panose="020B0609020204030204" pitchFamily="49" charset="0"/>
+                        </a:rPr>
+                        <a:t>充值服务器，各平台充值</a:t>
+                      </a:r>
+                      <a:endParaRPr lang="zh-CN" altLang="en-US" sz="1800" dirty="0">
+                        <a:latin typeface="Consolas" panose="020B0609020204030204" pitchFamily="49" charset="0"/>
+                      </a:endParaRPr>
+                    </a:p>
+                  </a:txBody>
+                  <a:tcPr/>
+                </a:tc>
+                <a:extLst>
+                  <a:ext uri="{0D108BD9-81ED-4DB2-BD59-A6C34878D82A}">
+                    <a16:rowId xmlns:a16="http://schemas.microsoft.com/office/drawing/2014/main" val="703862116"/>
                   </a:ext>
                 </a:extLst>
               </a:tr>
@@ -8524,8 +8594,8 @@
         </p:nvCxnSpPr>
         <p:spPr>
           <a:xfrm rot="16200000" flipH="1">
-            <a:off x="5604946" y="-348835"/>
-            <a:ext cx="786032" cy="4423002"/>
+            <a:off x="4159470" y="1096642"/>
+            <a:ext cx="881792" cy="1627808"/>
           </a:xfrm>
           <a:prstGeom prst="bentConnector2">
             <a:avLst/>
@@ -8555,7 +8625,7 @@
         </p:nvGrpSpPr>
         <p:grpSpPr>
           <a:xfrm>
-            <a:off x="8209464" y="1452756"/>
+            <a:off x="5414270" y="1548516"/>
             <a:ext cx="5451971" cy="1605852"/>
             <a:chOff x="7028090" y="3252504"/>
             <a:chExt cx="5451971" cy="1605852"/>
@@ -8722,8 +8792,8 @@
         </p:nvCxnSpPr>
         <p:spPr>
           <a:xfrm rot="5400000" flipH="1" flipV="1">
-            <a:off x="5569296" y="-1092471"/>
-            <a:ext cx="1980915" cy="8997393"/>
+            <a:off x="4219579" y="353005"/>
+            <a:ext cx="1885155" cy="6202200"/>
           </a:xfrm>
           <a:prstGeom prst="bentConnector3">
             <a:avLst>
@@ -8766,6 +8836,221 @@
           <a:prstGeom prst="bentConnector3">
             <a:avLst>
               <a:gd name="adj1" fmla="val 64435"/>
+            </a:avLst>
+          </a:prstGeom>
+          <a:ln w="25400">
+            <a:prstDash val="dash"/>
+          </a:ln>
+        </p:spPr>
+        <p:style>
+          <a:lnRef idx="1">
+            <a:schemeClr val="dk1"/>
+          </a:lnRef>
+          <a:fillRef idx="0">
+            <a:schemeClr val="dk1"/>
+          </a:fillRef>
+          <a:effectRef idx="0">
+            <a:schemeClr val="dk1"/>
+          </a:effectRef>
+          <a:fontRef idx="minor">
+            <a:schemeClr val="tx1"/>
+          </a:fontRef>
+        </p:style>
+      </p:cxnSp>
+      <p:grpSp>
+        <p:nvGrpSpPr>
+          <p:cNvPr id="116" name="组合 115"/>
+          <p:cNvGrpSpPr/>
+          <p:nvPr/>
+        </p:nvGrpSpPr>
+        <p:grpSpPr>
+          <a:xfrm>
+            <a:off x="12033221" y="740782"/>
+            <a:ext cx="3352865" cy="1104355"/>
+            <a:chOff x="14125179" y="4088802"/>
+            <a:chExt cx="3352865" cy="1104355"/>
+          </a:xfrm>
+        </p:grpSpPr>
+        <p:grpSp>
+          <p:nvGrpSpPr>
+            <p:cNvPr id="117" name="组合 116"/>
+            <p:cNvGrpSpPr/>
+            <p:nvPr/>
+          </p:nvGrpSpPr>
+          <p:grpSpPr>
+            <a:xfrm>
+              <a:off x="14125179" y="4088802"/>
+              <a:ext cx="3352865" cy="1104355"/>
+              <a:chOff x="18006141" y="1014702"/>
+              <a:chExt cx="3352864" cy="1529231"/>
+            </a:xfrm>
+          </p:grpSpPr>
+          <p:sp>
+            <p:nvSpPr>
+              <p:cNvPr id="119" name="矩形 118"/>
+              <p:cNvSpPr/>
+              <p:nvPr/>
+            </p:nvSpPr>
+            <p:spPr>
+              <a:xfrm>
+                <a:off x="18006141" y="1014702"/>
+                <a:ext cx="3352864" cy="1529231"/>
+              </a:xfrm>
+              <a:prstGeom prst="rect">
+                <a:avLst/>
+              </a:prstGeom>
+              <a:solidFill>
+                <a:schemeClr val="accent2">
+                  <a:lumMod val="20000"/>
+                  <a:lumOff val="80000"/>
+                </a:schemeClr>
+              </a:solidFill>
+            </p:spPr>
+            <p:style>
+              <a:lnRef idx="2">
+                <a:schemeClr val="accent4">
+                  <a:shade val="50000"/>
+                </a:schemeClr>
+              </a:lnRef>
+              <a:fillRef idx="1">
+                <a:schemeClr val="accent4"/>
+              </a:fillRef>
+              <a:effectRef idx="0">
+                <a:schemeClr val="accent4"/>
+              </a:effectRef>
+              <a:fontRef idx="minor">
+                <a:schemeClr val="lt1"/>
+              </a:fontRef>
+            </p:style>
+            <p:txBody>
+              <a:bodyPr rtlCol="0" anchor="ctr"/>
+              <a:lstStyle/>
+              <a:p>
+                <a:pPr algn="ctr"/>
+                <a:endParaRPr lang="zh-CN" altLang="en-US" dirty="0">
+                  <a:latin typeface="Consolas" panose="020B0609020204030204" pitchFamily="49" charset="0"/>
+                </a:endParaRPr>
+              </a:p>
+            </p:txBody>
+          </p:sp>
+          <p:sp>
+            <p:nvSpPr>
+              <p:cNvPr id="120" name="文本框 119"/>
+              <p:cNvSpPr txBox="1"/>
+              <p:nvPr/>
+            </p:nvSpPr>
+            <p:spPr>
+              <a:xfrm>
+                <a:off x="18262378" y="1180477"/>
+                <a:ext cx="2084224" cy="511424"/>
+              </a:xfrm>
+              <a:prstGeom prst="rect">
+                <a:avLst/>
+              </a:prstGeom>
+              <a:noFill/>
+            </p:spPr>
+            <p:txBody>
+              <a:bodyPr wrap="none" rtlCol="0">
+                <a:spAutoFit/>
+              </a:bodyPr>
+              <a:lstStyle/>
+              <a:p>
+                <a:r>
+                  <a:rPr lang="en-US" altLang="zh-CN" b="1" dirty="0">
+                    <a:latin typeface="Consolas" panose="020B0609020204030204" pitchFamily="49" charset="0"/>
+                  </a:rPr>
+                  <a:t>Recharge</a:t>
+                </a:r>
+                <a:r>
+                  <a:rPr lang="en-US" altLang="zh-CN" b="1" dirty="0" smtClean="0">
+                    <a:latin typeface="Consolas" panose="020B0609020204030204" pitchFamily="49" charset="0"/>
+                  </a:rPr>
+                  <a:t> </a:t>
+                </a:r>
+                <a:r>
+                  <a:rPr lang="en-US" altLang="zh-CN" b="1" dirty="0">
+                    <a:latin typeface="Consolas" panose="020B0609020204030204" pitchFamily="49" charset="0"/>
+                  </a:rPr>
+                  <a:t>Server</a:t>
+                </a:r>
+                <a:endParaRPr lang="zh-CN" altLang="en-US" b="1" dirty="0">
+                  <a:latin typeface="Consolas" panose="020B0609020204030204" pitchFamily="49" charset="0"/>
+                </a:endParaRPr>
+              </a:p>
+            </p:txBody>
+          </p:sp>
+        </p:grpSp>
+        <p:sp>
+          <p:nvSpPr>
+            <p:cNvPr id="118" name="菱形 117"/>
+            <p:cNvSpPr/>
+            <p:nvPr/>
+          </p:nvSpPr>
+          <p:spPr>
+            <a:xfrm>
+              <a:off x="15691788" y="4571698"/>
+              <a:ext cx="360000" cy="360000"/>
+            </a:xfrm>
+            <a:prstGeom prst="diamond">
+              <a:avLst/>
+            </a:prstGeom>
+            <a:solidFill>
+              <a:schemeClr val="accent4">
+                <a:lumMod val="40000"/>
+                <a:lumOff val="60000"/>
+              </a:schemeClr>
+            </a:solidFill>
+          </p:spPr>
+          <p:style>
+            <a:lnRef idx="2">
+              <a:schemeClr val="accent1">
+                <a:shade val="50000"/>
+              </a:schemeClr>
+            </a:lnRef>
+            <a:fillRef idx="1">
+              <a:schemeClr val="accent1"/>
+            </a:fillRef>
+            <a:effectRef idx="0">
+              <a:schemeClr val="accent1"/>
+            </a:effectRef>
+            <a:fontRef idx="minor">
+              <a:schemeClr val="lt1"/>
+            </a:fontRef>
+          </p:style>
+          <p:txBody>
+            <a:bodyPr rot="0" spcFirstLastPara="0" vertOverflow="overflow" horzOverflow="overflow" vert="horz" wrap="square" lIns="91439" tIns="45720" rIns="91439" bIns="45720" numCol="1" spcCol="0" rtlCol="0" fromWordArt="0" anchor="ctr" anchorCtr="0" forceAA="0" compatLnSpc="1">
+              <a:prstTxWarp prst="textNoShape">
+                <a:avLst/>
+              </a:prstTxWarp>
+              <a:noAutofit/>
+            </a:bodyPr>
+            <a:lstStyle/>
+            <a:p>
+              <a:pPr algn="ctr"/>
+              <a:endParaRPr lang="zh-CN" altLang="en-US">
+                <a:latin typeface="Consolas" panose="020B0609020204030204" pitchFamily="49" charset="0"/>
+              </a:endParaRPr>
+            </a:p>
+          </p:txBody>
+        </p:sp>
+      </p:grpSp>
+      <p:cxnSp>
+        <p:nvCxnSpPr>
+          <p:cNvPr id="121" name="直接连接符 36"/>
+          <p:cNvCxnSpPr>
+            <a:stCxn id="208" idx="0"/>
+            <a:endCxn id="118" idx="2"/>
+          </p:cNvCxnSpPr>
+          <p:nvPr/>
+        </p:nvCxnSpPr>
+        <p:spPr>
+          <a:xfrm rot="5400000" flipH="1" flipV="1">
+            <a:off x="9466180" y="399921"/>
+            <a:ext cx="3129893" cy="5497408"/>
+          </a:xfrm>
+          <a:prstGeom prst="bentConnector3">
+            <a:avLst>
+              <a:gd name="adj1" fmla="val 36204"/>
             </a:avLst>
           </a:prstGeom>
           <a:ln w="25400">

--- a/doc/framework.pptx
+++ b/doc/framework.pptx
@@ -5,10 +5,11 @@
     <p:sldMasterId id="2147483720" r:id="rId1"/>
   </p:sldMasterIdLst>
   <p:notesMasterIdLst>
-    <p:notesMasterId r:id="rId3"/>
+    <p:notesMasterId r:id="rId4"/>
   </p:notesMasterIdLst>
   <p:sldIdLst>
     <p:sldId id="256" r:id="rId2"/>
+    <p:sldId id="257" r:id="rId3"/>
   </p:sldIdLst>
   <p:sldSz cx="21599525" cy="12599988"/>
   <p:notesSz cx="6858000" cy="9144000"/>
@@ -556,6 +557,95 @@
     <p:extLst>
       <p:ext uri="{BB962C8B-B14F-4D97-AF65-F5344CB8AC3E}">
         <p14:creationId xmlns:p14="http://schemas.microsoft.com/office/powerpoint/2010/main" val="1231963279"/>
+      </p:ext>
+    </p:extLst>
+  </p:cSld>
+  <p:clrMapOvr>
+    <a:masterClrMapping/>
+  </p:clrMapOvr>
+</p:notes>
+</file>
+
+<file path=ppt/notesSlides/notesSlide2.xml><?xml version="1.0" encoding="utf-8"?>
+<p:notes xmlns:a="http://schemas.openxmlformats.org/drawingml/2006/main" xmlns:r="http://schemas.openxmlformats.org/officeDocument/2006/relationships" xmlns:p="http://schemas.openxmlformats.org/presentationml/2006/main">
+  <p:cSld>
+    <p:spTree>
+      <p:nvGrpSpPr>
+        <p:cNvPr id="1" name=""/>
+        <p:cNvGrpSpPr/>
+        <p:nvPr/>
+      </p:nvGrpSpPr>
+      <p:grpSpPr>
+        <a:xfrm>
+          <a:off x="0" y="0"/>
+          <a:ext cx="0" cy="0"/>
+          <a:chOff x="0" y="0"/>
+          <a:chExt cx="0" cy="0"/>
+        </a:xfrm>
+      </p:grpSpPr>
+      <p:sp>
+        <p:nvSpPr>
+          <p:cNvPr id="2" name="幻灯片图像占位符 1"/>
+          <p:cNvSpPr>
+            <a:spLocks noGrp="1" noRot="1" noChangeAspect="1"/>
+          </p:cNvSpPr>
+          <p:nvPr>
+            <p:ph type="sldImg"/>
+          </p:nvPr>
+        </p:nvSpPr>
+        <p:spPr>
+          <a:xfrm>
+            <a:off x="784225" y="1143000"/>
+            <a:ext cx="5289550" cy="3086100"/>
+          </a:xfrm>
+        </p:spPr>
+      </p:sp>
+      <p:sp>
+        <p:nvSpPr>
+          <p:cNvPr id="3" name="备注占位符 2"/>
+          <p:cNvSpPr>
+            <a:spLocks noGrp="1"/>
+          </p:cNvSpPr>
+          <p:nvPr>
+            <p:ph type="body" idx="1"/>
+          </p:nvPr>
+        </p:nvSpPr>
+        <p:spPr/>
+        <p:txBody>
+          <a:bodyPr/>
+          <a:lstStyle/>
+          <a:p>
+            <a:endParaRPr lang="zh-CN" altLang="en-US" dirty="0"/>
+          </a:p>
+        </p:txBody>
+      </p:sp>
+      <p:sp>
+        <p:nvSpPr>
+          <p:cNvPr id="4" name="灯片编号占位符 3"/>
+          <p:cNvSpPr>
+            <a:spLocks noGrp="1"/>
+          </p:cNvSpPr>
+          <p:nvPr>
+            <p:ph type="sldNum" sz="quarter" idx="10"/>
+          </p:nvPr>
+        </p:nvSpPr>
+        <p:spPr/>
+        <p:txBody>
+          <a:bodyPr/>
+          <a:lstStyle/>
+          <a:p>
+            <a:fld id="{AD5F51CB-21FE-48C9-BBA9-69A95DB4DF10}" type="slidenum">
+              <a:rPr lang="zh-CN" altLang="en-US" smtClean="0"/>
+              <a:t>2</a:t>
+            </a:fld>
+            <a:endParaRPr lang="zh-CN" altLang="en-US"/>
+          </a:p>
+        </p:txBody>
+      </p:sp>
+    </p:spTree>
+    <p:extLst>
+      <p:ext uri="{BB962C8B-B14F-4D97-AF65-F5344CB8AC3E}">
+        <p14:creationId xmlns:p14="http://schemas.microsoft.com/office/powerpoint/2010/main" val="352401810"/>
       </p:ext>
     </p:extLst>
   </p:cSld>
@@ -9092,6 +9182,204 @@
 </p:sld>
 </file>
 
+<file path=ppt/slides/slide2.xml><?xml version="1.0" encoding="utf-8"?>
+<p:sld xmlns:a="http://schemas.openxmlformats.org/drawingml/2006/main" xmlns:r="http://schemas.openxmlformats.org/officeDocument/2006/relationships" xmlns:p="http://schemas.openxmlformats.org/presentationml/2006/main">
+  <p:cSld>
+    <p:bg>
+      <p:bgPr>
+        <a:solidFill>
+          <a:schemeClr val="accent1"/>
+        </a:solidFill>
+        <a:effectLst/>
+      </p:bgPr>
+    </p:bg>
+    <p:spTree>
+      <p:nvGrpSpPr>
+        <p:cNvPr id="1" name=""/>
+        <p:cNvGrpSpPr/>
+        <p:nvPr/>
+      </p:nvGrpSpPr>
+      <p:grpSpPr>
+        <a:xfrm>
+          <a:off x="0" y="0"/>
+          <a:ext cx="0" cy="0"/>
+          <a:chOff x="0" y="0"/>
+          <a:chExt cx="0" cy="0"/>
+        </a:xfrm>
+      </p:grpSpPr>
+      <p:sp>
+        <p:nvSpPr>
+          <p:cNvPr id="122" name="文本框 121"/>
+          <p:cNvSpPr txBox="1"/>
+          <p:nvPr/>
+        </p:nvSpPr>
+        <p:spPr>
+          <a:xfrm>
+            <a:off x="475481" y="422391"/>
+            <a:ext cx="2646878" cy="830997"/>
+          </a:xfrm>
+          <a:prstGeom prst="rect">
+            <a:avLst/>
+          </a:prstGeom>
+          <a:noFill/>
+        </p:spPr>
+        <p:txBody>
+          <a:bodyPr wrap="none" rtlCol="0">
+            <a:spAutoFit/>
+          </a:bodyPr>
+          <a:lstStyle/>
+          <a:p>
+            <a:r>
+              <a:rPr lang="zh-CN" altLang="en-US" sz="4800" b="1" dirty="0" smtClean="0">
+                <a:latin typeface="Consolas" panose="020B0609020204030204" pitchFamily="49" charset="0"/>
+              </a:rPr>
+              <a:t>登录流程</a:t>
+            </a:r>
+            <a:endParaRPr lang="zh-CN" altLang="en-US" sz="4800" b="1" dirty="0">
+              <a:latin typeface="Consolas" panose="020B0609020204030204" pitchFamily="49" charset="0"/>
+            </a:endParaRPr>
+          </a:p>
+        </p:txBody>
+      </p:sp>
+      <p:sp>
+        <p:nvSpPr>
+          <p:cNvPr id="3" name="文本框 2"/>
+          <p:cNvSpPr txBox="1"/>
+          <p:nvPr/>
+        </p:nvSpPr>
+        <p:spPr>
+          <a:xfrm>
+            <a:off x="475481" y="1550504"/>
+            <a:ext cx="20383441" cy="2677656"/>
+          </a:xfrm>
+          <a:prstGeom prst="rect">
+            <a:avLst/>
+          </a:prstGeom>
+          <a:noFill/>
+        </p:spPr>
+        <p:txBody>
+          <a:bodyPr wrap="square" rtlCol="0">
+            <a:spAutoFit/>
+          </a:bodyPr>
+          <a:lstStyle/>
+          <a:p>
+            <a:pPr marL="285750" indent="-285750">
+              <a:buFont typeface="Wingdings" panose="05000000000000000000" pitchFamily="2" charset="2"/>
+              <a:buChar char="l"/>
+            </a:pPr>
+            <a:r>
+              <a:rPr lang="zh-CN" altLang="en-US" sz="2400" dirty="0" smtClean="0"/>
+              <a:t> 客户端请求登录</a:t>
+            </a:r>
+            <a:endParaRPr lang="en-US" altLang="zh-CN" sz="2400" dirty="0" smtClean="0"/>
+          </a:p>
+          <a:p>
+            <a:r>
+              <a:rPr lang="en-US" altLang="zh-CN" sz="2400" dirty="0"/>
+              <a:t>	</a:t>
+            </a:r>
+            <a:r>
+              <a:rPr lang="en-US" altLang="zh-CN" sz="2400" dirty="0" smtClean="0"/>
+              <a:t>	</a:t>
+            </a:r>
+            <a:r>
+              <a:rPr lang="zh-CN" altLang="en-US" sz="2400" dirty="0" smtClean="0"/>
+              <a:t>指定</a:t>
+            </a:r>
+            <a:r>
+              <a:rPr lang="en-US" altLang="zh-CN" sz="2400" dirty="0" smtClean="0"/>
+              <a:t>IP/</a:t>
+            </a:r>
+            <a:r>
+              <a:rPr lang="zh-CN" altLang="en-US" sz="2400" dirty="0" smtClean="0"/>
+              <a:t>端口</a:t>
+            </a:r>
+            <a:endParaRPr lang="en-US" altLang="zh-CN" sz="2400" dirty="0" smtClean="0"/>
+          </a:p>
+          <a:p>
+            <a:pPr marL="285750" indent="-285750">
+              <a:buFont typeface="Wingdings" panose="05000000000000000000" pitchFamily="2" charset="2"/>
+              <a:buChar char="l"/>
+            </a:pPr>
+            <a:r>
+              <a:rPr lang="en-US" altLang="zh-CN" sz="2400" dirty="0"/>
+              <a:t> </a:t>
+            </a:r>
+            <a:r>
+              <a:rPr lang="en-US" altLang="zh-CN" sz="2400" dirty="0" smtClean="0"/>
+              <a:t>Login Server</a:t>
+            </a:r>
+            <a:r>
+              <a:rPr lang="zh-CN" altLang="en-US" sz="2400" dirty="0" smtClean="0"/>
+              <a:t>服务器收到登录请求</a:t>
+            </a:r>
+            <a:endParaRPr lang="en-US" altLang="zh-CN" sz="2400" dirty="0" smtClean="0"/>
+          </a:p>
+          <a:p>
+            <a:pPr lvl="2"/>
+            <a:r>
+              <a:rPr lang="zh-CN" altLang="en-US" sz="2400" dirty="0" smtClean="0"/>
+              <a:t>解析请求信息后，提取客户端指纹，过滤请求。</a:t>
+            </a:r>
+            <a:endParaRPr lang="en-US" altLang="zh-CN" sz="2400" dirty="0" smtClean="0"/>
+          </a:p>
+          <a:p>
+            <a:pPr lvl="2"/>
+            <a:r>
+              <a:rPr lang="zh-CN" altLang="en-US" sz="2400" dirty="0" smtClean="0"/>
+              <a:t>若无账号，返回登录失败，客户端提示注册。</a:t>
+            </a:r>
+            <a:endParaRPr lang="en-US" altLang="zh-CN" sz="2400" dirty="0" smtClean="0"/>
+          </a:p>
+          <a:p>
+            <a:pPr lvl="2"/>
+            <a:r>
+              <a:rPr lang="zh-CN" altLang="en-US" sz="2400" dirty="0" smtClean="0"/>
+              <a:t>若账号存在，指纹转码后，加载</a:t>
+            </a:r>
+            <a:r>
+              <a:rPr lang="en-US" altLang="zh-CN" sz="2400" dirty="0" smtClean="0"/>
+              <a:t>Database</a:t>
+            </a:r>
+            <a:r>
+              <a:rPr lang="zh-CN" altLang="en-US" sz="2400" dirty="0" smtClean="0"/>
+              <a:t>验证。</a:t>
+            </a:r>
+            <a:endParaRPr lang="en-US" altLang="zh-CN" sz="2400" dirty="0" smtClean="0"/>
+          </a:p>
+          <a:p>
+            <a:pPr marL="285750" indent="-285750">
+              <a:buFont typeface="Wingdings" panose="05000000000000000000" pitchFamily="2" charset="2"/>
+              <a:buChar char="l"/>
+            </a:pPr>
+            <a:r>
+              <a:rPr lang="en-US" altLang="zh-CN" sz="2400" smtClean="0"/>
+              <a:t> </a:t>
+            </a:r>
+            <a:endParaRPr lang="en-US" altLang="zh-CN" sz="2400" dirty="0" smtClean="0"/>
+          </a:p>
+        </p:txBody>
+      </p:sp>
+    </p:spTree>
+    <p:extLst>
+      <p:ext uri="{BB962C8B-B14F-4D97-AF65-F5344CB8AC3E}">
+        <p14:creationId xmlns:p14="http://schemas.microsoft.com/office/powerpoint/2010/main" val="2398241703"/>
+      </p:ext>
+    </p:extLst>
+  </p:cSld>
+  <p:clrMapOvr>
+    <a:masterClrMapping/>
+  </p:clrMapOvr>
+  <p:timing>
+    <p:tnLst>
+      <p:par>
+        <p:cTn id="1" dur="indefinite" restart="never" nodeType="tmRoot"/>
+      </p:par>
+    </p:tnLst>
+  </p:timing>
+</p:sld>
+</file>
+
 <file path=ppt/theme/theme1.xml><?xml version="1.0" encoding="utf-8"?>
 <a:theme xmlns:a="http://schemas.openxmlformats.org/drawingml/2006/main" name="Office 主题​​">
   <a:themeElements>

--- a/doc/framework.pptx
+++ b/doc/framework.pptx
@@ -209,7 +209,7 @@
           <a:p>
             <a:fld id="{110D8902-5A20-453A-A79F-73E188936291}" type="datetimeFigureOut">
               <a:rPr lang="zh-CN" altLang="en-US" smtClean="0"/>
-              <a:t>2021/9/15</a:t>
+              <a:t>2021/9/16</a:t>
             </a:fld>
             <a:endParaRPr lang="zh-CN" altLang="en-US"/>
           </a:p>
@@ -786,7 +786,7 @@
           <a:p>
             <a:fld id="{9539D9DB-C257-48EC-866B-42186B048592}" type="datetimeFigureOut">
               <a:rPr lang="zh-CN" altLang="en-US" smtClean="0"/>
-              <a:t>2021/9/15</a:t>
+              <a:t>2021/9/16</a:t>
             </a:fld>
             <a:endParaRPr lang="zh-CN" altLang="en-US"/>
           </a:p>
@@ -956,7 +956,7 @@
           <a:p>
             <a:fld id="{9539D9DB-C257-48EC-866B-42186B048592}" type="datetimeFigureOut">
               <a:rPr lang="zh-CN" altLang="en-US" smtClean="0"/>
-              <a:t>2021/9/15</a:t>
+              <a:t>2021/9/16</a:t>
             </a:fld>
             <a:endParaRPr lang="zh-CN" altLang="en-US"/>
           </a:p>
@@ -1136,7 +1136,7 @@
           <a:p>
             <a:fld id="{9539D9DB-C257-48EC-866B-42186B048592}" type="datetimeFigureOut">
               <a:rPr lang="zh-CN" altLang="en-US" smtClean="0"/>
-              <a:t>2021/9/15</a:t>
+              <a:t>2021/9/16</a:t>
             </a:fld>
             <a:endParaRPr lang="zh-CN" altLang="en-US"/>
           </a:p>
@@ -1306,7 +1306,7 @@
           <a:p>
             <a:fld id="{9539D9DB-C257-48EC-866B-42186B048592}" type="datetimeFigureOut">
               <a:rPr lang="zh-CN" altLang="en-US" smtClean="0"/>
-              <a:t>2021/9/15</a:t>
+              <a:t>2021/9/16</a:t>
             </a:fld>
             <a:endParaRPr lang="zh-CN" altLang="en-US"/>
           </a:p>
@@ -1552,7 +1552,7 @@
           <a:p>
             <a:fld id="{9539D9DB-C257-48EC-866B-42186B048592}" type="datetimeFigureOut">
               <a:rPr lang="zh-CN" altLang="en-US" smtClean="0"/>
-              <a:t>2021/9/15</a:t>
+              <a:t>2021/9/16</a:t>
             </a:fld>
             <a:endParaRPr lang="zh-CN" altLang="en-US"/>
           </a:p>
@@ -1784,7 +1784,7 @@
           <a:p>
             <a:fld id="{9539D9DB-C257-48EC-866B-42186B048592}" type="datetimeFigureOut">
               <a:rPr lang="zh-CN" altLang="en-US" smtClean="0"/>
-              <a:t>2021/9/15</a:t>
+              <a:t>2021/9/16</a:t>
             </a:fld>
             <a:endParaRPr lang="zh-CN" altLang="en-US"/>
           </a:p>
@@ -2151,7 +2151,7 @@
           <a:p>
             <a:fld id="{9539D9DB-C257-48EC-866B-42186B048592}" type="datetimeFigureOut">
               <a:rPr lang="zh-CN" altLang="en-US" smtClean="0"/>
-              <a:t>2021/9/15</a:t>
+              <a:t>2021/9/16</a:t>
             </a:fld>
             <a:endParaRPr lang="zh-CN" altLang="en-US"/>
           </a:p>
@@ -2269,7 +2269,7 @@
           <a:p>
             <a:fld id="{9539D9DB-C257-48EC-866B-42186B048592}" type="datetimeFigureOut">
               <a:rPr lang="zh-CN" altLang="en-US" smtClean="0"/>
-              <a:t>2021/9/15</a:t>
+              <a:t>2021/9/16</a:t>
             </a:fld>
             <a:endParaRPr lang="zh-CN" altLang="en-US"/>
           </a:p>
@@ -2364,7 +2364,7 @@
           <a:p>
             <a:fld id="{9539D9DB-C257-48EC-866B-42186B048592}" type="datetimeFigureOut">
               <a:rPr lang="zh-CN" altLang="en-US" smtClean="0"/>
-              <a:t>2021/9/15</a:t>
+              <a:t>2021/9/16</a:t>
             </a:fld>
             <a:endParaRPr lang="zh-CN" altLang="en-US"/>
           </a:p>
@@ -2641,7 +2641,7 @@
           <a:p>
             <a:fld id="{9539D9DB-C257-48EC-866B-42186B048592}" type="datetimeFigureOut">
               <a:rPr lang="zh-CN" altLang="en-US" smtClean="0"/>
-              <a:t>2021/9/15</a:t>
+              <a:t>2021/9/16</a:t>
             </a:fld>
             <a:endParaRPr lang="zh-CN" altLang="en-US"/>
           </a:p>
@@ -2898,7 +2898,7 @@
           <a:p>
             <a:fld id="{9539D9DB-C257-48EC-866B-42186B048592}" type="datetimeFigureOut">
               <a:rPr lang="zh-CN" altLang="en-US" smtClean="0"/>
-              <a:t>2021/9/15</a:t>
+              <a:t>2021/9/16</a:t>
             </a:fld>
             <a:endParaRPr lang="zh-CN" altLang="en-US"/>
           </a:p>
@@ -3111,7 +3111,7 @@
           <a:p>
             <a:fld id="{9539D9DB-C257-48EC-866B-42186B048592}" type="datetimeFigureOut">
               <a:rPr lang="zh-CN" altLang="en-US" smtClean="0"/>
-              <a:t>2021/9/15</a:t>
+              <a:t>2021/9/16</a:t>
             </a:fld>
             <a:endParaRPr lang="zh-CN" altLang="en-US"/>
           </a:p>
@@ -9250,7 +9250,7 @@
         <p:spPr>
           <a:xfrm>
             <a:off x="475481" y="1550504"/>
-            <a:ext cx="20383441" cy="2677656"/>
+            <a:ext cx="20383441" cy="9325630"/>
           </a:xfrm>
           <a:prstGeom prst="rect">
             <a:avLst/>
@@ -9319,7 +9319,11 @@
             <a:pPr lvl="2"/>
             <a:r>
               <a:rPr lang="zh-CN" altLang="en-US" sz="2400" dirty="0" smtClean="0"/>
-              <a:t>解析请求信息后，提取客户端指纹，过滤请求。</a:t>
+              <a:t>解析请求信息后，提取</a:t>
+            </a:r>
+            <a:r>
+              <a:rPr lang="zh-CN" altLang="en-US" sz="2400" dirty="0" smtClean="0"/>
+              <a:t>客户端用户账号密码，算法生成用户指纹</a:t>
             </a:r>
             <a:endParaRPr lang="en-US" altLang="zh-CN" sz="2400" dirty="0" smtClean="0"/>
           </a:p>
@@ -9327,15 +9331,7 @@
             <a:pPr lvl="2"/>
             <a:r>
               <a:rPr lang="zh-CN" altLang="en-US" sz="2400" dirty="0" smtClean="0"/>
-              <a:t>若无账号，返回登录失败，客户端提示注册。</a:t>
-            </a:r>
-            <a:endParaRPr lang="en-US" altLang="zh-CN" sz="2400" dirty="0" smtClean="0"/>
-          </a:p>
-          <a:p>
-            <a:pPr lvl="2"/>
-            <a:r>
-              <a:rPr lang="zh-CN" altLang="en-US" sz="2400" dirty="0" smtClean="0"/>
-              <a:t>若账号存在，指纹转码后，加载</a:t>
+              <a:t>使用用户指纹</a:t>
             </a:r>
             <a:r>
               <a:rPr lang="en-US" altLang="zh-CN" sz="2400" dirty="0" smtClean="0"/>
@@ -9343,7 +9339,7 @@
             </a:r>
             <a:r>
               <a:rPr lang="zh-CN" altLang="en-US" sz="2400" dirty="0" smtClean="0"/>
-              <a:t>验证。</a:t>
+              <a:t>验证</a:t>
             </a:r>
             <a:endParaRPr lang="en-US" altLang="zh-CN" sz="2400" dirty="0" smtClean="0"/>
           </a:p>
@@ -9353,8 +9349,396 @@
               <a:buChar char="l"/>
             </a:pPr>
             <a:r>
-              <a:rPr lang="en-US" altLang="zh-CN" sz="2400" smtClean="0"/>
+              <a:rPr lang="en-US" altLang="zh-CN" sz="2400" dirty="0" smtClean="0"/>
               <a:t> </a:t>
+            </a:r>
+            <a:r>
+              <a:rPr lang="en-US" altLang="zh-CN" sz="2400" dirty="0" smtClean="0"/>
+              <a:t>Database</a:t>
+            </a:r>
+            <a:r>
+              <a:rPr lang="zh-CN" altLang="en-US" sz="2400" dirty="0" smtClean="0"/>
+              <a:t>验证</a:t>
+            </a:r>
+            <a:endParaRPr lang="en-US" altLang="zh-CN" sz="2400" dirty="0" smtClean="0"/>
+          </a:p>
+          <a:p>
+            <a:pPr lvl="1"/>
+            <a:r>
+              <a:rPr lang="en-US" altLang="zh-CN" sz="2400" dirty="0" smtClean="0"/>
+              <a:t>	</a:t>
+            </a:r>
+            <a:r>
+              <a:rPr lang="zh-CN" altLang="en-US" sz="2400" dirty="0" smtClean="0"/>
+              <a:t>验证通过后，返回用户所在区服简要信息，返回</a:t>
+            </a:r>
+            <a:r>
+              <a:rPr lang="en-US" altLang="zh-CN" sz="2400" dirty="0" smtClean="0"/>
+              <a:t>Login Server</a:t>
+            </a:r>
+            <a:endParaRPr lang="en-US" altLang="zh-CN" sz="2400" dirty="0"/>
+          </a:p>
+          <a:p>
+            <a:pPr marL="285750" indent="-285750">
+              <a:buFont typeface="Wingdings" panose="05000000000000000000" pitchFamily="2" charset="2"/>
+              <a:buChar char="l"/>
+            </a:pPr>
+            <a:r>
+              <a:rPr lang="en-US" altLang="zh-CN" sz="2400" dirty="0" smtClean="0"/>
+              <a:t> Login Server</a:t>
+            </a:r>
+            <a:r>
+              <a:rPr lang="zh-CN" altLang="en-US" sz="2400" dirty="0" smtClean="0"/>
+              <a:t>收到用户的区服简要信息返回客户端区服列表。</a:t>
+            </a:r>
+            <a:endParaRPr lang="en-US" altLang="zh-CN" sz="2400" dirty="0" smtClean="0"/>
+          </a:p>
+          <a:p>
+            <a:pPr lvl="2"/>
+            <a:r>
+              <a:rPr lang="zh-CN" altLang="en-US" sz="2400" dirty="0" smtClean="0"/>
+              <a:t>根据用户指纹生成</a:t>
+            </a:r>
+            <a:r>
+              <a:rPr lang="en-US" altLang="zh-CN" sz="2400" dirty="0" smtClean="0"/>
+              <a:t>token</a:t>
+            </a:r>
+            <a:r>
+              <a:rPr lang="zh-CN" altLang="en-US" sz="2400" dirty="0" smtClean="0"/>
+              <a:t>返还给客户端</a:t>
+            </a:r>
+            <a:endParaRPr lang="en-US" altLang="zh-CN" sz="2400" dirty="0" smtClean="0"/>
+          </a:p>
+          <a:p>
+            <a:pPr lvl="1"/>
+            <a:r>
+              <a:rPr lang="en-US" altLang="zh-CN" sz="2400" dirty="0" smtClean="0"/>
+              <a:t>	</a:t>
+            </a:r>
+            <a:r>
+              <a:rPr lang="zh-CN" altLang="en-US" sz="2400" dirty="0" smtClean="0"/>
+              <a:t>区服列表为</a:t>
+            </a:r>
+            <a:r>
+              <a:rPr lang="en-US" altLang="zh-CN" sz="2400" dirty="0" smtClean="0"/>
+              <a:t>Game Server</a:t>
+            </a:r>
+            <a:r>
+              <a:rPr lang="zh-CN" altLang="en-US" sz="2400" dirty="0" smtClean="0"/>
+              <a:t>的</a:t>
+            </a:r>
+            <a:r>
+              <a:rPr lang="en-US" altLang="zh-CN" sz="2400" dirty="0" smtClean="0"/>
+              <a:t>Balance </a:t>
+            </a:r>
+            <a:r>
+              <a:rPr lang="en-US" altLang="zh-CN" sz="2400" dirty="0" err="1" smtClean="0"/>
+              <a:t>ServerIP</a:t>
+            </a:r>
+            <a:r>
+              <a:rPr lang="en-US" altLang="zh-CN" sz="2400" dirty="0" smtClean="0"/>
+              <a:t>/</a:t>
+            </a:r>
+            <a:r>
+              <a:rPr lang="zh-CN" altLang="en-US" sz="2400" dirty="0" smtClean="0"/>
+              <a:t>端口</a:t>
+            </a:r>
+            <a:endParaRPr lang="en-US" altLang="zh-CN" sz="2400" dirty="0"/>
+          </a:p>
+          <a:p>
+            <a:pPr marL="285750" indent="-285750">
+              <a:buFont typeface="Wingdings" panose="05000000000000000000" pitchFamily="2" charset="2"/>
+              <a:buChar char="l"/>
+            </a:pPr>
+            <a:r>
+              <a:rPr lang="en-US" altLang="zh-CN" sz="2400" dirty="0" smtClean="0"/>
+              <a:t> </a:t>
+            </a:r>
+            <a:r>
+              <a:rPr lang="zh-CN" altLang="en-US" sz="2400" dirty="0" smtClean="0"/>
+              <a:t>客户端收到服务器列表后，选择服务器登录</a:t>
+            </a:r>
+            <a:endParaRPr lang="en-US" altLang="zh-CN" sz="2400" dirty="0" smtClean="0"/>
+          </a:p>
+          <a:p>
+            <a:pPr lvl="1"/>
+            <a:r>
+              <a:rPr lang="en-US" altLang="zh-CN" sz="2400" dirty="0" smtClean="0"/>
+              <a:t>	</a:t>
+            </a:r>
+            <a:r>
+              <a:rPr lang="zh-CN" altLang="en-US" sz="2400" dirty="0" smtClean="0"/>
+              <a:t>选择</a:t>
+            </a:r>
+            <a:r>
+              <a:rPr lang="en-US" altLang="zh-CN" sz="2400" dirty="0" smtClean="0"/>
+              <a:t>IP/</a:t>
+            </a:r>
+            <a:r>
+              <a:rPr lang="zh-CN" altLang="en-US" sz="2400" dirty="0"/>
+              <a:t>端口</a:t>
+            </a:r>
+            <a:endParaRPr lang="en-US" altLang="zh-CN" sz="2400" dirty="0"/>
+          </a:p>
+          <a:p>
+            <a:pPr marL="285750" indent="-285750">
+              <a:buFont typeface="Wingdings" panose="05000000000000000000" pitchFamily="2" charset="2"/>
+              <a:buChar char="l"/>
+            </a:pPr>
+            <a:r>
+              <a:rPr lang="en-US" altLang="zh-CN" sz="2400" dirty="0"/>
+              <a:t> </a:t>
+            </a:r>
+            <a:r>
+              <a:rPr lang="en-US" altLang="zh-CN" sz="2400" dirty="0" smtClean="0"/>
+              <a:t>Balance</a:t>
+            </a:r>
+            <a:r>
+              <a:rPr lang="zh-CN" altLang="en-US" sz="2400" dirty="0" smtClean="0"/>
+              <a:t>收到登录请求</a:t>
+            </a:r>
+            <a:endParaRPr lang="en-US" altLang="zh-CN" sz="2400" dirty="0" smtClean="0"/>
+          </a:p>
+          <a:p>
+            <a:pPr lvl="2"/>
+            <a:r>
+              <a:rPr lang="zh-CN" altLang="en-US" sz="2400" dirty="0" smtClean="0"/>
+              <a:t>解析请求信息后，提取客户端的</a:t>
+            </a:r>
+            <a:r>
+              <a:rPr lang="en-US" altLang="zh-CN" sz="2400" dirty="0" smtClean="0"/>
+              <a:t>token</a:t>
+            </a:r>
+            <a:r>
+              <a:rPr lang="zh-CN" altLang="en-US" sz="2400" dirty="0" smtClean="0"/>
+              <a:t>，发送到</a:t>
+            </a:r>
+            <a:r>
+              <a:rPr lang="en-US" altLang="zh-CN" sz="2400" dirty="0" smtClean="0"/>
+              <a:t>Login Server</a:t>
+            </a:r>
+            <a:r>
+              <a:rPr lang="zh-CN" altLang="en-US" sz="2400" dirty="0" smtClean="0"/>
+              <a:t>验证</a:t>
+            </a:r>
+            <a:endParaRPr lang="en-US" altLang="zh-CN" sz="2400" dirty="0"/>
+          </a:p>
+          <a:p>
+            <a:pPr marL="285750" indent="-285750">
+              <a:buFont typeface="Wingdings" panose="05000000000000000000" pitchFamily="2" charset="2"/>
+              <a:buChar char="l"/>
+            </a:pPr>
+            <a:r>
+              <a:rPr lang="en-US" altLang="zh-CN" sz="2400" dirty="0" smtClean="0"/>
+              <a:t> Login Server</a:t>
+            </a:r>
+            <a:r>
+              <a:rPr lang="zh-CN" altLang="en-US" sz="2400" dirty="0" smtClean="0"/>
+              <a:t>收到验证请求</a:t>
+            </a:r>
+            <a:endParaRPr lang="en-US" altLang="zh-CN" sz="2400" dirty="0" smtClean="0"/>
+          </a:p>
+          <a:p>
+            <a:pPr lvl="1"/>
+            <a:r>
+              <a:rPr lang="en-US" altLang="zh-CN" sz="2400" dirty="0" smtClean="0"/>
+              <a:t>	</a:t>
+            </a:r>
+            <a:r>
+              <a:rPr lang="zh-CN" altLang="en-US" sz="2400" dirty="0" smtClean="0"/>
+              <a:t>验证成功后，返回</a:t>
+            </a:r>
+            <a:r>
+              <a:rPr lang="en-US" altLang="zh-CN" sz="2400" dirty="0" smtClean="0"/>
+              <a:t>Balance</a:t>
+            </a:r>
+            <a:endParaRPr lang="en-US" altLang="zh-CN" sz="2400" dirty="0"/>
+          </a:p>
+          <a:p>
+            <a:pPr marL="285750" indent="-285750">
+              <a:buFont typeface="Wingdings" panose="05000000000000000000" pitchFamily="2" charset="2"/>
+              <a:buChar char="l"/>
+            </a:pPr>
+            <a:r>
+              <a:rPr lang="en-US" altLang="zh-CN" sz="2400" dirty="0" smtClean="0"/>
+              <a:t> Balance</a:t>
+            </a:r>
+            <a:r>
+              <a:rPr lang="zh-CN" altLang="en-US" sz="2400" dirty="0" smtClean="0"/>
+              <a:t>收到验证</a:t>
+            </a:r>
+            <a:endParaRPr lang="en-US" altLang="zh-CN" sz="2400" dirty="0" smtClean="0"/>
+          </a:p>
+          <a:p>
+            <a:r>
+              <a:rPr lang="en-US" altLang="zh-CN" sz="2400" dirty="0"/>
+              <a:t>	</a:t>
+            </a:r>
+            <a:r>
+              <a:rPr lang="en-US" altLang="zh-CN" sz="2400" dirty="0" smtClean="0"/>
+              <a:t>	</a:t>
+            </a:r>
+            <a:r>
+              <a:rPr lang="zh-CN" altLang="en-US" sz="2400" dirty="0" smtClean="0"/>
+              <a:t>选择负载最小的</a:t>
+            </a:r>
+            <a:r>
+              <a:rPr lang="en-US" altLang="zh-CN" sz="2400" dirty="0" smtClean="0"/>
+              <a:t>Gate</a:t>
+            </a:r>
+            <a:r>
+              <a:rPr lang="zh-CN" altLang="en-US" sz="2400" dirty="0" smtClean="0"/>
+              <a:t>，将用户的</a:t>
+            </a:r>
+            <a:r>
+              <a:rPr lang="en-US" altLang="zh-CN" sz="2400" dirty="0" smtClean="0"/>
+              <a:t>token</a:t>
+            </a:r>
+            <a:r>
+              <a:rPr lang="zh-CN" altLang="en-US" sz="2400" dirty="0" smtClean="0"/>
+              <a:t>发送给</a:t>
+            </a:r>
+            <a:r>
+              <a:rPr lang="en-US" altLang="zh-CN" sz="2400" dirty="0" smtClean="0"/>
+              <a:t>Gate</a:t>
+            </a:r>
+          </a:p>
+          <a:p>
+            <a:r>
+              <a:rPr lang="en-US" altLang="zh-CN" sz="2400" dirty="0" smtClean="0"/>
+              <a:t>		Gate</a:t>
+            </a:r>
+            <a:r>
+              <a:rPr lang="zh-CN" altLang="en-US" sz="2400" dirty="0" smtClean="0"/>
+              <a:t>的</a:t>
+            </a:r>
+            <a:r>
+              <a:rPr lang="en-US" altLang="zh-CN" sz="2400" dirty="0" smtClean="0"/>
+              <a:t>IP/</a:t>
+            </a:r>
+            <a:r>
+              <a:rPr lang="zh-CN" altLang="en-US" sz="2400" dirty="0" smtClean="0"/>
+              <a:t>端口返还客户端</a:t>
+            </a:r>
+            <a:endParaRPr lang="en-US" altLang="zh-CN" sz="2400" dirty="0" smtClean="0"/>
+          </a:p>
+          <a:p>
+            <a:pPr marL="285750" indent="-285750">
+              <a:buFont typeface="Wingdings" panose="05000000000000000000" pitchFamily="2" charset="2"/>
+              <a:buChar char="l"/>
+            </a:pPr>
+            <a:r>
+              <a:rPr lang="en-US" altLang="zh-CN" sz="2400" dirty="0" smtClean="0"/>
+              <a:t> </a:t>
+            </a:r>
+            <a:r>
+              <a:rPr lang="zh-CN" altLang="en-US" sz="2400" dirty="0" smtClean="0"/>
+              <a:t>客户端收到</a:t>
+            </a:r>
+            <a:r>
+              <a:rPr lang="zh-CN" altLang="en-US" sz="2400" dirty="0" smtClean="0"/>
+              <a:t>登录的</a:t>
+            </a:r>
+            <a:r>
+              <a:rPr lang="en-US" altLang="zh-CN" sz="2400" dirty="0" smtClean="0"/>
+              <a:t>IP/</a:t>
+            </a:r>
+            <a:r>
+              <a:rPr lang="zh-CN" altLang="en-US" sz="2400" dirty="0" smtClean="0"/>
+              <a:t>端口请求登录</a:t>
+            </a:r>
+            <a:endParaRPr lang="en-US" altLang="zh-CN" sz="2400" dirty="0" smtClean="0"/>
+          </a:p>
+          <a:p>
+            <a:r>
+              <a:rPr lang="en-US" altLang="zh-CN" sz="2400" dirty="0" smtClean="0"/>
+              <a:t>		</a:t>
+            </a:r>
+            <a:r>
+              <a:rPr lang="zh-CN" altLang="en-US" sz="2400" dirty="0" smtClean="0"/>
+              <a:t>指定</a:t>
+            </a:r>
+            <a:r>
+              <a:rPr lang="en-US" altLang="zh-CN" sz="2400" dirty="0" smtClean="0"/>
+              <a:t>IP/</a:t>
+            </a:r>
+            <a:r>
+              <a:rPr lang="zh-CN" altLang="en-US" sz="2400" dirty="0" smtClean="0"/>
+              <a:t>端口</a:t>
+            </a:r>
+            <a:endParaRPr lang="en-US" altLang="zh-CN" sz="2400" dirty="0"/>
+          </a:p>
+          <a:p>
+            <a:pPr marL="285750" indent="-285750">
+              <a:buFont typeface="Wingdings" panose="05000000000000000000" pitchFamily="2" charset="2"/>
+              <a:buChar char="l"/>
+            </a:pPr>
+            <a:r>
+              <a:rPr lang="en-US" altLang="zh-CN" sz="2400" dirty="0" smtClean="0"/>
+              <a:t>  Gate</a:t>
+            </a:r>
+            <a:r>
+              <a:rPr lang="zh-CN" altLang="en-US" sz="2400" dirty="0" smtClean="0"/>
+              <a:t>收到登录请求</a:t>
+            </a:r>
+            <a:endParaRPr lang="en-US" altLang="zh-CN" sz="2400" dirty="0" smtClean="0"/>
+          </a:p>
+          <a:p>
+            <a:pPr lvl="2"/>
+            <a:r>
+              <a:rPr lang="zh-CN" altLang="en-US" sz="2400" dirty="0" smtClean="0"/>
+              <a:t>验证</a:t>
+            </a:r>
+            <a:r>
+              <a:rPr lang="en-US" altLang="zh-CN" sz="2400" dirty="0" smtClean="0"/>
+              <a:t>token</a:t>
+            </a:r>
+            <a:r>
+              <a:rPr lang="zh-CN" altLang="en-US" sz="2400" dirty="0" smtClean="0"/>
+              <a:t>正确性和时效性</a:t>
+            </a:r>
+            <a:endParaRPr lang="en-US" altLang="zh-CN" sz="2400" dirty="0" smtClean="0"/>
+          </a:p>
+          <a:p>
+            <a:pPr lvl="2"/>
+            <a:r>
+              <a:rPr lang="zh-CN" altLang="en-US" sz="2400" dirty="0" smtClean="0"/>
+              <a:t>根据</a:t>
+            </a:r>
+            <a:r>
+              <a:rPr lang="en-US" altLang="zh-CN" sz="2400" dirty="0" smtClean="0"/>
+              <a:t>Gate</a:t>
+            </a:r>
+            <a:r>
+              <a:rPr lang="zh-CN" altLang="en-US" sz="2400" dirty="0" smtClean="0"/>
+              <a:t>记录的</a:t>
+            </a:r>
+            <a:r>
+              <a:rPr lang="en-US" altLang="zh-CN" sz="2400" dirty="0" smtClean="0"/>
+              <a:t>Entity</a:t>
+            </a:r>
+            <a:r>
+              <a:rPr lang="zh-CN" altLang="en-US" sz="2400" dirty="0" smtClean="0"/>
+              <a:t>所在的服务器状态，转发到对应的</a:t>
+            </a:r>
+            <a:r>
+              <a:rPr lang="en-US" altLang="zh-CN" sz="2400" dirty="0" smtClean="0"/>
+              <a:t>cell</a:t>
+            </a:r>
+            <a:endParaRPr lang="en-US" altLang="zh-CN" sz="2400" dirty="0"/>
+          </a:p>
+          <a:p>
+            <a:pPr marL="285750" indent="-285750">
+              <a:buFont typeface="Wingdings" panose="05000000000000000000" pitchFamily="2" charset="2"/>
+              <a:buChar char="l"/>
+            </a:pPr>
+            <a:r>
+              <a:rPr lang="en-US" altLang="zh-CN" sz="2400" dirty="0" smtClean="0"/>
+              <a:t> </a:t>
+            </a:r>
+            <a:r>
+              <a:rPr lang="zh-CN" altLang="en-US" sz="2400" smtClean="0"/>
+              <a:t>登录成功</a:t>
             </a:r>
             <a:endParaRPr lang="en-US" altLang="zh-CN" sz="2400" dirty="0" smtClean="0"/>
           </a:p>
